--- a/src/assets/presentation/Presentazione_News.pptx
+++ b/src/assets/presentation/Presentazione_News.pptx
@@ -215,7 +215,7 @@
           <a:p>
             <a:fld id="{53EA131C-FDEA-4DB5-8B04-E97A7817AF64}" type="datetimeFigureOut">
               <a:rPr lang="it-IT" smtClean="0"/>
-              <a:t>05/02/2023</a:t>
+              <a:t>06/02/2023</a:t>
             </a:fld>
             <a:endParaRPr lang="it-IT"/>
           </a:p>
@@ -2680,7 +2680,7 @@
           <a:p>
             <a:fld id="{8F4123FD-8503-424E-BB0E-06AF7306D130}" type="datetimeFigureOut">
               <a:rPr lang="it-IT" smtClean="0"/>
-              <a:t>05/02/2023</a:t>
+              <a:t>06/02/2023</a:t>
             </a:fld>
             <a:endParaRPr lang="it-IT"/>
           </a:p>
@@ -2878,7 +2878,7 @@
           <a:p>
             <a:fld id="{8F4123FD-8503-424E-BB0E-06AF7306D130}" type="datetimeFigureOut">
               <a:rPr lang="it-IT" smtClean="0"/>
-              <a:t>05/02/2023</a:t>
+              <a:t>06/02/2023</a:t>
             </a:fld>
             <a:endParaRPr lang="it-IT"/>
           </a:p>
@@ -3086,7 +3086,7 @@
           <a:p>
             <a:fld id="{8F4123FD-8503-424E-BB0E-06AF7306D130}" type="datetimeFigureOut">
               <a:rPr lang="it-IT" smtClean="0"/>
-              <a:t>05/02/2023</a:t>
+              <a:t>06/02/2023</a:t>
             </a:fld>
             <a:endParaRPr lang="it-IT"/>
           </a:p>
@@ -3284,7 +3284,7 @@
           <a:p>
             <a:fld id="{8F4123FD-8503-424E-BB0E-06AF7306D130}" type="datetimeFigureOut">
               <a:rPr lang="it-IT" smtClean="0"/>
-              <a:t>05/02/2023</a:t>
+              <a:t>06/02/2023</a:t>
             </a:fld>
             <a:endParaRPr lang="it-IT"/>
           </a:p>
@@ -3559,7 +3559,7 @@
           <a:p>
             <a:fld id="{8F4123FD-8503-424E-BB0E-06AF7306D130}" type="datetimeFigureOut">
               <a:rPr lang="it-IT" smtClean="0"/>
-              <a:t>05/02/2023</a:t>
+              <a:t>06/02/2023</a:t>
             </a:fld>
             <a:endParaRPr lang="it-IT"/>
           </a:p>
@@ -3824,7 +3824,7 @@
           <a:p>
             <a:fld id="{8F4123FD-8503-424E-BB0E-06AF7306D130}" type="datetimeFigureOut">
               <a:rPr lang="it-IT" smtClean="0"/>
-              <a:t>05/02/2023</a:t>
+              <a:t>06/02/2023</a:t>
             </a:fld>
             <a:endParaRPr lang="it-IT"/>
           </a:p>
@@ -4236,7 +4236,7 @@
           <a:p>
             <a:fld id="{8F4123FD-8503-424E-BB0E-06AF7306D130}" type="datetimeFigureOut">
               <a:rPr lang="it-IT" smtClean="0"/>
-              <a:t>05/02/2023</a:t>
+              <a:t>06/02/2023</a:t>
             </a:fld>
             <a:endParaRPr lang="it-IT"/>
           </a:p>
@@ -4377,7 +4377,7 @@
           <a:p>
             <a:fld id="{8F4123FD-8503-424E-BB0E-06AF7306D130}" type="datetimeFigureOut">
               <a:rPr lang="it-IT" smtClean="0"/>
-              <a:t>05/02/2023</a:t>
+              <a:t>06/02/2023</a:t>
             </a:fld>
             <a:endParaRPr lang="it-IT"/>
           </a:p>
@@ -4490,7 +4490,7 @@
           <a:p>
             <a:fld id="{8F4123FD-8503-424E-BB0E-06AF7306D130}" type="datetimeFigureOut">
               <a:rPr lang="it-IT" smtClean="0"/>
-              <a:t>05/02/2023</a:t>
+              <a:t>06/02/2023</a:t>
             </a:fld>
             <a:endParaRPr lang="it-IT"/>
           </a:p>
@@ -4801,7 +4801,7 @@
           <a:p>
             <a:fld id="{8F4123FD-8503-424E-BB0E-06AF7306D130}" type="datetimeFigureOut">
               <a:rPr lang="it-IT" smtClean="0"/>
-              <a:t>05/02/2023</a:t>
+              <a:t>06/02/2023</a:t>
             </a:fld>
             <a:endParaRPr lang="it-IT"/>
           </a:p>
@@ -5089,7 +5089,7 @@
           <a:p>
             <a:fld id="{8F4123FD-8503-424E-BB0E-06AF7306D130}" type="datetimeFigureOut">
               <a:rPr lang="it-IT" smtClean="0"/>
-              <a:t>05/02/2023</a:t>
+              <a:t>06/02/2023</a:t>
             </a:fld>
             <a:endParaRPr lang="it-IT"/>
           </a:p>
@@ -5333,7 +5333,7 @@
           <a:p>
             <a:fld id="{8F4123FD-8503-424E-BB0E-06AF7306D130}" type="datetimeFigureOut">
               <a:rPr lang="it-IT" smtClean="0"/>
-              <a:t>05/02/2023</a:t>
+              <a:t>06/02/2023</a:t>
             </a:fld>
             <a:endParaRPr lang="it-IT"/>
           </a:p>
@@ -6080,7 +6080,7 @@
           </a:prstGeom>
           <a:solidFill>
             <a:srgbClr val="263238">
-              <a:alpha val="85000"/>
+              <a:alpha val="84706"/>
             </a:srgbClr>
           </a:solidFill>
           <a:ln w="9525" cap="flat" cmpd="sng">
@@ -6345,14 +6345,14 @@
         <p:spPr>
           <a:xfrm>
             <a:off x="0" y="0"/>
-            <a:ext cx="12192000" cy="1272400"/>
+            <a:ext cx="12192000" cy="1581150"/>
           </a:xfrm>
           <a:prstGeom prst="rect">
             <a:avLst/>
           </a:prstGeom>
           <a:solidFill>
             <a:srgbClr val="263238">
-              <a:alpha val="85000"/>
+              <a:alpha val="84706"/>
             </a:srgbClr>
           </a:solidFill>
           <a:ln w="9525" cap="flat" cmpd="sng">
@@ -6382,7 +6382,7 @@
         <p:spPr>
           <a:xfrm>
             <a:off x="668333" y="143601"/>
-            <a:ext cx="2457422" cy="984845"/>
+            <a:ext cx="2636842" cy="984845"/>
           </a:xfrm>
           <a:prstGeom prst="rect">
             <a:avLst/>
@@ -6409,7 +6409,7 @@
                 <a:cs typeface="Lora"/>
                 <a:sym typeface="Lora"/>
               </a:rPr>
-              <a:t>Grafica</a:t>
+              <a:t>Grafica:</a:t>
             </a:r>
             <a:endParaRPr sz="4800" b="1" dirty="0">
               <a:solidFill>
@@ -6425,10 +6425,10 @@
       </p:sp>
       <p:sp>
         <p:nvSpPr>
-          <p:cNvPr id="4" name="Google Shape;57;p13">
+          <p:cNvPr id="3" name="Google Shape;69;p14">
             <a:extLst>
               <a:ext uri="{FF2B5EF4-FFF2-40B4-BE49-F238E27FC236}">
-                <a16:creationId xmlns:a16="http://schemas.microsoft.com/office/drawing/2014/main" id="{FAF5C34B-9692-5A59-7BAB-2C9C6E6D1403}"/>
+                <a16:creationId xmlns:a16="http://schemas.microsoft.com/office/drawing/2014/main" id="{F5948BD0-7EB0-D6FA-31A8-7D5ED0F713D8}"/>
               </a:ext>
             </a:extLst>
           </p:cNvPr>
@@ -6437,8 +6437,8 @@
         </p:nvSpPr>
         <p:spPr>
           <a:xfrm>
-            <a:off x="460163" y="2942566"/>
-            <a:ext cx="5884653" cy="984845"/>
+            <a:off x="1795885" y="697580"/>
+            <a:ext cx="3709565" cy="738623"/>
           </a:xfrm>
           <a:prstGeom prst="rect">
             <a:avLst/>
@@ -6454,25 +6454,34 @@
           </a:bodyPr>
           <a:lstStyle/>
           <a:p>
-            <a:pPr marL="342900" indent="-342900">
-              <a:buFont typeface="Arial" panose="020B0604020202020204" pitchFamily="34" charset="0"/>
-              <a:buChar char="•"/>
-            </a:pPr>
-            <a:r>
-              <a:rPr lang="it-IT" sz="2400" dirty="0">
+            <a:pPr algn="ctr"/>
+            <a:r>
+              <a:rPr lang="it-IT" sz="3200" b="1" dirty="0">
                 <a:solidFill>
-                  <a:srgbClr val="263238"/>
+                  <a:srgbClr val="FAFAFA"/>
                 </a:solidFill>
                 <a:latin typeface="Lora"/>
                 <a:ea typeface="Lora"/>
                 <a:cs typeface="Lora"/>
                 <a:sym typeface="Lora"/>
               </a:rPr>
-              <a:t>la pagina all'apertura carica le ultime 10 news</a:t>
-            </a:r>
-            <a:endParaRPr dirty="0">
+              <a:t>c</a:t>
+            </a:r>
+            <a:r>
+              <a:rPr lang="it" sz="3200" b="1" dirty="0">
+                <a:solidFill>
+                  <a:srgbClr val="FAFAFA"/>
+                </a:solidFill>
+                <a:latin typeface="Lora"/>
+                <a:ea typeface="Lora"/>
+                <a:cs typeface="Lora"/>
+                <a:sym typeface="Lora"/>
+              </a:rPr>
+              <a:t>ome si presenta:</a:t>
+            </a:r>
+            <a:endParaRPr sz="3200" b="1" dirty="0">
               <a:solidFill>
-                <a:srgbClr val="263238"/>
+                <a:srgbClr val="FAFAFA"/>
               </a:solidFill>
               <a:latin typeface="Lora"/>
               <a:ea typeface="Lora"/>
@@ -6482,67 +6491,12 @@
           </a:p>
         </p:txBody>
       </p:sp>
-      <p:sp>
-        <p:nvSpPr>
-          <p:cNvPr id="2" name="Google Shape;57;p13">
+      <p:pic>
+        <p:nvPicPr>
+          <p:cNvPr id="6" name="Immagine 5">
             <a:extLst>
               <a:ext uri="{FF2B5EF4-FFF2-40B4-BE49-F238E27FC236}">
-                <a16:creationId xmlns:a16="http://schemas.microsoft.com/office/drawing/2014/main" id="{56C52826-B746-F004-0D5F-C78D702DEF7E}"/>
-              </a:ext>
-            </a:extLst>
-          </p:cNvPr>
-          <p:cNvSpPr txBox="1"/>
-          <p:nvPr/>
-        </p:nvSpPr>
-        <p:spPr>
-          <a:xfrm>
-            <a:off x="525478" y="1881628"/>
-            <a:ext cx="2884895" cy="615513"/>
-          </a:xfrm>
-          <a:prstGeom prst="rect">
-            <a:avLst/>
-          </a:prstGeom>
-          <a:noFill/>
-          <a:ln>
-            <a:noFill/>
-          </a:ln>
-        </p:spPr>
-        <p:txBody>
-          <a:bodyPr spcFirstLastPara="1" wrap="square" lIns="121900" tIns="121900" rIns="121900" bIns="121900" anchor="t" anchorCtr="0">
-            <a:spAutoFit/>
-          </a:bodyPr>
-          <a:lstStyle/>
-          <a:p>
-            <a:r>
-              <a:rPr lang="it-IT" sz="2400" b="1" dirty="0">
-                <a:solidFill>
-                  <a:srgbClr val="263238"/>
-                </a:solidFill>
-                <a:latin typeface="Lora"/>
-                <a:ea typeface="Lora"/>
-                <a:cs typeface="Lora"/>
-                <a:sym typeface="Lora"/>
-              </a:rPr>
-              <a:t>Come si presenta:</a:t>
-            </a:r>
-            <a:endParaRPr b="1" dirty="0">
-              <a:solidFill>
-                <a:srgbClr val="263238"/>
-              </a:solidFill>
-              <a:latin typeface="Lora"/>
-              <a:ea typeface="Lora"/>
-              <a:cs typeface="Lora"/>
-              <a:sym typeface="Lora"/>
-            </a:endParaRPr>
-          </a:p>
-        </p:txBody>
-      </p:sp>
-      <p:pic>
-        <p:nvPicPr>
-          <p:cNvPr id="7" name="Immagine 6">
-            <a:extLst>
-              <a:ext uri="{FF2B5EF4-FFF2-40B4-BE49-F238E27FC236}">
-                <a16:creationId xmlns:a16="http://schemas.microsoft.com/office/drawing/2014/main" id="{EC69CF1B-CA4C-CBD4-DFE5-C1E81392DB2E}"/>
+                <a16:creationId xmlns:a16="http://schemas.microsoft.com/office/drawing/2014/main" id="{59B4FAFB-5195-2AE0-CA28-83625D413612}"/>
               </a:ext>
             </a:extLst>
           </p:cNvPr>
@@ -6553,94 +6507,25 @@
         </p:nvPicPr>
         <p:blipFill rotWithShape="1">
           <a:blip r:embed="rId3">
-            <a:alphaModFix/>
             <a:extLst>
-              <a:ext uri="{BEBA8EAE-BF5A-486C-A8C5-ECC9F3942E4B}">
-                <a14:imgProps xmlns:a14="http://schemas.microsoft.com/office/drawing/2010/main">
-                  <a14:imgLayer r:embed="rId4">
-                    <a14:imgEffect>
-                      <a14:sharpenSoften amount="-29000"/>
-                    </a14:imgEffect>
-                  </a14:imgLayer>
-                </a14:imgProps>
-              </a:ext>
               <a:ext uri="{28A0092B-C50C-407E-A947-70E740481C1C}">
                 <a14:useLocalDpi xmlns:a14="http://schemas.microsoft.com/office/drawing/2010/main" val="0"/>
               </a:ext>
             </a:extLst>
           </a:blip>
-          <a:srcRect l="-1808" t="1434" r="1808" b="2274"/>
+          <a:srcRect r="1224"/>
           <a:stretch/>
         </p:blipFill>
         <p:spPr>
           <a:xfrm>
-            <a:off x="7422372" y="1349524"/>
-            <a:ext cx="3598784" cy="4986370"/>
+            <a:off x="938719" y="1581150"/>
+            <a:ext cx="10314561" cy="4848050"/>
           </a:xfrm>
           <a:prstGeom prst="rect">
             <a:avLst/>
           </a:prstGeom>
         </p:spPr>
       </p:pic>
-      <p:sp>
-        <p:nvSpPr>
-          <p:cNvPr id="8" name="Google Shape;57;p13">
-            <a:extLst>
-              <a:ext uri="{FF2B5EF4-FFF2-40B4-BE49-F238E27FC236}">
-                <a16:creationId xmlns:a16="http://schemas.microsoft.com/office/drawing/2014/main" id="{49CFB271-AFB8-5C33-C8DF-34FB92BE358D}"/>
-              </a:ext>
-            </a:extLst>
-          </p:cNvPr>
-          <p:cNvSpPr txBox="1"/>
-          <p:nvPr/>
-        </p:nvSpPr>
-        <p:spPr>
-          <a:xfrm>
-            <a:off x="460163" y="4279947"/>
-            <a:ext cx="5320184" cy="1354176"/>
-          </a:xfrm>
-          <a:prstGeom prst="rect">
-            <a:avLst/>
-          </a:prstGeom>
-          <a:noFill/>
-          <a:ln>
-            <a:noFill/>
-          </a:ln>
-        </p:spPr>
-        <p:txBody>
-          <a:bodyPr spcFirstLastPara="1" wrap="square" lIns="121900" tIns="121900" rIns="121900" bIns="121900" anchor="t" anchorCtr="0">
-            <a:spAutoFit/>
-          </a:bodyPr>
-          <a:lstStyle/>
-          <a:p>
-            <a:pPr marL="342900" indent="-342900">
-              <a:buFont typeface="Arial" panose="020B0604020202020204" pitchFamily="34" charset="0"/>
-              <a:buChar char="•"/>
-            </a:pPr>
-            <a:r>
-              <a:rPr lang="it-IT" sz="2400" dirty="0">
-                <a:solidFill>
-                  <a:srgbClr val="263238"/>
-                </a:solidFill>
-                <a:latin typeface="Lora"/>
-                <a:ea typeface="Lora"/>
-                <a:cs typeface="Lora"/>
-                <a:sym typeface="Lora"/>
-              </a:rPr>
-              <a:t>Ogni minuto la pagina effettua una richiesta per controllare se ci sono ultime notizie.</a:t>
-            </a:r>
-            <a:endParaRPr dirty="0">
-              <a:solidFill>
-                <a:srgbClr val="263238"/>
-              </a:solidFill>
-              <a:latin typeface="Lora"/>
-              <a:ea typeface="Lora"/>
-              <a:cs typeface="Lora"/>
-              <a:sym typeface="Lora"/>
-            </a:endParaRPr>
-          </a:p>
-        </p:txBody>
-      </p:sp>
     </p:spTree>
     <p:extLst>
       <p:ext uri="{BB962C8B-B14F-4D97-AF65-F5344CB8AC3E}">

--- a/src/assets/presentation/Presentazione_News.pptx
+++ b/src/assets/presentation/Presentazione_News.pptx
@@ -5,7 +5,7 @@
     <p:sldMasterId id="2147483648" r:id="rId1"/>
   </p:sldMasterIdLst>
   <p:notesMasterIdLst>
-    <p:notesMasterId r:id="rId21"/>
+    <p:notesMasterId r:id="rId17"/>
   </p:notesMasterIdLst>
   <p:sldIdLst>
     <p:sldId id="257" r:id="rId2"/>
@@ -15,18 +15,14 @@
     <p:sldId id="279" r:id="rId6"/>
     <p:sldId id="281" r:id="rId7"/>
     <p:sldId id="280" r:id="rId8"/>
-    <p:sldId id="282" r:id="rId9"/>
-    <p:sldId id="283" r:id="rId10"/>
-    <p:sldId id="284" r:id="rId11"/>
-    <p:sldId id="285" r:id="rId12"/>
-    <p:sldId id="286" r:id="rId13"/>
-    <p:sldId id="275" r:id="rId14"/>
-    <p:sldId id="274" r:id="rId15"/>
-    <p:sldId id="269" r:id="rId16"/>
-    <p:sldId id="276" r:id="rId17"/>
-    <p:sldId id="273" r:id="rId18"/>
-    <p:sldId id="271" r:id="rId19"/>
-    <p:sldId id="277" r:id="rId20"/>
+    <p:sldId id="283" r:id="rId9"/>
+    <p:sldId id="284" r:id="rId10"/>
+    <p:sldId id="285" r:id="rId11"/>
+    <p:sldId id="287" r:id="rId12"/>
+    <p:sldId id="288" r:id="rId13"/>
+    <p:sldId id="289" r:id="rId14"/>
+    <p:sldId id="271" r:id="rId15"/>
+    <p:sldId id="277" r:id="rId16"/>
   </p:sldIdLst>
   <p:sldSz cx="12192000" cy="6858000"/>
   <p:notesSz cx="6858000" cy="9144000"/>
@@ -685,7 +681,7 @@
     </p:spTree>
     <p:extLst>
       <p:ext uri="{BB962C8B-B14F-4D97-AF65-F5344CB8AC3E}">
-        <p14:creationId xmlns:p14="http://schemas.microsoft.com/office/powerpoint/2010/main" val="4166633398"/>
+        <p14:creationId xmlns:p14="http://schemas.microsoft.com/office/powerpoint/2010/main" val="3658372693"/>
       </p:ext>
     </p:extLst>
   </p:cSld>
@@ -794,7 +790,7 @@
     </p:spTree>
     <p:extLst>
       <p:ext uri="{BB962C8B-B14F-4D97-AF65-F5344CB8AC3E}">
-        <p14:creationId xmlns:p14="http://schemas.microsoft.com/office/powerpoint/2010/main" val="3658372693"/>
+        <p14:creationId xmlns:p14="http://schemas.microsoft.com/office/powerpoint/2010/main" val="1958106904"/>
       </p:ext>
     </p:extLst>
   </p:cSld>
@@ -903,7 +899,7 @@
     </p:spTree>
     <p:extLst>
       <p:ext uri="{BB962C8B-B14F-4D97-AF65-F5344CB8AC3E}">
-        <p14:creationId xmlns:p14="http://schemas.microsoft.com/office/powerpoint/2010/main" val="3363619959"/>
+        <p14:creationId xmlns:p14="http://schemas.microsoft.com/office/powerpoint/2010/main" val="92040916"/>
       </p:ext>
     </p:extLst>
   </p:cSld>
@@ -1012,7 +1008,7 @@
     </p:spTree>
     <p:extLst>
       <p:ext uri="{BB962C8B-B14F-4D97-AF65-F5344CB8AC3E}">
-        <p14:creationId xmlns:p14="http://schemas.microsoft.com/office/powerpoint/2010/main" val="3401261440"/>
+        <p14:creationId xmlns:p14="http://schemas.microsoft.com/office/powerpoint/2010/main" val="2385775703"/>
       </p:ext>
     </p:extLst>
   </p:cSld>
@@ -1027,7 +1023,7 @@
   <p:cSld>
     <p:spTree>
       <p:nvGrpSpPr>
-        <p:cNvPr id="1" name="Shape 134"/>
+        <p:cNvPr id="1" name="Shape 193"/>
         <p:cNvGrpSpPr/>
         <p:nvPr/>
       </p:nvGrpSpPr>
@@ -1041,7 +1037,7 @@
       </p:grpSpPr>
       <p:sp>
         <p:nvSpPr>
-          <p:cNvPr id="135" name="Google Shape;135;g11229d5e949_0_46:notes"/>
+          <p:cNvPr id="194" name="Google Shape;194;g10e310e8312_0_13:notes"/>
           <p:cNvSpPr>
             <a:spLocks noGrp="1" noRot="1" noChangeAspect="1"/>
           </p:cNvSpPr>
@@ -1082,7 +1078,7 @@
       </p:sp>
       <p:sp>
         <p:nvSpPr>
-          <p:cNvPr id="136" name="Google Shape;136;g11229d5e949_0_46:notes"/>
+          <p:cNvPr id="195" name="Google Shape;195;g10e310e8312_0_13:notes"/>
           <p:cNvSpPr txBox="1">
             <a:spLocks noGrp="1"/>
           </p:cNvSpPr>
@@ -1119,11 +1115,6 @@
         </p:txBody>
       </p:sp>
     </p:spTree>
-    <p:extLst>
-      <p:ext uri="{BB962C8B-B14F-4D97-AF65-F5344CB8AC3E}">
-        <p14:creationId xmlns:p14="http://schemas.microsoft.com/office/powerpoint/2010/main" val="2118115602"/>
-      </p:ext>
-    </p:extLst>
   </p:cSld>
   <p:clrMapOvr>
     <a:masterClrMapping/>
@@ -1132,437 +1123,6 @@
 </file>
 
 <file path=ppt/notesSlides/notesSlide15.xml><?xml version="1.0" encoding="utf-8"?>
-<p:notes xmlns:a="http://schemas.openxmlformats.org/drawingml/2006/main" xmlns:r="http://schemas.openxmlformats.org/officeDocument/2006/relationships" xmlns:p="http://schemas.openxmlformats.org/presentationml/2006/main" showMasterSp="0" showMasterPhAnim="0">
-  <p:cSld>
-    <p:spTree>
-      <p:nvGrpSpPr>
-        <p:cNvPr id="1" name="Shape 59"/>
-        <p:cNvGrpSpPr/>
-        <p:nvPr/>
-      </p:nvGrpSpPr>
-      <p:grpSpPr>
-        <a:xfrm>
-          <a:off x="0" y="0"/>
-          <a:ext cx="0" cy="0"/>
-          <a:chOff x="0" y="0"/>
-          <a:chExt cx="0" cy="0"/>
-        </a:xfrm>
-      </p:grpSpPr>
-      <p:sp>
-        <p:nvSpPr>
-          <p:cNvPr id="60" name="Google Shape;60;g114bbfd648d_0_11:notes"/>
-          <p:cNvSpPr>
-            <a:spLocks noGrp="1" noRot="1" noChangeAspect="1"/>
-          </p:cNvSpPr>
-          <p:nvPr>
-            <p:ph type="sldImg" idx="2"/>
-          </p:nvPr>
-        </p:nvSpPr>
-        <p:spPr>
-          <a:xfrm>
-            <a:off x="381000" y="685800"/>
-            <a:ext cx="6096000" cy="3429000"/>
-          </a:xfrm>
-          <a:custGeom>
-            <a:avLst/>
-            <a:gdLst/>
-            <a:ahLst/>
-            <a:cxnLst/>
-            <a:rect l="l" t="t" r="r" b="b"/>
-            <a:pathLst>
-              <a:path w="120000" h="120000" extrusionOk="0">
-                <a:moveTo>
-                  <a:pt x="0" y="0"/>
-                </a:moveTo>
-                <a:lnTo>
-                  <a:pt x="120000" y="0"/>
-                </a:lnTo>
-                <a:lnTo>
-                  <a:pt x="120000" y="120000"/>
-                </a:lnTo>
-                <a:lnTo>
-                  <a:pt x="0" y="120000"/>
-                </a:lnTo>
-                <a:close/>
-              </a:path>
-            </a:pathLst>
-          </a:custGeom>
-        </p:spPr>
-      </p:sp>
-      <p:sp>
-        <p:nvSpPr>
-          <p:cNvPr id="61" name="Google Shape;61;g114bbfd648d_0_11:notes"/>
-          <p:cNvSpPr txBox="1">
-            <a:spLocks noGrp="1"/>
-          </p:cNvSpPr>
-          <p:nvPr>
-            <p:ph type="body" idx="1"/>
-          </p:nvPr>
-        </p:nvSpPr>
-        <p:spPr>
-          <a:xfrm>
-            <a:off x="685800" y="4343400"/>
-            <a:ext cx="5486400" cy="4114800"/>
-          </a:xfrm>
-          <a:prstGeom prst="rect">
-            <a:avLst/>
-          </a:prstGeom>
-        </p:spPr>
-        <p:txBody>
-          <a:bodyPr spcFirstLastPara="1" wrap="square" lIns="91425" tIns="91425" rIns="91425" bIns="91425" anchor="t" anchorCtr="0">
-            <a:noAutofit/>
-          </a:bodyPr>
-          <a:lstStyle/>
-          <a:p>
-            <a:pPr marL="0" lvl="0" indent="0" algn="l" rtl="0">
-              <a:spcBef>
-                <a:spcPts val="0"/>
-              </a:spcBef>
-              <a:spcAft>
-                <a:spcPts val="0"/>
-              </a:spcAft>
-              <a:buNone/>
-            </a:pPr>
-            <a:endParaRPr dirty="0"/>
-          </a:p>
-        </p:txBody>
-      </p:sp>
-    </p:spTree>
-    <p:extLst>
-      <p:ext uri="{BB962C8B-B14F-4D97-AF65-F5344CB8AC3E}">
-        <p14:creationId xmlns:p14="http://schemas.microsoft.com/office/powerpoint/2010/main" val="1672863173"/>
-      </p:ext>
-    </p:extLst>
-  </p:cSld>
-  <p:clrMapOvr>
-    <a:masterClrMapping/>
-  </p:clrMapOvr>
-</p:notes>
-</file>
-
-<file path=ppt/notesSlides/notesSlide16.xml><?xml version="1.0" encoding="utf-8"?>
-<p:notes xmlns:a="http://schemas.openxmlformats.org/drawingml/2006/main" xmlns:r="http://schemas.openxmlformats.org/officeDocument/2006/relationships" xmlns:p="http://schemas.openxmlformats.org/presentationml/2006/main" showMasterSp="0" showMasterPhAnim="0">
-  <p:cSld>
-    <p:spTree>
-      <p:nvGrpSpPr>
-        <p:cNvPr id="1" name="Shape 59"/>
-        <p:cNvGrpSpPr/>
-        <p:nvPr/>
-      </p:nvGrpSpPr>
-      <p:grpSpPr>
-        <a:xfrm>
-          <a:off x="0" y="0"/>
-          <a:ext cx="0" cy="0"/>
-          <a:chOff x="0" y="0"/>
-          <a:chExt cx="0" cy="0"/>
-        </a:xfrm>
-      </p:grpSpPr>
-      <p:sp>
-        <p:nvSpPr>
-          <p:cNvPr id="60" name="Google Shape;60;g114bbfd648d_0_11:notes"/>
-          <p:cNvSpPr>
-            <a:spLocks noGrp="1" noRot="1" noChangeAspect="1"/>
-          </p:cNvSpPr>
-          <p:nvPr>
-            <p:ph type="sldImg" idx="2"/>
-          </p:nvPr>
-        </p:nvSpPr>
-        <p:spPr>
-          <a:xfrm>
-            <a:off x="381000" y="685800"/>
-            <a:ext cx="6096000" cy="3429000"/>
-          </a:xfrm>
-          <a:custGeom>
-            <a:avLst/>
-            <a:gdLst/>
-            <a:ahLst/>
-            <a:cxnLst/>
-            <a:rect l="l" t="t" r="r" b="b"/>
-            <a:pathLst>
-              <a:path w="120000" h="120000" extrusionOk="0">
-                <a:moveTo>
-                  <a:pt x="0" y="0"/>
-                </a:moveTo>
-                <a:lnTo>
-                  <a:pt x="120000" y="0"/>
-                </a:lnTo>
-                <a:lnTo>
-                  <a:pt x="120000" y="120000"/>
-                </a:lnTo>
-                <a:lnTo>
-                  <a:pt x="0" y="120000"/>
-                </a:lnTo>
-                <a:close/>
-              </a:path>
-            </a:pathLst>
-          </a:custGeom>
-        </p:spPr>
-      </p:sp>
-      <p:sp>
-        <p:nvSpPr>
-          <p:cNvPr id="61" name="Google Shape;61;g114bbfd648d_0_11:notes"/>
-          <p:cNvSpPr txBox="1">
-            <a:spLocks noGrp="1"/>
-          </p:cNvSpPr>
-          <p:nvPr>
-            <p:ph type="body" idx="1"/>
-          </p:nvPr>
-        </p:nvSpPr>
-        <p:spPr>
-          <a:xfrm>
-            <a:off x="685800" y="4343400"/>
-            <a:ext cx="5486400" cy="4114800"/>
-          </a:xfrm>
-          <a:prstGeom prst="rect">
-            <a:avLst/>
-          </a:prstGeom>
-        </p:spPr>
-        <p:txBody>
-          <a:bodyPr spcFirstLastPara="1" wrap="square" lIns="91425" tIns="91425" rIns="91425" bIns="91425" anchor="t" anchorCtr="0">
-            <a:noAutofit/>
-          </a:bodyPr>
-          <a:lstStyle/>
-          <a:p>
-            <a:pPr marL="0" lvl="0" indent="0" algn="l" rtl="0">
-              <a:spcBef>
-                <a:spcPts val="0"/>
-              </a:spcBef>
-              <a:spcAft>
-                <a:spcPts val="0"/>
-              </a:spcAft>
-              <a:buNone/>
-            </a:pPr>
-            <a:endParaRPr dirty="0"/>
-          </a:p>
-        </p:txBody>
-      </p:sp>
-    </p:spTree>
-    <p:extLst>
-      <p:ext uri="{BB962C8B-B14F-4D97-AF65-F5344CB8AC3E}">
-        <p14:creationId xmlns:p14="http://schemas.microsoft.com/office/powerpoint/2010/main" val="680868707"/>
-      </p:ext>
-    </p:extLst>
-  </p:cSld>
-  <p:clrMapOvr>
-    <a:masterClrMapping/>
-  </p:clrMapOvr>
-</p:notes>
-</file>
-
-<file path=ppt/notesSlides/notesSlide17.xml><?xml version="1.0" encoding="utf-8"?>
-<p:notes xmlns:a="http://schemas.openxmlformats.org/drawingml/2006/main" xmlns:r="http://schemas.openxmlformats.org/officeDocument/2006/relationships" xmlns:p="http://schemas.openxmlformats.org/presentationml/2006/main" showMasterSp="0" showMasterPhAnim="0">
-  <p:cSld>
-    <p:spTree>
-      <p:nvGrpSpPr>
-        <p:cNvPr id="1" name="Shape 59"/>
-        <p:cNvGrpSpPr/>
-        <p:nvPr/>
-      </p:nvGrpSpPr>
-      <p:grpSpPr>
-        <a:xfrm>
-          <a:off x="0" y="0"/>
-          <a:ext cx="0" cy="0"/>
-          <a:chOff x="0" y="0"/>
-          <a:chExt cx="0" cy="0"/>
-        </a:xfrm>
-      </p:grpSpPr>
-      <p:sp>
-        <p:nvSpPr>
-          <p:cNvPr id="60" name="Google Shape;60;g114bbfd648d_0_11:notes"/>
-          <p:cNvSpPr>
-            <a:spLocks noGrp="1" noRot="1" noChangeAspect="1"/>
-          </p:cNvSpPr>
-          <p:nvPr>
-            <p:ph type="sldImg" idx="2"/>
-          </p:nvPr>
-        </p:nvSpPr>
-        <p:spPr>
-          <a:xfrm>
-            <a:off x="381000" y="685800"/>
-            <a:ext cx="6096000" cy="3429000"/>
-          </a:xfrm>
-          <a:custGeom>
-            <a:avLst/>
-            <a:gdLst/>
-            <a:ahLst/>
-            <a:cxnLst/>
-            <a:rect l="l" t="t" r="r" b="b"/>
-            <a:pathLst>
-              <a:path w="120000" h="120000" extrusionOk="0">
-                <a:moveTo>
-                  <a:pt x="0" y="0"/>
-                </a:moveTo>
-                <a:lnTo>
-                  <a:pt x="120000" y="0"/>
-                </a:lnTo>
-                <a:lnTo>
-                  <a:pt x="120000" y="120000"/>
-                </a:lnTo>
-                <a:lnTo>
-                  <a:pt x="0" y="120000"/>
-                </a:lnTo>
-                <a:close/>
-              </a:path>
-            </a:pathLst>
-          </a:custGeom>
-        </p:spPr>
-      </p:sp>
-      <p:sp>
-        <p:nvSpPr>
-          <p:cNvPr id="61" name="Google Shape;61;g114bbfd648d_0_11:notes"/>
-          <p:cNvSpPr txBox="1">
-            <a:spLocks noGrp="1"/>
-          </p:cNvSpPr>
-          <p:nvPr>
-            <p:ph type="body" idx="1"/>
-          </p:nvPr>
-        </p:nvSpPr>
-        <p:spPr>
-          <a:xfrm>
-            <a:off x="685800" y="4343400"/>
-            <a:ext cx="5486400" cy="4114800"/>
-          </a:xfrm>
-          <a:prstGeom prst="rect">
-            <a:avLst/>
-          </a:prstGeom>
-        </p:spPr>
-        <p:txBody>
-          <a:bodyPr spcFirstLastPara="1" wrap="square" lIns="91425" tIns="91425" rIns="91425" bIns="91425" anchor="t" anchorCtr="0">
-            <a:noAutofit/>
-          </a:bodyPr>
-          <a:lstStyle/>
-          <a:p>
-            <a:pPr marL="0" lvl="0" indent="0" algn="l" rtl="0">
-              <a:spcBef>
-                <a:spcPts val="0"/>
-              </a:spcBef>
-              <a:spcAft>
-                <a:spcPts val="0"/>
-              </a:spcAft>
-              <a:buNone/>
-            </a:pPr>
-            <a:endParaRPr dirty="0"/>
-          </a:p>
-        </p:txBody>
-      </p:sp>
-    </p:spTree>
-    <p:extLst>
-      <p:ext uri="{BB962C8B-B14F-4D97-AF65-F5344CB8AC3E}">
-        <p14:creationId xmlns:p14="http://schemas.microsoft.com/office/powerpoint/2010/main" val="2441261380"/>
-      </p:ext>
-    </p:extLst>
-  </p:cSld>
-  <p:clrMapOvr>
-    <a:masterClrMapping/>
-  </p:clrMapOvr>
-</p:notes>
-</file>
-
-<file path=ppt/notesSlides/notesSlide18.xml><?xml version="1.0" encoding="utf-8"?>
-<p:notes xmlns:a="http://schemas.openxmlformats.org/drawingml/2006/main" xmlns:r="http://schemas.openxmlformats.org/officeDocument/2006/relationships" xmlns:p="http://schemas.openxmlformats.org/presentationml/2006/main" showMasterSp="0" showMasterPhAnim="0">
-  <p:cSld>
-    <p:spTree>
-      <p:nvGrpSpPr>
-        <p:cNvPr id="1" name="Shape 193"/>
-        <p:cNvGrpSpPr/>
-        <p:nvPr/>
-      </p:nvGrpSpPr>
-      <p:grpSpPr>
-        <a:xfrm>
-          <a:off x="0" y="0"/>
-          <a:ext cx="0" cy="0"/>
-          <a:chOff x="0" y="0"/>
-          <a:chExt cx="0" cy="0"/>
-        </a:xfrm>
-      </p:grpSpPr>
-      <p:sp>
-        <p:nvSpPr>
-          <p:cNvPr id="194" name="Google Shape;194;g10e310e8312_0_13:notes"/>
-          <p:cNvSpPr>
-            <a:spLocks noGrp="1" noRot="1" noChangeAspect="1"/>
-          </p:cNvSpPr>
-          <p:nvPr>
-            <p:ph type="sldImg" idx="2"/>
-          </p:nvPr>
-        </p:nvSpPr>
-        <p:spPr>
-          <a:xfrm>
-            <a:off x="381000" y="685800"/>
-            <a:ext cx="6096000" cy="3429000"/>
-          </a:xfrm>
-          <a:custGeom>
-            <a:avLst/>
-            <a:gdLst/>
-            <a:ahLst/>
-            <a:cxnLst/>
-            <a:rect l="l" t="t" r="r" b="b"/>
-            <a:pathLst>
-              <a:path w="120000" h="120000" extrusionOk="0">
-                <a:moveTo>
-                  <a:pt x="0" y="0"/>
-                </a:moveTo>
-                <a:lnTo>
-                  <a:pt x="120000" y="0"/>
-                </a:lnTo>
-                <a:lnTo>
-                  <a:pt x="120000" y="120000"/>
-                </a:lnTo>
-                <a:lnTo>
-                  <a:pt x="0" y="120000"/>
-                </a:lnTo>
-                <a:close/>
-              </a:path>
-            </a:pathLst>
-          </a:custGeom>
-        </p:spPr>
-      </p:sp>
-      <p:sp>
-        <p:nvSpPr>
-          <p:cNvPr id="195" name="Google Shape;195;g10e310e8312_0_13:notes"/>
-          <p:cNvSpPr txBox="1">
-            <a:spLocks noGrp="1"/>
-          </p:cNvSpPr>
-          <p:nvPr>
-            <p:ph type="body" idx="1"/>
-          </p:nvPr>
-        </p:nvSpPr>
-        <p:spPr>
-          <a:xfrm>
-            <a:off x="685800" y="4343400"/>
-            <a:ext cx="5486400" cy="4114800"/>
-          </a:xfrm>
-          <a:prstGeom prst="rect">
-            <a:avLst/>
-          </a:prstGeom>
-        </p:spPr>
-        <p:txBody>
-          <a:bodyPr spcFirstLastPara="1" wrap="square" lIns="91425" tIns="91425" rIns="91425" bIns="91425" anchor="t" anchorCtr="0">
-            <a:noAutofit/>
-          </a:bodyPr>
-          <a:lstStyle/>
-          <a:p>
-            <a:pPr marL="0" lvl="0" indent="0" algn="l" rtl="0">
-              <a:spcBef>
-                <a:spcPts val="0"/>
-              </a:spcBef>
-              <a:spcAft>
-                <a:spcPts val="0"/>
-              </a:spcAft>
-              <a:buNone/>
-            </a:pPr>
-            <a:endParaRPr dirty="0"/>
-          </a:p>
-        </p:txBody>
-      </p:sp>
-    </p:spTree>
-  </p:cSld>
-  <p:clrMapOvr>
-    <a:masterClrMapping/>
-  </p:clrMapOvr>
-</p:notes>
-</file>
-
-<file path=ppt/notesSlides/notesSlide19.xml><?xml version="1.0" encoding="utf-8"?>
 <p:notes xmlns:a="http://schemas.openxmlformats.org/drawingml/2006/main" xmlns:r="http://schemas.openxmlformats.org/officeDocument/2006/relationships" xmlns:p="http://schemas.openxmlformats.org/presentationml/2006/main" showMasterSp="0" showMasterPhAnim="0">
   <p:cSld>
     <p:spTree>
@@ -2320,7 +1880,7 @@
   <p:cSld>
     <p:spTree>
       <p:nvGrpSpPr>
-        <p:cNvPr id="1" name="Shape 59"/>
+        <p:cNvPr id="1" name="Shape 134"/>
         <p:cNvGrpSpPr/>
         <p:nvPr/>
       </p:nvGrpSpPr>
@@ -2334,7 +1894,7 @@
       </p:grpSpPr>
       <p:sp>
         <p:nvSpPr>
-          <p:cNvPr id="60" name="Google Shape;60;g114bbfd648d_0_11:notes"/>
+          <p:cNvPr id="135" name="Google Shape;135;g11229d5e949_0_46:notes"/>
           <p:cNvSpPr>
             <a:spLocks noGrp="1" noRot="1" noChangeAspect="1"/>
           </p:cNvSpPr>
@@ -2375,7 +1935,7 @@
       </p:sp>
       <p:sp>
         <p:nvSpPr>
-          <p:cNvPr id="61" name="Google Shape;61;g114bbfd648d_0_11:notes"/>
+          <p:cNvPr id="136" name="Google Shape;136;g11229d5e949_0_46:notes"/>
           <p:cNvSpPr txBox="1">
             <a:spLocks noGrp="1"/>
           </p:cNvSpPr>
@@ -2414,7 +1974,7 @@
     </p:spTree>
     <p:extLst>
       <p:ext uri="{BB962C8B-B14F-4D97-AF65-F5344CB8AC3E}">
-        <p14:creationId xmlns:p14="http://schemas.microsoft.com/office/powerpoint/2010/main" val="1913747418"/>
+        <p14:creationId xmlns:p14="http://schemas.microsoft.com/office/powerpoint/2010/main" val="2247025236"/>
       </p:ext>
     </p:extLst>
   </p:cSld>
@@ -2429,7 +1989,7 @@
   <p:cSld>
     <p:spTree>
       <p:nvGrpSpPr>
-        <p:cNvPr id="1" name="Shape 134"/>
+        <p:cNvPr id="1" name="Shape 59"/>
         <p:cNvGrpSpPr/>
         <p:nvPr/>
       </p:nvGrpSpPr>
@@ -2443,7 +2003,7 @@
       </p:grpSpPr>
       <p:sp>
         <p:nvSpPr>
-          <p:cNvPr id="135" name="Google Shape;135;g11229d5e949_0_46:notes"/>
+          <p:cNvPr id="60" name="Google Shape;60;g114bbfd648d_0_11:notes"/>
           <p:cNvSpPr>
             <a:spLocks noGrp="1" noRot="1" noChangeAspect="1"/>
           </p:cNvSpPr>
@@ -2484,7 +2044,7 @@
       </p:sp>
       <p:sp>
         <p:nvSpPr>
-          <p:cNvPr id="136" name="Google Shape;136;g11229d5e949_0_46:notes"/>
+          <p:cNvPr id="61" name="Google Shape;61;g114bbfd648d_0_11:notes"/>
           <p:cNvSpPr txBox="1">
             <a:spLocks noGrp="1"/>
           </p:cNvSpPr>
@@ -2523,7 +2083,7 @@
     </p:spTree>
     <p:extLst>
       <p:ext uri="{BB962C8B-B14F-4D97-AF65-F5344CB8AC3E}">
-        <p14:creationId xmlns:p14="http://schemas.microsoft.com/office/powerpoint/2010/main" val="2247025236"/>
+        <p14:creationId xmlns:p14="http://schemas.microsoft.com/office/powerpoint/2010/main" val="4166633398"/>
       </p:ext>
     </p:extLst>
   </p:cSld>
@@ -5776,9 +5336,7 @@
             </a:avLst>
           </a:prstGeom>
           <a:solidFill>
-            <a:srgbClr val="263238">
-              <a:alpha val="84706"/>
-            </a:srgbClr>
+            <a:srgbClr val="263238"/>
           </a:solidFill>
           <a:ln w="9525" cap="flat" cmpd="sng">
             <a:noFill/>
@@ -5828,9 +5386,7 @@
             </a:avLst>
           </a:prstGeom>
           <a:solidFill>
-            <a:srgbClr val="263238">
-              <a:alpha val="85000"/>
-            </a:srgbClr>
+            <a:srgbClr val="263238"/>
           </a:solidFill>
           <a:ln w="9525" cap="flat" cmpd="sng">
             <a:noFill/>
@@ -6024,218 +5580,12 @@
           <a:chExt cx="0" cy="0"/>
         </a:xfrm>
       </p:grpSpPr>
-      <p:sp>
-        <p:nvSpPr>
-          <p:cNvPr id="63" name="Google Shape;63;p14"/>
-          <p:cNvSpPr/>
-          <p:nvPr/>
-        </p:nvSpPr>
-        <p:spPr>
-          <a:xfrm>
-            <a:off x="0" y="6429200"/>
-            <a:ext cx="12192000" cy="428800"/>
-          </a:xfrm>
-          <a:prstGeom prst="round2SameRect">
-            <a:avLst>
-              <a:gd name="adj1" fmla="val 0"/>
-              <a:gd name="adj2" fmla="val 0"/>
-            </a:avLst>
-          </a:prstGeom>
-          <a:solidFill>
-            <a:srgbClr val="263238">
-              <a:alpha val="85000"/>
-            </a:srgbClr>
-          </a:solidFill>
-          <a:ln w="9525" cap="flat" cmpd="sng">
-            <a:noFill/>
-            <a:prstDash val="solid"/>
-            <a:round/>
-            <a:headEnd type="none" w="sm" len="sm"/>
-            <a:tailEnd type="none" w="sm" len="sm"/>
-          </a:ln>
-        </p:spPr>
-        <p:txBody>
-          <a:bodyPr spcFirstLastPara="1" wrap="square" lIns="121900" tIns="121900" rIns="121900" bIns="121900" anchor="ctr" anchorCtr="0">
-            <a:noAutofit/>
-          </a:bodyPr>
-          <a:lstStyle/>
-          <a:p>
-            <a:endParaRPr sz="2400"/>
-          </a:p>
-        </p:txBody>
-      </p:sp>
-      <p:sp>
-        <p:nvSpPr>
-          <p:cNvPr id="68" name="Google Shape;68;p14"/>
-          <p:cNvSpPr/>
-          <p:nvPr/>
-        </p:nvSpPr>
-        <p:spPr>
-          <a:xfrm>
-            <a:off x="0" y="0"/>
-            <a:ext cx="12192000" cy="1272400"/>
-          </a:xfrm>
-          <a:prstGeom prst="rect">
-            <a:avLst/>
-          </a:prstGeom>
-          <a:solidFill>
-            <a:srgbClr val="263238">
-              <a:alpha val="84706"/>
-            </a:srgbClr>
-          </a:solidFill>
-          <a:ln w="9525" cap="flat" cmpd="sng">
-            <a:noFill/>
-            <a:prstDash val="solid"/>
-            <a:round/>
-            <a:headEnd type="none" w="sm" len="sm"/>
-            <a:tailEnd type="none" w="sm" len="sm"/>
-          </a:ln>
-        </p:spPr>
-        <p:txBody>
-          <a:bodyPr spcFirstLastPara="1" wrap="square" lIns="121900" tIns="121900" rIns="121900" bIns="121900" anchor="ctr" anchorCtr="0">
-            <a:noAutofit/>
-          </a:bodyPr>
-          <a:lstStyle/>
-          <a:p>
-            <a:endParaRPr sz="2400"/>
-          </a:p>
-        </p:txBody>
-      </p:sp>
-      <p:sp>
-        <p:nvSpPr>
-          <p:cNvPr id="69" name="Google Shape;69;p14"/>
-          <p:cNvSpPr txBox="1"/>
-          <p:nvPr/>
-        </p:nvSpPr>
-        <p:spPr>
-          <a:xfrm>
-            <a:off x="668333" y="143601"/>
-            <a:ext cx="2457422" cy="984845"/>
-          </a:xfrm>
-          <a:prstGeom prst="rect">
-            <a:avLst/>
-          </a:prstGeom>
-          <a:noFill/>
-          <a:ln>
-            <a:noFill/>
-          </a:ln>
-        </p:spPr>
-        <p:txBody>
-          <a:bodyPr spcFirstLastPara="1" wrap="square" lIns="121900" tIns="121900" rIns="121900" bIns="121900" anchor="t" anchorCtr="0">
-            <a:spAutoFit/>
-          </a:bodyPr>
-          <a:lstStyle/>
-          <a:p>
-            <a:pPr algn="ctr"/>
-            <a:r>
-              <a:rPr lang="it" sz="4800" b="1" dirty="0">
-                <a:solidFill>
-                  <a:srgbClr val="FAFAFA"/>
-                </a:solidFill>
-                <a:latin typeface="Lora"/>
-                <a:ea typeface="Lora"/>
-                <a:cs typeface="Lora"/>
-                <a:sym typeface="Lora"/>
-              </a:rPr>
-              <a:t>Grafica</a:t>
-            </a:r>
-            <a:endParaRPr sz="4800" b="1" dirty="0">
-              <a:solidFill>
-                <a:srgbClr val="FAFAFA"/>
-              </a:solidFill>
-              <a:latin typeface="Lora"/>
-              <a:ea typeface="Lora"/>
-              <a:cs typeface="Lora"/>
-              <a:sym typeface="Lora"/>
-            </a:endParaRPr>
-          </a:p>
-        </p:txBody>
-      </p:sp>
-      <p:sp>
-        <p:nvSpPr>
-          <p:cNvPr id="4" name="Google Shape;57;p13">
-            <a:extLst>
-              <a:ext uri="{FF2B5EF4-FFF2-40B4-BE49-F238E27FC236}">
-                <a16:creationId xmlns:a16="http://schemas.microsoft.com/office/drawing/2014/main" id="{FAF5C34B-9692-5A59-7BAB-2C9C6E6D1403}"/>
-              </a:ext>
-            </a:extLst>
-          </p:cNvPr>
-          <p:cNvSpPr txBox="1"/>
-          <p:nvPr/>
-        </p:nvSpPr>
-        <p:spPr>
-          <a:xfrm>
-            <a:off x="1323212" y="1811763"/>
-            <a:ext cx="9212785" cy="984845"/>
-          </a:xfrm>
-          <a:prstGeom prst="rect">
-            <a:avLst/>
-          </a:prstGeom>
-          <a:noFill/>
-          <a:ln>
-            <a:noFill/>
-          </a:ln>
-        </p:spPr>
-        <p:txBody>
-          <a:bodyPr spcFirstLastPara="1" wrap="square" lIns="121900" tIns="121900" rIns="121900" bIns="121900" anchor="t" anchorCtr="0">
-            <a:spAutoFit/>
-          </a:bodyPr>
-          <a:lstStyle/>
-          <a:p>
-            <a:r>
-              <a:rPr lang="it-IT" sz="2400" dirty="0">
-                <a:solidFill>
-                  <a:srgbClr val="263238"/>
-                </a:solidFill>
-                <a:latin typeface="Lora"/>
-                <a:ea typeface="Lora"/>
-                <a:cs typeface="Lora"/>
-                <a:sym typeface="Lora"/>
-              </a:rPr>
-              <a:t>Per la grafica sono state utilizzate delle </a:t>
-            </a:r>
-            <a:r>
-              <a:rPr lang="it-IT" sz="2400" b="1" dirty="0">
-                <a:solidFill>
-                  <a:srgbClr val="263238"/>
-                </a:solidFill>
-                <a:latin typeface="Lora"/>
-                <a:ea typeface="Lora"/>
-                <a:cs typeface="Lora"/>
-                <a:sym typeface="Lora"/>
-              </a:rPr>
-              <a:t>cards</a:t>
-            </a:r>
-            <a:r>
-              <a:rPr lang="it-IT" sz="2400" dirty="0">
-                <a:solidFill>
-                  <a:srgbClr val="263238"/>
-                </a:solidFill>
-                <a:latin typeface="Lora"/>
-                <a:ea typeface="Lora"/>
-                <a:cs typeface="Lora"/>
-                <a:sym typeface="Lora"/>
-              </a:rPr>
-              <a:t> contenenti le notizie, grafica minima e contenuto indispensabile.</a:t>
-            </a:r>
-            <a:endParaRPr dirty="0">
-              <a:solidFill>
-                <a:srgbClr val="263238"/>
-              </a:solidFill>
-              <a:latin typeface="Lora"/>
-              <a:ea typeface="Lora"/>
-              <a:cs typeface="Lora"/>
-              <a:sym typeface="Lora"/>
-            </a:endParaRPr>
-          </a:p>
-        </p:txBody>
-      </p:sp>
       <p:pic>
         <p:nvPicPr>
-          <p:cNvPr id="5" name="Immagine 4" descr="Immagine che contiene testo&#10;&#10;Descrizione generata automaticamente">
+          <p:cNvPr id="10" name="Immagine 9">
             <a:extLst>
               <a:ext uri="{FF2B5EF4-FFF2-40B4-BE49-F238E27FC236}">
-                <a16:creationId xmlns:a16="http://schemas.microsoft.com/office/drawing/2014/main" id="{B4EBDF51-FB75-FE8A-89EA-1ED1693F9596}"/>
+                <a16:creationId xmlns:a16="http://schemas.microsoft.com/office/drawing/2014/main" id="{12C2C8A8-60B1-8C67-DA37-F3125713D711}"/>
               </a:ext>
             </a:extLst>
           </p:cNvPr>
@@ -6244,7 +5594,7 @@
           </p:cNvPicPr>
           <p:nvPr/>
         </p:nvPicPr>
-        <p:blipFill>
+        <p:blipFill rotWithShape="1">
           <a:blip r:embed="rId3">
             <a:extLst>
               <a:ext uri="{28A0092B-C50C-407E-A947-70E740481C1C}">
@@ -6252,14 +5602,13 @@
               </a:ext>
             </a:extLst>
           </a:blip>
-          <a:stretch>
-            <a:fillRect/>
-          </a:stretch>
+          <a:srcRect t="-1" b="21314"/>
+          <a:stretch/>
         </p:blipFill>
         <p:spPr>
           <a:xfrm>
-            <a:off x="2670810" y="3245114"/>
-            <a:ext cx="6850380" cy="2735580"/>
+            <a:off x="4128" y="-182880"/>
+            <a:ext cx="12187872" cy="7040880"/>
           </a:xfrm>
           <a:prstGeom prst="rect">
             <a:avLst/>
@@ -6269,7 +5618,7 @@
     </p:spTree>
     <p:extLst>
       <p:ext uri="{BB962C8B-B14F-4D97-AF65-F5344CB8AC3E}">
-        <p14:creationId xmlns:p14="http://schemas.microsoft.com/office/powerpoint/2010/main" val="446364257"/>
+        <p14:creationId xmlns:p14="http://schemas.microsoft.com/office/powerpoint/2010/main" val="357915333"/>
       </p:ext>
     </p:extLst>
   </p:cSld>
@@ -6296,86 +5645,120 @@
           <a:chExt cx="0" cy="0"/>
         </a:xfrm>
       </p:grpSpPr>
-      <p:sp>
-        <p:nvSpPr>
-          <p:cNvPr id="63" name="Google Shape;63;p14"/>
-          <p:cNvSpPr/>
+      <p:pic>
+        <p:nvPicPr>
+          <p:cNvPr id="10" name="Immagine 9" descr="Immagine che contiene testo">
+            <a:extLst>
+              <a:ext uri="{FF2B5EF4-FFF2-40B4-BE49-F238E27FC236}">
+                <a16:creationId xmlns:a16="http://schemas.microsoft.com/office/drawing/2014/main" id="{D21C1AAC-4843-562F-A3C1-D20D0E5F57F5}"/>
+              </a:ext>
+            </a:extLst>
+          </p:cNvPr>
+          <p:cNvPicPr>
+            <a:picLocks noChangeAspect="1"/>
+          </p:cNvPicPr>
           <p:nvPr/>
-        </p:nvSpPr>
-        <p:spPr>
-          <a:xfrm>
-            <a:off x="0" y="6429200"/>
-            <a:ext cx="12192000" cy="428800"/>
-          </a:xfrm>
-          <a:prstGeom prst="round2SameRect">
-            <a:avLst>
-              <a:gd name="adj1" fmla="val 0"/>
-              <a:gd name="adj2" fmla="val 0"/>
-            </a:avLst>
-          </a:prstGeom>
-          <a:solidFill>
-            <a:srgbClr val="263238">
-              <a:alpha val="85000"/>
-            </a:srgbClr>
-          </a:solidFill>
-          <a:ln w="9525" cap="flat" cmpd="sng">
-            <a:noFill/>
-            <a:prstDash val="solid"/>
-            <a:round/>
-            <a:headEnd type="none" w="sm" len="sm"/>
-            <a:tailEnd type="none" w="sm" len="sm"/>
-          </a:ln>
-        </p:spPr>
-        <p:txBody>
-          <a:bodyPr spcFirstLastPara="1" wrap="square" lIns="121900" tIns="121900" rIns="121900" bIns="121900" anchor="ctr" anchorCtr="0">
-            <a:noAutofit/>
-          </a:bodyPr>
-          <a:lstStyle/>
-          <a:p>
-            <a:endParaRPr sz="2400"/>
-          </a:p>
-        </p:txBody>
-      </p:sp>
-      <p:sp>
-        <p:nvSpPr>
-          <p:cNvPr id="68" name="Google Shape;68;p14"/>
-          <p:cNvSpPr/>
+        </p:nvPicPr>
+        <p:blipFill rotWithShape="1">
+          <a:blip r:embed="rId3">
+            <a:extLst>
+              <a:ext uri="{28A0092B-C50C-407E-A947-70E740481C1C}">
+                <a14:useLocalDpi xmlns:a14="http://schemas.microsoft.com/office/drawing/2010/main" val="0"/>
+              </a:ext>
+            </a:extLst>
+          </a:blip>
+          <a:srcRect r="982"/>
+          <a:stretch/>
+        </p:blipFill>
+        <p:spPr>
+          <a:xfrm>
+            <a:off x="91440" y="749933"/>
+            <a:ext cx="12072243" cy="5691313"/>
+          </a:xfrm>
+          <a:prstGeom prst="rect">
+            <a:avLst/>
+          </a:prstGeom>
+        </p:spPr>
+      </p:pic>
+      <p:pic>
+        <p:nvPicPr>
+          <p:cNvPr id="11" name="Immagine 10">
+            <a:extLst>
+              <a:ext uri="{FF2B5EF4-FFF2-40B4-BE49-F238E27FC236}">
+                <a16:creationId xmlns:a16="http://schemas.microsoft.com/office/drawing/2014/main" id="{453ED6ED-4262-1EEC-F618-C79D6B396865}"/>
+              </a:ext>
+            </a:extLst>
+          </p:cNvPr>
+          <p:cNvPicPr>
+            <a:picLocks noChangeAspect="1"/>
+          </p:cNvPicPr>
           <p:nvPr/>
-        </p:nvSpPr>
+        </p:nvPicPr>
+        <p:blipFill rotWithShape="1">
+          <a:blip r:embed="rId4">
+            <a:extLst>
+              <a:ext uri="{28A0092B-C50C-407E-A947-70E740481C1C}">
+                <a14:useLocalDpi xmlns:a14="http://schemas.microsoft.com/office/drawing/2010/main" val="0"/>
+              </a:ext>
+            </a:extLst>
+          </a:blip>
+          <a:srcRect t="-1" b="93075"/>
+          <a:stretch/>
+        </p:blipFill>
         <p:spPr>
           <a:xfrm>
             <a:off x="0" y="0"/>
-            <a:ext cx="12192000" cy="1581150"/>
+            <a:ext cx="12187872" cy="1581149"/>
           </a:xfrm>
           <a:prstGeom prst="rect">
             <a:avLst/>
           </a:prstGeom>
-          <a:solidFill>
-            <a:srgbClr val="263238">
-              <a:alpha val="84706"/>
-            </a:srgbClr>
-          </a:solidFill>
-          <a:ln w="9525" cap="flat" cmpd="sng">
-            <a:noFill/>
-            <a:prstDash val="solid"/>
-            <a:round/>
-            <a:headEnd type="none" w="sm" len="sm"/>
-            <a:tailEnd type="none" w="sm" len="sm"/>
-          </a:ln>
-        </p:spPr>
-        <p:txBody>
-          <a:bodyPr spcFirstLastPara="1" wrap="square" lIns="121900" tIns="121900" rIns="121900" bIns="121900" anchor="ctr" anchorCtr="0">
-            <a:noAutofit/>
-          </a:bodyPr>
-          <a:lstStyle/>
-          <a:p>
-            <a:endParaRPr sz="2400"/>
-          </a:p>
-        </p:txBody>
-      </p:sp>
-      <p:sp>
-        <p:nvSpPr>
-          <p:cNvPr id="69" name="Google Shape;69;p14"/>
+        </p:spPr>
+      </p:pic>
+      <p:pic>
+        <p:nvPicPr>
+          <p:cNvPr id="12" name="Immagine 11">
+            <a:extLst>
+              <a:ext uri="{FF2B5EF4-FFF2-40B4-BE49-F238E27FC236}">
+                <a16:creationId xmlns:a16="http://schemas.microsoft.com/office/drawing/2014/main" id="{101C609A-471C-D2C3-6F8B-266E631CAEA8}"/>
+              </a:ext>
+            </a:extLst>
+          </p:cNvPr>
+          <p:cNvPicPr>
+            <a:picLocks noChangeAspect="1"/>
+          </p:cNvPicPr>
+          <p:nvPr/>
+        </p:nvPicPr>
+        <p:blipFill rotWithShape="1">
+          <a:blip r:embed="rId4">
+            <a:extLst>
+              <a:ext uri="{28A0092B-C50C-407E-A947-70E740481C1C}">
+                <a14:useLocalDpi xmlns:a14="http://schemas.microsoft.com/office/drawing/2010/main" val="0"/>
+              </a:ext>
+            </a:extLst>
+          </a:blip>
+          <a:srcRect t="-1" b="93075"/>
+          <a:stretch/>
+        </p:blipFill>
+        <p:spPr>
+          <a:xfrm rot="10800000">
+            <a:off x="4128" y="6238239"/>
+            <a:ext cx="12187872" cy="619760"/>
+          </a:xfrm>
+          <a:prstGeom prst="rect">
+            <a:avLst/>
+          </a:prstGeom>
+        </p:spPr>
+      </p:pic>
+      <p:sp>
+        <p:nvSpPr>
+          <p:cNvPr id="14" name="Google Shape;69;p14">
+            <a:extLst>
+              <a:ext uri="{FF2B5EF4-FFF2-40B4-BE49-F238E27FC236}">
+                <a16:creationId xmlns:a16="http://schemas.microsoft.com/office/drawing/2014/main" id="{C6034567-0707-8629-E702-107E8F93539D}"/>
+              </a:ext>
+            </a:extLst>
+          </p:cNvPr>
           <p:cNvSpPr txBox="1"/>
           <p:nvPr/>
         </p:nvSpPr>
@@ -6425,10 +5808,10 @@
       </p:sp>
       <p:sp>
         <p:nvSpPr>
-          <p:cNvPr id="3" name="Google Shape;69;p14">
+          <p:cNvPr id="15" name="Google Shape;69;p14">
             <a:extLst>
               <a:ext uri="{FF2B5EF4-FFF2-40B4-BE49-F238E27FC236}">
-                <a16:creationId xmlns:a16="http://schemas.microsoft.com/office/drawing/2014/main" id="{F5948BD0-7EB0-D6FA-31A8-7D5ED0F713D8}"/>
+                <a16:creationId xmlns:a16="http://schemas.microsoft.com/office/drawing/2014/main" id="{B0E8AEAE-2B36-85D6-1C75-9747389BBD97}"/>
               </a:ext>
             </a:extLst>
           </p:cNvPr>
@@ -6437,8 +5820,8 @@
         </p:nvSpPr>
         <p:spPr>
           <a:xfrm>
-            <a:off x="1795885" y="697580"/>
-            <a:ext cx="3709565" cy="738623"/>
+            <a:off x="2024749" y="790574"/>
+            <a:ext cx="2735475" cy="738623"/>
           </a:xfrm>
           <a:prstGeom prst="rect">
             <a:avLst/>
@@ -6465,7 +5848,7 @@
                 <a:cs typeface="Lora"/>
                 <a:sym typeface="Lora"/>
               </a:rPr>
-              <a:t>c</a:t>
+              <a:t>i pulsanti</a:t>
             </a:r>
             <a:r>
               <a:rPr lang="it" sz="3200" b="1" dirty="0">
@@ -6477,7 +5860,7 @@
                 <a:cs typeface="Lora"/>
                 <a:sym typeface="Lora"/>
               </a:rPr>
-              <a:t>ome si presenta:</a:t>
+              <a:t>:</a:t>
             </a:r>
             <a:endParaRPr sz="3200" b="1" dirty="0">
               <a:solidFill>
@@ -6491,12 +5874,67 @@
           </a:p>
         </p:txBody>
       </p:sp>
+      <p:sp>
+        <p:nvSpPr>
+          <p:cNvPr id="16" name="Google Shape;57;p13">
+            <a:extLst>
+              <a:ext uri="{FF2B5EF4-FFF2-40B4-BE49-F238E27FC236}">
+                <a16:creationId xmlns:a16="http://schemas.microsoft.com/office/drawing/2014/main" id="{6EBDA091-F452-15D8-5F70-965CFD79B986}"/>
+              </a:ext>
+            </a:extLst>
+          </p:cNvPr>
+          <p:cNvSpPr txBox="1"/>
+          <p:nvPr/>
+        </p:nvSpPr>
+        <p:spPr>
+          <a:xfrm>
+            <a:off x="91440" y="4180799"/>
+            <a:ext cx="3276857" cy="1354176"/>
+          </a:xfrm>
+          <a:prstGeom prst="rect">
+            <a:avLst/>
+          </a:prstGeom>
+          <a:noFill/>
+          <a:ln>
+            <a:noFill/>
+          </a:ln>
+        </p:spPr>
+        <p:txBody>
+          <a:bodyPr spcFirstLastPara="1" wrap="square" lIns="121900" tIns="121900" rIns="121900" bIns="121900" anchor="t" anchorCtr="0">
+            <a:spAutoFit/>
+          </a:bodyPr>
+          <a:lstStyle/>
+          <a:p>
+            <a:r>
+              <a:rPr lang="it-IT" sz="2400" dirty="0">
+                <a:solidFill>
+                  <a:srgbClr val="263238"/>
+                </a:solidFill>
+                <a:latin typeface="Lora"/>
+                <a:ea typeface="Lora"/>
+                <a:cs typeface="Lora"/>
+                <a:sym typeface="Lora"/>
+              </a:rPr>
+              <a:t>Premendo sul tasto verranno visualizzati i commenti</a:t>
+            </a:r>
+            <a:endParaRPr dirty="0">
+              <a:solidFill>
+                <a:srgbClr val="263238"/>
+              </a:solidFill>
+              <a:latin typeface="Lora"/>
+              <a:ea typeface="Lora"/>
+              <a:cs typeface="Lora"/>
+              <a:sym typeface="Lora"/>
+            </a:endParaRPr>
+          </a:p>
+        </p:txBody>
+      </p:sp>
       <p:pic>
         <p:nvPicPr>
-          <p:cNvPr id="6" name="Immagine 5">
+          <p:cNvPr id="20" name="Elemento grafico 19" descr="Cursor with solid fill">
             <a:extLst>
               <a:ext uri="{FF2B5EF4-FFF2-40B4-BE49-F238E27FC236}">
-                <a16:creationId xmlns:a16="http://schemas.microsoft.com/office/drawing/2014/main" id="{59B4FAFB-5195-2AE0-CA28-83625D413612}"/>
+                <a16:creationId xmlns:a16="http://schemas.microsoft.com/office/drawing/2014/main" id="{D9FEA84B-A09C-1E5E-2FC0-99A43035E56E}"/>
               </a:ext>
             </a:extLst>
           </p:cNvPr>
@@ -6505,21 +5943,64 @@
           </p:cNvPicPr>
           <p:nvPr/>
         </p:nvPicPr>
-        <p:blipFill rotWithShape="1">
-          <a:blip r:embed="rId3">
+        <p:blipFill>
+          <a:blip r:embed="rId5">
             <a:extLst>
               <a:ext uri="{28A0092B-C50C-407E-A947-70E740481C1C}">
                 <a14:useLocalDpi xmlns:a14="http://schemas.microsoft.com/office/drawing/2010/main" val="0"/>
               </a:ext>
+              <a:ext uri="{96DAC541-7B7A-43D3-8B79-37D633B846F1}">
+                <asvg:svgBlip xmlns:asvg="http://schemas.microsoft.com/office/drawing/2016/SVG/main" r:embed="rId6"/>
+              </a:ext>
             </a:extLst>
           </a:blip>
-          <a:srcRect r="1224"/>
-          <a:stretch/>
+          <a:stretch>
+            <a:fillRect/>
+          </a:stretch>
         </p:blipFill>
         <p:spPr>
           <a:xfrm>
-            <a:off x="938719" y="1581150"/>
-            <a:ext cx="10314561" cy="4848050"/>
+            <a:off x="3901440" y="3698239"/>
+            <a:ext cx="734477" cy="734477"/>
+          </a:xfrm>
+          <a:prstGeom prst="rect">
+            <a:avLst/>
+          </a:prstGeom>
+        </p:spPr>
+      </p:pic>
+      <p:pic>
+        <p:nvPicPr>
+          <p:cNvPr id="22" name="Elemento grafico 21" descr="Harvey Balls 0% outline">
+            <a:extLst>
+              <a:ext uri="{FF2B5EF4-FFF2-40B4-BE49-F238E27FC236}">
+                <a16:creationId xmlns:a16="http://schemas.microsoft.com/office/drawing/2014/main" id="{F884845D-BBA6-20CD-3089-0E657C586C7B}"/>
+              </a:ext>
+            </a:extLst>
+          </p:cNvPr>
+          <p:cNvPicPr>
+            <a:picLocks noChangeAspect="1"/>
+          </p:cNvPicPr>
+          <p:nvPr/>
+        </p:nvPicPr>
+        <p:blipFill>
+          <a:blip r:embed="rId7">
+            <a:extLst>
+              <a:ext uri="{28A0092B-C50C-407E-A947-70E740481C1C}">
+                <a14:useLocalDpi xmlns:a14="http://schemas.microsoft.com/office/drawing/2010/main" val="0"/>
+              </a:ext>
+              <a:ext uri="{96DAC541-7B7A-43D3-8B79-37D633B846F1}">
+                <asvg:svgBlip xmlns:asvg="http://schemas.microsoft.com/office/drawing/2016/SVG/main" r:embed="rId8"/>
+              </a:ext>
+            </a:extLst>
+          </a:blip>
+          <a:stretch>
+            <a:fillRect/>
+          </a:stretch>
+        </p:blipFill>
+        <p:spPr>
+          <a:xfrm>
+            <a:off x="3177668" y="3386672"/>
+            <a:ext cx="1658491" cy="649181"/>
           </a:xfrm>
           <a:prstGeom prst="rect">
             <a:avLst/>
@@ -6529,7 +6010,7 @@
     </p:spTree>
     <p:extLst>
       <p:ext uri="{BB962C8B-B14F-4D97-AF65-F5344CB8AC3E}">
-        <p14:creationId xmlns:p14="http://schemas.microsoft.com/office/powerpoint/2010/main" val="357915333"/>
+        <p14:creationId xmlns:p14="http://schemas.microsoft.com/office/powerpoint/2010/main" val="1115207864"/>
       </p:ext>
     </p:extLst>
   </p:cSld>
@@ -6542,6 +6023,14 @@
 <file path=ppt/slides/slide12.xml><?xml version="1.0" encoding="utf-8"?>
 <p:sld xmlns:a="http://schemas.openxmlformats.org/drawingml/2006/main" xmlns:r="http://schemas.openxmlformats.org/officeDocument/2006/relationships" xmlns:p="http://schemas.openxmlformats.org/presentationml/2006/main">
   <p:cSld>
+    <p:bg>
+      <p:bgPr>
+        <a:solidFill>
+          <a:srgbClr val="818181"/>
+        </a:solidFill>
+        <a:effectLst/>
+      </p:bgPr>
+    </p:bg>
     <p:spTree>
       <p:nvGrpSpPr>
         <p:cNvPr id="1" name="Shape 62"/>
@@ -6556,93 +6045,92 @@
           <a:chExt cx="0" cy="0"/>
         </a:xfrm>
       </p:grpSpPr>
-      <p:sp>
-        <p:nvSpPr>
-          <p:cNvPr id="63" name="Google Shape;63;p14"/>
-          <p:cNvSpPr/>
+      <p:pic>
+        <p:nvPicPr>
+          <p:cNvPr id="11" name="Immagine 10">
+            <a:extLst>
+              <a:ext uri="{FF2B5EF4-FFF2-40B4-BE49-F238E27FC236}">
+                <a16:creationId xmlns:a16="http://schemas.microsoft.com/office/drawing/2014/main" id="{453ED6ED-4262-1EEC-F618-C79D6B396865}"/>
+              </a:ext>
+            </a:extLst>
+          </p:cNvPr>
+          <p:cNvPicPr>
+            <a:picLocks noChangeAspect="1"/>
+          </p:cNvPicPr>
           <p:nvPr/>
-        </p:nvSpPr>
-        <p:spPr>
-          <a:xfrm>
-            <a:off x="0" y="6429200"/>
-            <a:ext cx="12192000" cy="428800"/>
-          </a:xfrm>
-          <a:prstGeom prst="round2SameRect">
-            <a:avLst>
-              <a:gd name="adj1" fmla="val 0"/>
-              <a:gd name="adj2" fmla="val 0"/>
-            </a:avLst>
-          </a:prstGeom>
-          <a:solidFill>
-            <a:srgbClr val="263238">
-              <a:alpha val="85000"/>
-            </a:srgbClr>
-          </a:solidFill>
-          <a:ln w="9525" cap="flat" cmpd="sng">
-            <a:noFill/>
-            <a:prstDash val="solid"/>
-            <a:round/>
-            <a:headEnd type="none" w="sm" len="sm"/>
-            <a:tailEnd type="none" w="sm" len="sm"/>
-          </a:ln>
-        </p:spPr>
-        <p:txBody>
-          <a:bodyPr spcFirstLastPara="1" wrap="square" lIns="121900" tIns="121900" rIns="121900" bIns="121900" anchor="ctr" anchorCtr="0">
-            <a:noAutofit/>
-          </a:bodyPr>
-          <a:lstStyle/>
-          <a:p>
-            <a:endParaRPr sz="2400"/>
-          </a:p>
-        </p:txBody>
-      </p:sp>
-      <p:sp>
-        <p:nvSpPr>
-          <p:cNvPr id="68" name="Google Shape;68;p14"/>
-          <p:cNvSpPr/>
+        </p:nvPicPr>
+        <p:blipFill rotWithShape="1">
+          <a:blip r:embed="rId3">
+            <a:extLst>
+              <a:ext uri="{28A0092B-C50C-407E-A947-70E740481C1C}">
+                <a14:useLocalDpi xmlns:a14="http://schemas.microsoft.com/office/drawing/2010/main" val="0"/>
+              </a:ext>
+            </a:extLst>
+          </a:blip>
+          <a:srcRect t="-1" b="93075"/>
+          <a:stretch/>
+        </p:blipFill>
+        <p:spPr>
+          <a:xfrm>
+            <a:off x="0" y="0"/>
+            <a:ext cx="12187872" cy="1581149"/>
+          </a:xfrm>
+          <a:prstGeom prst="rect">
+            <a:avLst/>
+          </a:prstGeom>
+        </p:spPr>
+      </p:pic>
+      <p:pic>
+        <p:nvPicPr>
+          <p:cNvPr id="12" name="Immagine 11">
+            <a:extLst>
+              <a:ext uri="{FF2B5EF4-FFF2-40B4-BE49-F238E27FC236}">
+                <a16:creationId xmlns:a16="http://schemas.microsoft.com/office/drawing/2014/main" id="{101C609A-471C-D2C3-6F8B-266E631CAEA8}"/>
+              </a:ext>
+            </a:extLst>
+          </p:cNvPr>
+          <p:cNvPicPr>
+            <a:picLocks noChangeAspect="1"/>
+          </p:cNvPicPr>
           <p:nvPr/>
-        </p:nvSpPr>
-        <p:spPr>
-          <a:xfrm>
-            <a:off x="0" y="0"/>
-            <a:ext cx="12192000" cy="1272400"/>
+        </p:nvPicPr>
+        <p:blipFill rotWithShape="1">
+          <a:blip r:embed="rId3">
+            <a:extLst>
+              <a:ext uri="{28A0092B-C50C-407E-A947-70E740481C1C}">
+                <a14:useLocalDpi xmlns:a14="http://schemas.microsoft.com/office/drawing/2010/main" val="0"/>
+              </a:ext>
+            </a:extLst>
+          </a:blip>
+          <a:srcRect t="-1" b="93075"/>
+          <a:stretch/>
+        </p:blipFill>
+        <p:spPr>
+          <a:xfrm rot="10800000">
+            <a:off x="4128" y="6238239"/>
+            <a:ext cx="12187872" cy="619760"/>
           </a:xfrm>
           <a:prstGeom prst="rect">
             <a:avLst/>
           </a:prstGeom>
-          <a:solidFill>
-            <a:srgbClr val="263238">
-              <a:alpha val="85000"/>
-            </a:srgbClr>
-          </a:solidFill>
-          <a:ln w="9525" cap="flat" cmpd="sng">
-            <a:noFill/>
-            <a:prstDash val="solid"/>
-            <a:round/>
-            <a:headEnd type="none" w="sm" len="sm"/>
-            <a:tailEnd type="none" w="sm" len="sm"/>
-          </a:ln>
-        </p:spPr>
-        <p:txBody>
-          <a:bodyPr spcFirstLastPara="1" wrap="square" lIns="121900" tIns="121900" rIns="121900" bIns="121900" anchor="ctr" anchorCtr="0">
-            <a:noAutofit/>
-          </a:bodyPr>
-          <a:lstStyle/>
-          <a:p>
-            <a:endParaRPr sz="2400"/>
-          </a:p>
-        </p:txBody>
-      </p:sp>
-      <p:sp>
-        <p:nvSpPr>
-          <p:cNvPr id="69" name="Google Shape;69;p14"/>
+        </p:spPr>
+      </p:pic>
+      <p:sp>
+        <p:nvSpPr>
+          <p:cNvPr id="14" name="Google Shape;69;p14">
+            <a:extLst>
+              <a:ext uri="{FF2B5EF4-FFF2-40B4-BE49-F238E27FC236}">
+                <a16:creationId xmlns:a16="http://schemas.microsoft.com/office/drawing/2014/main" id="{C6034567-0707-8629-E702-107E8F93539D}"/>
+              </a:ext>
+            </a:extLst>
+          </p:cNvPr>
           <p:cNvSpPr txBox="1"/>
           <p:nvPr/>
         </p:nvSpPr>
         <p:spPr>
           <a:xfrm>
             <a:off x="668333" y="143601"/>
-            <a:ext cx="2457422" cy="984845"/>
+            <a:ext cx="2636842" cy="984845"/>
           </a:xfrm>
           <a:prstGeom prst="rect">
             <a:avLst/>
@@ -6669,7 +6157,7 @@
                 <a:cs typeface="Lora"/>
                 <a:sym typeface="Lora"/>
               </a:rPr>
-              <a:t>Grafica</a:t>
+              <a:t>Grafica:</a:t>
             </a:r>
             <a:endParaRPr sz="4800" b="1" dirty="0">
               <a:solidFill>
@@ -6685,10 +6173,10 @@
       </p:sp>
       <p:sp>
         <p:nvSpPr>
-          <p:cNvPr id="2" name="Google Shape;57;p13">
+          <p:cNvPr id="15" name="Google Shape;69;p14">
             <a:extLst>
               <a:ext uri="{FF2B5EF4-FFF2-40B4-BE49-F238E27FC236}">
-                <a16:creationId xmlns:a16="http://schemas.microsoft.com/office/drawing/2014/main" id="{56C52826-B746-F004-0D5F-C78D702DEF7E}"/>
+                <a16:creationId xmlns:a16="http://schemas.microsoft.com/office/drawing/2014/main" id="{B0E8AEAE-2B36-85D6-1C75-9747389BBD97}"/>
               </a:ext>
             </a:extLst>
           </p:cNvPr>
@@ -6697,8 +6185,8 @@
         </p:nvSpPr>
         <p:spPr>
           <a:xfrm>
-            <a:off x="668333" y="1843366"/>
-            <a:ext cx="1606599" cy="615513"/>
+            <a:off x="1795885" y="697580"/>
+            <a:ext cx="3709565" cy="738623"/>
           </a:xfrm>
           <a:prstGeom prst="rect">
             <a:avLst/>
@@ -6714,8 +6202,121 @@
           </a:bodyPr>
           <a:lstStyle/>
           <a:p>
-            <a:r>
-              <a:rPr lang="it-IT" sz="2400" b="1" dirty="0">
+            <a:pPr algn="ctr"/>
+            <a:r>
+              <a:rPr lang="it-IT" sz="3200" b="1" dirty="0">
+                <a:solidFill>
+                  <a:srgbClr val="FAFAFA"/>
+                </a:solidFill>
+                <a:latin typeface="Lora"/>
+                <a:ea typeface="Lora"/>
+                <a:cs typeface="Lora"/>
+                <a:sym typeface="Lora"/>
+              </a:rPr>
+              <a:t>c</a:t>
+            </a:r>
+            <a:r>
+              <a:rPr lang="it" sz="3200" b="1" dirty="0">
+                <a:solidFill>
+                  <a:srgbClr val="FAFAFA"/>
+                </a:solidFill>
+                <a:latin typeface="Lora"/>
+                <a:ea typeface="Lora"/>
+                <a:cs typeface="Lora"/>
+                <a:sym typeface="Lora"/>
+              </a:rPr>
+              <a:t>ome si presenta:</a:t>
+            </a:r>
+            <a:endParaRPr sz="3200" b="1" dirty="0">
+              <a:solidFill>
+                <a:srgbClr val="FAFAFA"/>
+              </a:solidFill>
+              <a:latin typeface="Lora"/>
+              <a:ea typeface="Lora"/>
+              <a:cs typeface="Lora"/>
+              <a:sym typeface="Lora"/>
+            </a:endParaRPr>
+          </a:p>
+        </p:txBody>
+      </p:sp>
+      <p:pic>
+        <p:nvPicPr>
+          <p:cNvPr id="3" name="Immagine 2">
+            <a:extLst>
+              <a:ext uri="{FF2B5EF4-FFF2-40B4-BE49-F238E27FC236}">
+                <a16:creationId xmlns:a16="http://schemas.microsoft.com/office/drawing/2014/main" id="{392DDB5E-CEE3-93B7-4552-D5C8C27A4036}"/>
+              </a:ext>
+            </a:extLst>
+          </p:cNvPr>
+          <p:cNvPicPr>
+            <a:picLocks noChangeAspect="1"/>
+          </p:cNvPicPr>
+          <p:nvPr/>
+        </p:nvPicPr>
+        <p:blipFill rotWithShape="1">
+          <a:blip r:embed="rId4">
+            <a:extLst>
+              <a:ext uri="{28A0092B-C50C-407E-A947-70E740481C1C}">
+                <a14:useLocalDpi xmlns:a14="http://schemas.microsoft.com/office/drawing/2010/main" val="0"/>
+              </a:ext>
+            </a:extLst>
+          </a:blip>
+          <a:srcRect l="38628" t="37067"/>
+          <a:stretch/>
+        </p:blipFill>
+        <p:spPr>
+          <a:xfrm>
+            <a:off x="0" y="1581149"/>
+            <a:ext cx="6826275" cy="4082390"/>
+          </a:xfrm>
+          <a:prstGeom prst="rect">
+            <a:avLst/>
+          </a:prstGeom>
+        </p:spPr>
+      </p:pic>
+      <p:sp>
+        <p:nvSpPr>
+          <p:cNvPr id="16" name="Google Shape;57;p13">
+            <a:extLst>
+              <a:ext uri="{FF2B5EF4-FFF2-40B4-BE49-F238E27FC236}">
+                <a16:creationId xmlns:a16="http://schemas.microsoft.com/office/drawing/2014/main" id="{6EBDA091-F452-15D8-5F70-965CFD79B986}"/>
+              </a:ext>
+            </a:extLst>
+          </p:cNvPr>
+          <p:cNvSpPr txBox="1"/>
+          <p:nvPr/>
+        </p:nvSpPr>
+        <p:spPr>
+          <a:xfrm>
+            <a:off x="3794086" y="3551137"/>
+            <a:ext cx="3032189" cy="923289"/>
+          </a:xfrm>
+          <a:prstGeom prst="rect">
+            <a:avLst/>
+          </a:prstGeom>
+          <a:solidFill>
+            <a:schemeClr val="bg1"/>
+          </a:solidFill>
+          <a:ln w="0" cap="rnd">
+            <a:noFill/>
+          </a:ln>
+          <a:effectLst>
+            <a:softEdge rad="0"/>
+          </a:effectLst>
+          <a:scene3d>
+            <a:camera prst="orthographicFront"/>
+            <a:lightRig rig="threePt" dir="t"/>
+          </a:scene3d>
+          <a:sp3d prstMaterial="matte"/>
+        </p:spPr>
+        <p:txBody>
+          <a:bodyPr spcFirstLastPara="1" wrap="square" lIns="121900" tIns="121900" rIns="121900" bIns="121900" anchor="t" anchorCtr="0">
+            <a:spAutoFit/>
+          </a:bodyPr>
+          <a:lstStyle/>
+          <a:p>
+            <a:r>
+              <a:rPr lang="it-IT" sz="2200" dirty="0">
                 <a:solidFill>
                   <a:srgbClr val="263238"/>
                 </a:solidFill>
@@ -6724,9 +6325,9 @@
                 <a:cs typeface="Lora"/>
                 <a:sym typeface="Lora"/>
               </a:rPr>
-              <a:t>Pulsanti:</a:t>
-            </a:r>
-            <a:endParaRPr b="1" dirty="0">
+              <a:t>Questo è il pulsante "torna su"</a:t>
+            </a:r>
+            <a:endParaRPr sz="2200" dirty="0">
               <a:solidFill>
                 <a:srgbClr val="263238"/>
               </a:solidFill>
@@ -6738,10 +6339,49 @@
           </a:p>
         </p:txBody>
       </p:sp>
+      <p:pic>
+        <p:nvPicPr>
+          <p:cNvPr id="20" name="Elemento grafico 19" descr="Cursor with solid fill">
+            <a:extLst>
+              <a:ext uri="{FF2B5EF4-FFF2-40B4-BE49-F238E27FC236}">
+                <a16:creationId xmlns:a16="http://schemas.microsoft.com/office/drawing/2014/main" id="{D9FEA84B-A09C-1E5E-2FC0-99A43035E56E}"/>
+              </a:ext>
+            </a:extLst>
+          </p:cNvPr>
+          <p:cNvPicPr>
+            <a:picLocks noChangeAspect="1"/>
+          </p:cNvPicPr>
+          <p:nvPr/>
+        </p:nvPicPr>
+        <p:blipFill>
+          <a:blip r:embed="rId5">
+            <a:extLst>
+              <a:ext uri="{28A0092B-C50C-407E-A947-70E740481C1C}">
+                <a14:useLocalDpi xmlns:a14="http://schemas.microsoft.com/office/drawing/2010/main" val="0"/>
+              </a:ext>
+              <a:ext uri="{96DAC541-7B7A-43D3-8B79-37D633B846F1}">
+                <asvg:svgBlip xmlns:asvg="http://schemas.microsoft.com/office/drawing/2016/SVG/main" r:embed="rId6"/>
+              </a:ext>
+            </a:extLst>
+          </a:blip>
+          <a:stretch>
+            <a:fillRect/>
+          </a:stretch>
+        </p:blipFill>
+        <p:spPr>
+          <a:xfrm>
+            <a:off x="5571619" y="4929062"/>
+            <a:ext cx="734477" cy="734477"/>
+          </a:xfrm>
+          <a:prstGeom prst="rect">
+            <a:avLst/>
+          </a:prstGeom>
+        </p:spPr>
+      </p:pic>
     </p:spTree>
     <p:extLst>
       <p:ext uri="{BB962C8B-B14F-4D97-AF65-F5344CB8AC3E}">
-        <p14:creationId xmlns:p14="http://schemas.microsoft.com/office/powerpoint/2010/main" val="3027574032"/>
+        <p14:creationId xmlns:p14="http://schemas.microsoft.com/office/powerpoint/2010/main" val="3777364499"/>
       </p:ext>
     </p:extLst>
   </p:cSld>
@@ -6768,93 +6408,92 @@
           <a:chExt cx="0" cy="0"/>
         </a:xfrm>
       </p:grpSpPr>
-      <p:sp>
-        <p:nvSpPr>
-          <p:cNvPr id="63" name="Google Shape;63;p14"/>
-          <p:cNvSpPr/>
+      <p:pic>
+        <p:nvPicPr>
+          <p:cNvPr id="11" name="Immagine 10">
+            <a:extLst>
+              <a:ext uri="{FF2B5EF4-FFF2-40B4-BE49-F238E27FC236}">
+                <a16:creationId xmlns:a16="http://schemas.microsoft.com/office/drawing/2014/main" id="{453ED6ED-4262-1EEC-F618-C79D6B396865}"/>
+              </a:ext>
+            </a:extLst>
+          </p:cNvPr>
+          <p:cNvPicPr>
+            <a:picLocks noChangeAspect="1"/>
+          </p:cNvPicPr>
           <p:nvPr/>
-        </p:nvSpPr>
-        <p:spPr>
-          <a:xfrm>
-            <a:off x="0" y="6429200"/>
-            <a:ext cx="12192000" cy="428800"/>
-          </a:xfrm>
-          <a:prstGeom prst="round2SameRect">
-            <a:avLst>
-              <a:gd name="adj1" fmla="val 0"/>
-              <a:gd name="adj2" fmla="val 0"/>
-            </a:avLst>
-          </a:prstGeom>
-          <a:solidFill>
-            <a:srgbClr val="6E0707">
-              <a:alpha val="85000"/>
-            </a:srgbClr>
-          </a:solidFill>
-          <a:ln w="9525" cap="flat" cmpd="sng">
-            <a:noFill/>
-            <a:prstDash val="solid"/>
-            <a:round/>
-            <a:headEnd type="none" w="sm" len="sm"/>
-            <a:tailEnd type="none" w="sm" len="sm"/>
-          </a:ln>
-        </p:spPr>
-        <p:txBody>
-          <a:bodyPr spcFirstLastPara="1" wrap="square" lIns="121900" tIns="121900" rIns="121900" bIns="121900" anchor="ctr" anchorCtr="0">
-            <a:noAutofit/>
-          </a:bodyPr>
-          <a:lstStyle/>
-          <a:p>
-            <a:endParaRPr sz="2400"/>
-          </a:p>
-        </p:txBody>
-      </p:sp>
-      <p:sp>
-        <p:nvSpPr>
-          <p:cNvPr id="68" name="Google Shape;68;p14"/>
-          <p:cNvSpPr/>
+        </p:nvPicPr>
+        <p:blipFill rotWithShape="1">
+          <a:blip r:embed="rId3">
+            <a:extLst>
+              <a:ext uri="{28A0092B-C50C-407E-A947-70E740481C1C}">
+                <a14:useLocalDpi xmlns:a14="http://schemas.microsoft.com/office/drawing/2010/main" val="0"/>
+              </a:ext>
+            </a:extLst>
+          </a:blip>
+          <a:srcRect t="-1" b="93075"/>
+          <a:stretch/>
+        </p:blipFill>
+        <p:spPr>
+          <a:xfrm>
+            <a:off x="0" y="0"/>
+            <a:ext cx="12187872" cy="1581149"/>
+          </a:xfrm>
+          <a:prstGeom prst="rect">
+            <a:avLst/>
+          </a:prstGeom>
+        </p:spPr>
+      </p:pic>
+      <p:pic>
+        <p:nvPicPr>
+          <p:cNvPr id="12" name="Immagine 11">
+            <a:extLst>
+              <a:ext uri="{FF2B5EF4-FFF2-40B4-BE49-F238E27FC236}">
+                <a16:creationId xmlns:a16="http://schemas.microsoft.com/office/drawing/2014/main" id="{101C609A-471C-D2C3-6F8B-266E631CAEA8}"/>
+              </a:ext>
+            </a:extLst>
+          </p:cNvPr>
+          <p:cNvPicPr>
+            <a:picLocks noChangeAspect="1"/>
+          </p:cNvPicPr>
           <p:nvPr/>
-        </p:nvSpPr>
-        <p:spPr>
-          <a:xfrm>
-            <a:off x="0" y="0"/>
-            <a:ext cx="12192000" cy="1272400"/>
+        </p:nvPicPr>
+        <p:blipFill rotWithShape="1">
+          <a:blip r:embed="rId3">
+            <a:extLst>
+              <a:ext uri="{28A0092B-C50C-407E-A947-70E740481C1C}">
+                <a14:useLocalDpi xmlns:a14="http://schemas.microsoft.com/office/drawing/2010/main" val="0"/>
+              </a:ext>
+            </a:extLst>
+          </a:blip>
+          <a:srcRect t="-1" b="93075"/>
+          <a:stretch/>
+        </p:blipFill>
+        <p:spPr>
+          <a:xfrm rot="10800000">
+            <a:off x="4128" y="6238239"/>
+            <a:ext cx="12187872" cy="619760"/>
           </a:xfrm>
           <a:prstGeom prst="rect">
             <a:avLst/>
           </a:prstGeom>
-          <a:solidFill>
-            <a:srgbClr val="6E0707">
-              <a:alpha val="85000"/>
-            </a:srgbClr>
-          </a:solidFill>
-          <a:ln w="9525" cap="flat" cmpd="sng">
-            <a:noFill/>
-            <a:prstDash val="solid"/>
-            <a:round/>
-            <a:headEnd type="none" w="sm" len="sm"/>
-            <a:tailEnd type="none" w="sm" len="sm"/>
-          </a:ln>
-        </p:spPr>
-        <p:txBody>
-          <a:bodyPr spcFirstLastPara="1" wrap="square" lIns="121900" tIns="121900" rIns="121900" bIns="121900" anchor="ctr" anchorCtr="0">
-            <a:noAutofit/>
-          </a:bodyPr>
-          <a:lstStyle/>
-          <a:p>
-            <a:endParaRPr sz="2400"/>
-          </a:p>
-        </p:txBody>
-      </p:sp>
-      <p:sp>
-        <p:nvSpPr>
-          <p:cNvPr id="69" name="Google Shape;69;p14"/>
+        </p:spPr>
+      </p:pic>
+      <p:sp>
+        <p:nvSpPr>
+          <p:cNvPr id="14" name="Google Shape;69;p14">
+            <a:extLst>
+              <a:ext uri="{FF2B5EF4-FFF2-40B4-BE49-F238E27FC236}">
+                <a16:creationId xmlns:a16="http://schemas.microsoft.com/office/drawing/2014/main" id="{C6034567-0707-8629-E702-107E8F93539D}"/>
+              </a:ext>
+            </a:extLst>
+          </p:cNvPr>
           <p:cNvSpPr txBox="1"/>
           <p:nvPr/>
         </p:nvSpPr>
         <p:spPr>
           <a:xfrm>
-            <a:off x="492842" y="143777"/>
-            <a:ext cx="4887560" cy="984845"/>
+            <a:off x="668333" y="143601"/>
+            <a:ext cx="2636842" cy="984845"/>
           </a:xfrm>
           <a:prstGeom prst="rect">
             <a:avLst/>
@@ -6881,7 +6520,7 @@
                 <a:cs typeface="Lora"/>
                 <a:sym typeface="Lora"/>
               </a:rPr>
-              <a:t>Funzionamento</a:t>
+              <a:t>Grafica:</a:t>
             </a:r>
             <a:endParaRPr sz="4800" b="1" dirty="0">
               <a:solidFill>
@@ -6897,10 +6536,10 @@
       </p:sp>
       <p:sp>
         <p:nvSpPr>
-          <p:cNvPr id="4" name="Google Shape;57;p13">
+          <p:cNvPr id="15" name="Google Shape;69;p14">
             <a:extLst>
               <a:ext uri="{FF2B5EF4-FFF2-40B4-BE49-F238E27FC236}">
-                <a16:creationId xmlns:a16="http://schemas.microsoft.com/office/drawing/2014/main" id="{FAF5C34B-9692-5A59-7BAB-2C9C6E6D1403}"/>
+                <a16:creationId xmlns:a16="http://schemas.microsoft.com/office/drawing/2014/main" id="{B0E8AEAE-2B36-85D6-1C75-9747389BBD97}"/>
               </a:ext>
             </a:extLst>
           </p:cNvPr>
@@ -6909,8 +6548,8 @@
         </p:nvSpPr>
         <p:spPr>
           <a:xfrm>
-            <a:off x="3195402" y="1416177"/>
-            <a:ext cx="6933194" cy="738623"/>
+            <a:off x="2024749" y="790574"/>
+            <a:ext cx="2735475" cy="738623"/>
           </a:xfrm>
           <a:prstGeom prst="rect">
             <a:avLst/>
@@ -6926,21 +6565,34 @@
           </a:bodyPr>
           <a:lstStyle/>
           <a:p>
+            <a:pPr algn="ctr"/>
             <a:r>
               <a:rPr lang="it-IT" sz="3200" b="1" dirty="0">
                 <a:solidFill>
-                  <a:srgbClr val="00B050"/>
+                  <a:srgbClr val="FAFAFA"/>
                 </a:solidFill>
                 <a:latin typeface="Lora"/>
                 <a:ea typeface="Lora"/>
                 <a:cs typeface="Lora"/>
                 <a:sym typeface="Lora"/>
               </a:rPr>
-              <a:t>Il counter presenta 3 tasti: </a:t>
+              <a:t>i pulsanti</a:t>
+            </a:r>
+            <a:r>
+              <a:rPr lang="it" sz="3200" b="1" dirty="0">
+                <a:solidFill>
+                  <a:srgbClr val="FAFAFA"/>
+                </a:solidFill>
+                <a:latin typeface="Lora"/>
+                <a:ea typeface="Lora"/>
+                <a:cs typeface="Lora"/>
+                <a:sym typeface="Lora"/>
+              </a:rPr>
+              <a:t>:</a:t>
             </a:r>
             <a:endParaRPr sz="3200" b="1" dirty="0">
               <a:solidFill>
-                <a:srgbClr val="00B050"/>
+                <a:srgbClr val="FAFAFA"/>
               </a:solidFill>
               <a:latin typeface="Lora"/>
               <a:ea typeface="Lora"/>
@@ -6950,12 +6602,67 @@
           </a:p>
         </p:txBody>
       </p:sp>
+      <p:sp>
+        <p:nvSpPr>
+          <p:cNvPr id="16" name="Google Shape;57;p13">
+            <a:extLst>
+              <a:ext uri="{FF2B5EF4-FFF2-40B4-BE49-F238E27FC236}">
+                <a16:creationId xmlns:a16="http://schemas.microsoft.com/office/drawing/2014/main" id="{6EBDA091-F452-15D8-5F70-965CFD79B986}"/>
+              </a:ext>
+            </a:extLst>
+          </p:cNvPr>
+          <p:cNvSpPr txBox="1"/>
+          <p:nvPr/>
+        </p:nvSpPr>
+        <p:spPr>
+          <a:xfrm>
+            <a:off x="5029200" y="3116431"/>
+            <a:ext cx="6016843" cy="615513"/>
+          </a:xfrm>
+          <a:prstGeom prst="rect">
+            <a:avLst/>
+          </a:prstGeom>
+          <a:noFill/>
+          <a:ln>
+            <a:noFill/>
+          </a:ln>
+        </p:spPr>
+        <p:txBody>
+          <a:bodyPr spcFirstLastPara="1" wrap="square" lIns="121900" tIns="121900" rIns="121900" bIns="121900" anchor="t" anchorCtr="0">
+            <a:spAutoFit/>
+          </a:bodyPr>
+          <a:lstStyle/>
+          <a:p>
+            <a:r>
+              <a:rPr lang="it-IT" sz="2400" dirty="0">
+                <a:solidFill>
+                  <a:srgbClr val="263238"/>
+                </a:solidFill>
+                <a:latin typeface="Lora"/>
+                <a:ea typeface="Lora"/>
+                <a:cs typeface="Lora"/>
+                <a:sym typeface="Lora"/>
+              </a:rPr>
+              <a:t>Il tasto in basso mostra altre 10 notizie</a:t>
+            </a:r>
+            <a:endParaRPr dirty="0">
+              <a:solidFill>
+                <a:srgbClr val="263238"/>
+              </a:solidFill>
+              <a:latin typeface="Lora"/>
+              <a:ea typeface="Lora"/>
+              <a:cs typeface="Lora"/>
+              <a:sym typeface="Lora"/>
+            </a:endParaRPr>
+          </a:p>
+        </p:txBody>
+      </p:sp>
       <p:pic>
         <p:nvPicPr>
           <p:cNvPr id="3" name="Immagine 2">
             <a:extLst>
               <a:ext uri="{FF2B5EF4-FFF2-40B4-BE49-F238E27FC236}">
-                <a16:creationId xmlns:a16="http://schemas.microsoft.com/office/drawing/2014/main" id="{B8A3A473-1F49-01E9-B1D4-AEB37C8DABFB}"/>
+                <a16:creationId xmlns:a16="http://schemas.microsoft.com/office/drawing/2014/main" id="{D4A78AE3-45C5-C3B9-7E01-7FCC03313C89}"/>
               </a:ext>
             </a:extLst>
           </p:cNvPr>
@@ -6965,20 +6672,20 @@
           <p:nvPr/>
         </p:nvPicPr>
         <p:blipFill rotWithShape="1">
-          <a:blip r:embed="rId3">
+          <a:blip r:embed="rId4">
             <a:extLst>
               <a:ext uri="{28A0092B-C50C-407E-A947-70E740481C1C}">
                 <a14:useLocalDpi xmlns:a14="http://schemas.microsoft.com/office/drawing/2010/main" val="0"/>
               </a:ext>
             </a:extLst>
           </a:blip>
-          <a:srcRect t="17789"/>
+          <a:srcRect l="36820" t="39498" r="30480" b="27036"/>
           <a:stretch/>
         </p:blipFill>
         <p:spPr>
           <a:xfrm>
-            <a:off x="7866380" y="2545793"/>
-            <a:ext cx="3611880" cy="2869158"/>
+            <a:off x="1511717" y="2516845"/>
+            <a:ext cx="2529840" cy="2785698"/>
           </a:xfrm>
           <a:prstGeom prst="rect">
             <a:avLst/>
@@ -6987,10 +6694,10 @@
       </p:pic>
       <p:pic>
         <p:nvPicPr>
-          <p:cNvPr id="5" name="Elemento grafico 4" descr="Cursore contorno">
+          <p:cNvPr id="20" name="Elemento grafico 19" descr="Cursor with solid fill">
             <a:extLst>
               <a:ext uri="{FF2B5EF4-FFF2-40B4-BE49-F238E27FC236}">
-                <a16:creationId xmlns:a16="http://schemas.microsoft.com/office/drawing/2014/main" id="{7924F419-11AC-6A45-FB92-7FB90CD2B27A}"/>
+                <a16:creationId xmlns:a16="http://schemas.microsoft.com/office/drawing/2014/main" id="{D9FEA84B-A09C-1E5E-2FC0-99A43035E56E}"/>
               </a:ext>
             </a:extLst>
           </p:cNvPr>
@@ -7000,13 +6707,13 @@
           <p:nvPr/>
         </p:nvPicPr>
         <p:blipFill>
-          <a:blip r:embed="rId4">
+          <a:blip r:embed="rId5">
             <a:extLst>
               <a:ext uri="{28A0092B-C50C-407E-A947-70E740481C1C}">
                 <a14:useLocalDpi xmlns:a14="http://schemas.microsoft.com/office/drawing/2010/main" val="0"/>
               </a:ext>
               <a:ext uri="{96DAC541-7B7A-43D3-8B79-37D633B846F1}">
-                <asvg:svgBlip xmlns:asvg="http://schemas.microsoft.com/office/drawing/2016/SVG/main" r:embed="rId5"/>
+                <asvg:svgBlip xmlns:asvg="http://schemas.microsoft.com/office/drawing/2016/SVG/main" r:embed="rId6"/>
               </a:ext>
             </a:extLst>
           </a:blip>
@@ -7016,199 +6723,8 @@
         </p:blipFill>
         <p:spPr>
           <a:xfrm>
-            <a:off x="10200640" y="4539846"/>
-            <a:ext cx="684028" cy="684028"/>
-          </a:xfrm>
-          <a:prstGeom prst="rect">
-            <a:avLst/>
-          </a:prstGeom>
-        </p:spPr>
-      </p:pic>
-      <p:sp>
-        <p:nvSpPr>
-          <p:cNvPr id="6" name="Google Shape;57;p13">
-            <a:extLst>
-              <a:ext uri="{FF2B5EF4-FFF2-40B4-BE49-F238E27FC236}">
-                <a16:creationId xmlns:a16="http://schemas.microsoft.com/office/drawing/2014/main" id="{254C855D-8665-F441-C772-02A08D8E6A84}"/>
-              </a:ext>
-            </a:extLst>
-          </p:cNvPr>
-          <p:cNvSpPr txBox="1"/>
-          <p:nvPr/>
-        </p:nvSpPr>
-        <p:spPr>
-          <a:xfrm>
-            <a:off x="492842" y="2689381"/>
-            <a:ext cx="6933194" cy="2092840"/>
-          </a:xfrm>
-          <a:prstGeom prst="rect">
-            <a:avLst/>
-          </a:prstGeom>
-          <a:noFill/>
-          <a:ln>
-            <a:noFill/>
-          </a:ln>
-        </p:spPr>
-        <p:txBody>
-          <a:bodyPr spcFirstLastPara="1" wrap="square" lIns="121900" tIns="121900" rIns="121900" bIns="121900" anchor="t" anchorCtr="0">
-            <a:spAutoFit/>
-          </a:bodyPr>
-          <a:lstStyle/>
-          <a:p>
-            <a:pPr marL="457200" indent="-457200">
-              <a:buFont typeface="Arial" panose="020B0604020202020204" pitchFamily="34" charset="0"/>
-              <a:buChar char="•"/>
-            </a:pPr>
-            <a:r>
-              <a:rPr lang="it-IT" sz="2400" b="1" dirty="0">
-                <a:latin typeface="Lora"/>
-                <a:ea typeface="Lora"/>
-                <a:cs typeface="Lora"/>
-                <a:sym typeface="Lora"/>
-              </a:rPr>
-              <a:t>Tasto </a:t>
-            </a:r>
-            <a:r>
-              <a:rPr lang="it-IT" sz="2400" b="1" dirty="0">
-                <a:solidFill>
-                  <a:srgbClr val="00B050"/>
-                </a:solidFill>
-                <a:latin typeface="Lora"/>
-                <a:ea typeface="Lora"/>
-                <a:cs typeface="Lora"/>
-                <a:sym typeface="Lora"/>
-              </a:rPr>
-              <a:t>+</a:t>
-            </a:r>
-            <a:r>
-              <a:rPr lang="it-IT" sz="2400" b="1" dirty="0">
-                <a:latin typeface="Lora"/>
-                <a:ea typeface="Lora"/>
-                <a:cs typeface="Lora"/>
-                <a:sym typeface="Lora"/>
-              </a:rPr>
-              <a:t> incrementa il valore di 1 unità</a:t>
-            </a:r>
-          </a:p>
-          <a:p>
-            <a:endParaRPr lang="it-IT" sz="2400" b="1" dirty="0">
-              <a:latin typeface="Lora"/>
-              <a:ea typeface="Lora"/>
-              <a:cs typeface="Lora"/>
-              <a:sym typeface="Lora"/>
-            </a:endParaRPr>
-          </a:p>
-          <a:p>
-            <a:pPr marL="457200" indent="-457200">
-              <a:buFont typeface="Arial" panose="020B0604020202020204" pitchFamily="34" charset="0"/>
-              <a:buChar char="•"/>
-            </a:pPr>
-            <a:r>
-              <a:rPr lang="it-IT" sz="2400" b="1" dirty="0">
-                <a:latin typeface="Lora"/>
-                <a:ea typeface="Lora"/>
-                <a:cs typeface="Lora"/>
-                <a:sym typeface="Lora"/>
-              </a:rPr>
-              <a:t>Tasto </a:t>
-            </a:r>
-            <a:r>
-              <a:rPr lang="it-IT" sz="2400" b="1" dirty="0">
-                <a:solidFill>
-                  <a:srgbClr val="00B050"/>
-                </a:solidFill>
-                <a:latin typeface="Lora"/>
-                <a:ea typeface="Lora"/>
-                <a:cs typeface="Lora"/>
-                <a:sym typeface="Lora"/>
-              </a:rPr>
-              <a:t>-</a:t>
-            </a:r>
-            <a:r>
-              <a:rPr lang="it-IT" sz="2400" b="1" dirty="0">
-                <a:latin typeface="Lora"/>
-                <a:ea typeface="Lora"/>
-                <a:cs typeface="Lora"/>
-                <a:sym typeface="Lora"/>
-              </a:rPr>
-              <a:t> decrementa il valore di 1 unità</a:t>
-            </a:r>
-          </a:p>
-          <a:p>
-            <a:endParaRPr lang="it-IT" sz="2400" b="1" dirty="0">
-              <a:latin typeface="Lora"/>
-              <a:ea typeface="Lora"/>
-              <a:cs typeface="Lora"/>
-              <a:sym typeface="Lora"/>
-            </a:endParaRPr>
-          </a:p>
-          <a:p>
-            <a:pPr marL="457200" indent="-457200">
-              <a:buFont typeface="Arial" panose="020B0604020202020204" pitchFamily="34" charset="0"/>
-              <a:buChar char="•"/>
-            </a:pPr>
-            <a:r>
-              <a:rPr lang="it-IT" sz="2400" b="1" dirty="0">
-                <a:latin typeface="Lora"/>
-                <a:ea typeface="Lora"/>
-                <a:cs typeface="Lora"/>
-                <a:sym typeface="Lora"/>
-              </a:rPr>
-              <a:t>Tasto </a:t>
-            </a:r>
-            <a:r>
-              <a:rPr lang="it-IT" sz="2400" b="1" dirty="0">
-                <a:solidFill>
-                  <a:srgbClr val="00B050"/>
-                </a:solidFill>
-                <a:latin typeface="Lora"/>
-                <a:ea typeface="Lora"/>
-                <a:cs typeface="Lora"/>
-                <a:sym typeface="Lora"/>
-              </a:rPr>
-              <a:t>  </a:t>
-            </a:r>
-            <a:r>
-              <a:rPr lang="it-IT" sz="2400" b="1" dirty="0">
-                <a:latin typeface="Lora"/>
-                <a:ea typeface="Lora"/>
-                <a:cs typeface="Lora"/>
-                <a:sym typeface="Lora"/>
-              </a:rPr>
-              <a:t>   porta a 0 il counter</a:t>
-            </a:r>
-          </a:p>
-        </p:txBody>
-      </p:sp>
-      <p:pic>
-        <p:nvPicPr>
-          <p:cNvPr id="7" name="Immagine 6">
-            <a:extLst>
-              <a:ext uri="{FF2B5EF4-FFF2-40B4-BE49-F238E27FC236}">
-                <a16:creationId xmlns:a16="http://schemas.microsoft.com/office/drawing/2014/main" id="{5E5359E3-5A3C-69BE-DBAE-1436DB5DD0AE}"/>
-              </a:ext>
-            </a:extLst>
-          </p:cNvPr>
-          <p:cNvPicPr>
-            <a:picLocks noChangeAspect="1"/>
-          </p:cNvPicPr>
-          <p:nvPr/>
-        </p:nvPicPr>
-        <p:blipFill rotWithShape="1">
-          <a:blip r:embed="rId3">
-            <a:extLst>
-              <a:ext uri="{28A0092B-C50C-407E-A947-70E740481C1C}">
-                <a14:useLocalDpi xmlns:a14="http://schemas.microsoft.com/office/drawing/2010/main" val="0"/>
-              </a:ext>
-            </a:extLst>
-          </a:blip>
-          <a:srcRect l="73205" t="27593" r="16668" b="60121"/>
-          <a:stretch/>
-        </p:blipFill>
-        <p:spPr>
-          <a:xfrm>
-            <a:off x="1919438" y="4233319"/>
-            <a:ext cx="365761" cy="428800"/>
+            <a:off x="3359358" y="3059042"/>
+            <a:ext cx="734477" cy="734477"/>
           </a:xfrm>
           <a:prstGeom prst="rect">
             <a:avLst/>
@@ -7218,7 +6734,7 @@
     </p:spTree>
     <p:extLst>
       <p:ext uri="{BB962C8B-B14F-4D97-AF65-F5344CB8AC3E}">
-        <p14:creationId xmlns:p14="http://schemas.microsoft.com/office/powerpoint/2010/main" val="843857055"/>
+        <p14:creationId xmlns:p14="http://schemas.microsoft.com/office/powerpoint/2010/main" val="401021670"/>
       </p:ext>
     </p:extLst>
   </p:cSld>
@@ -7229,1090 +6745,6 @@
 </file>
 
 <file path=ppt/slides/slide14.xml><?xml version="1.0" encoding="utf-8"?>
-<p:sld xmlns:a="http://schemas.openxmlformats.org/drawingml/2006/main" xmlns:r="http://schemas.openxmlformats.org/officeDocument/2006/relationships" xmlns:p="http://schemas.openxmlformats.org/presentationml/2006/main">
-  <p:cSld>
-    <p:bg>
-      <p:bgPr>
-        <a:solidFill>
-          <a:srgbClr val="F7E05F">
-            <a:alpha val="60000"/>
-          </a:srgbClr>
-        </a:solidFill>
-        <a:effectLst/>
-      </p:bgPr>
-    </p:bg>
-    <p:spTree>
-      <p:nvGrpSpPr>
-        <p:cNvPr id="1" name="Shape 137"/>
-        <p:cNvGrpSpPr/>
-        <p:nvPr/>
-      </p:nvGrpSpPr>
-      <p:grpSpPr>
-        <a:xfrm>
-          <a:off x="0" y="0"/>
-          <a:ext cx="0" cy="0"/>
-          <a:chOff x="0" y="0"/>
-          <a:chExt cx="0" cy="0"/>
-        </a:xfrm>
-      </p:grpSpPr>
-      <p:sp>
-        <p:nvSpPr>
-          <p:cNvPr id="138" name="Google Shape;138;p21"/>
-          <p:cNvSpPr txBox="1"/>
-          <p:nvPr/>
-        </p:nvSpPr>
-        <p:spPr>
-          <a:xfrm>
-            <a:off x="1799397" y="2792916"/>
-            <a:ext cx="8593206" cy="1272167"/>
-          </a:xfrm>
-          <a:prstGeom prst="rect">
-            <a:avLst/>
-          </a:prstGeom>
-          <a:noFill/>
-          <a:ln>
-            <a:noFill/>
-          </a:ln>
-        </p:spPr>
-        <p:txBody>
-          <a:bodyPr spcFirstLastPara="1" wrap="square" lIns="121900" tIns="121900" rIns="121900" bIns="121900" anchor="t" anchorCtr="0">
-            <a:spAutoFit/>
-          </a:bodyPr>
-          <a:lstStyle/>
-          <a:p>
-            <a:r>
-              <a:rPr lang="it" sz="4800" b="1" dirty="0">
-                <a:solidFill>
-                  <a:srgbClr val="6E0707"/>
-                </a:solidFill>
-                <a:latin typeface="Lora"/>
-                <a:ea typeface="Lora"/>
-                <a:cs typeface="Lora"/>
-                <a:sym typeface="Lora"/>
-              </a:rPr>
-              <a:t>.</a:t>
-            </a:r>
-            <a:r>
-              <a:rPr lang="it" sz="6667" b="1" dirty="0">
-                <a:solidFill>
-                  <a:srgbClr val="6E0707"/>
-                </a:solidFill>
-                <a:latin typeface="Lora"/>
-                <a:ea typeface="Lora"/>
-                <a:cs typeface="Lora"/>
-                <a:sym typeface="Lora"/>
-              </a:rPr>
-              <a:t>Specifiche tecniche</a:t>
-            </a:r>
-            <a:endParaRPr sz="6667" b="1" dirty="0">
-              <a:solidFill>
-                <a:srgbClr val="6E0707"/>
-              </a:solidFill>
-              <a:latin typeface="Lora"/>
-              <a:ea typeface="Lora"/>
-              <a:cs typeface="Lora"/>
-              <a:sym typeface="Lora"/>
-            </a:endParaRPr>
-          </a:p>
-        </p:txBody>
-      </p:sp>
-    </p:spTree>
-    <p:extLst>
-      <p:ext uri="{BB962C8B-B14F-4D97-AF65-F5344CB8AC3E}">
-        <p14:creationId xmlns:p14="http://schemas.microsoft.com/office/powerpoint/2010/main" val="618180554"/>
-      </p:ext>
-    </p:extLst>
-  </p:cSld>
-  <p:clrMapOvr>
-    <a:masterClrMapping/>
-  </p:clrMapOvr>
-</p:sld>
-</file>
-
-<file path=ppt/slides/slide15.xml><?xml version="1.0" encoding="utf-8"?>
-<p:sld xmlns:a="http://schemas.openxmlformats.org/drawingml/2006/main" xmlns:r="http://schemas.openxmlformats.org/officeDocument/2006/relationships" xmlns:p="http://schemas.openxmlformats.org/presentationml/2006/main">
-  <p:cSld>
-    <p:spTree>
-      <p:nvGrpSpPr>
-        <p:cNvPr id="1" name="Shape 62"/>
-        <p:cNvGrpSpPr/>
-        <p:nvPr/>
-      </p:nvGrpSpPr>
-      <p:grpSpPr>
-        <a:xfrm>
-          <a:off x="0" y="0"/>
-          <a:ext cx="0" cy="0"/>
-          <a:chOff x="0" y="0"/>
-          <a:chExt cx="0" cy="0"/>
-        </a:xfrm>
-      </p:grpSpPr>
-      <p:sp>
-        <p:nvSpPr>
-          <p:cNvPr id="17" name="Rettangolo 16">
-            <a:extLst>
-              <a:ext uri="{FF2B5EF4-FFF2-40B4-BE49-F238E27FC236}">
-                <a16:creationId xmlns:a16="http://schemas.microsoft.com/office/drawing/2014/main" id="{0B4D417A-7615-2145-18D2-8F5D2FF443E1}"/>
-              </a:ext>
-            </a:extLst>
-          </p:cNvPr>
-          <p:cNvSpPr/>
-          <p:nvPr/>
-        </p:nvSpPr>
-        <p:spPr>
-          <a:xfrm>
-            <a:off x="4541520" y="3846319"/>
-            <a:ext cx="3474720" cy="1524086"/>
-          </a:xfrm>
-          <a:prstGeom prst="rect">
-            <a:avLst/>
-          </a:prstGeom>
-          <a:noFill/>
-          <a:ln>
-            <a:solidFill>
-              <a:schemeClr val="tx1"/>
-            </a:solidFill>
-            <a:prstDash val="lgDash"/>
-          </a:ln>
-        </p:spPr>
-        <p:style>
-          <a:lnRef idx="2">
-            <a:schemeClr val="accent1">
-              <a:shade val="50000"/>
-            </a:schemeClr>
-          </a:lnRef>
-          <a:fillRef idx="1">
-            <a:schemeClr val="accent1"/>
-          </a:fillRef>
-          <a:effectRef idx="0">
-            <a:schemeClr val="accent1"/>
-          </a:effectRef>
-          <a:fontRef idx="minor">
-            <a:schemeClr val="lt1"/>
-          </a:fontRef>
-        </p:style>
-        <p:txBody>
-          <a:bodyPr rtlCol="0" anchor="ctr"/>
-          <a:lstStyle/>
-          <a:p>
-            <a:pPr algn="ctr"/>
-            <a:endParaRPr lang="it-IT"/>
-          </a:p>
-        </p:txBody>
-      </p:sp>
-      <p:sp>
-        <p:nvSpPr>
-          <p:cNvPr id="63" name="Google Shape;63;p14"/>
-          <p:cNvSpPr/>
-          <p:nvPr/>
-        </p:nvSpPr>
-        <p:spPr>
-          <a:xfrm>
-            <a:off x="0" y="6429200"/>
-            <a:ext cx="12192000" cy="428800"/>
-          </a:xfrm>
-          <a:prstGeom prst="round2SameRect">
-            <a:avLst>
-              <a:gd name="adj1" fmla="val 0"/>
-              <a:gd name="adj2" fmla="val 0"/>
-            </a:avLst>
-          </a:prstGeom>
-          <a:solidFill>
-            <a:srgbClr val="6E0707">
-              <a:alpha val="85000"/>
-            </a:srgbClr>
-          </a:solidFill>
-          <a:ln w="9525" cap="flat" cmpd="sng">
-            <a:noFill/>
-            <a:prstDash val="solid"/>
-            <a:round/>
-            <a:headEnd type="none" w="sm" len="sm"/>
-            <a:tailEnd type="none" w="sm" len="sm"/>
-          </a:ln>
-        </p:spPr>
-        <p:txBody>
-          <a:bodyPr spcFirstLastPara="1" wrap="square" lIns="121900" tIns="121900" rIns="121900" bIns="121900" anchor="ctr" anchorCtr="0">
-            <a:noAutofit/>
-          </a:bodyPr>
-          <a:lstStyle/>
-          <a:p>
-            <a:endParaRPr sz="2400"/>
-          </a:p>
-        </p:txBody>
-      </p:sp>
-      <p:sp>
-        <p:nvSpPr>
-          <p:cNvPr id="68" name="Google Shape;68;p14"/>
-          <p:cNvSpPr/>
-          <p:nvPr/>
-        </p:nvSpPr>
-        <p:spPr>
-          <a:xfrm>
-            <a:off x="0" y="0"/>
-            <a:ext cx="12192000" cy="1272400"/>
-          </a:xfrm>
-          <a:prstGeom prst="rect">
-            <a:avLst/>
-          </a:prstGeom>
-          <a:solidFill>
-            <a:srgbClr val="6E0707">
-              <a:alpha val="85000"/>
-            </a:srgbClr>
-          </a:solidFill>
-          <a:ln w="9525" cap="flat" cmpd="sng">
-            <a:noFill/>
-            <a:prstDash val="solid"/>
-            <a:round/>
-            <a:headEnd type="none" w="sm" len="sm"/>
-            <a:tailEnd type="none" w="sm" len="sm"/>
-          </a:ln>
-        </p:spPr>
-        <p:txBody>
-          <a:bodyPr spcFirstLastPara="1" wrap="square" lIns="121900" tIns="121900" rIns="121900" bIns="121900" anchor="ctr" anchorCtr="0">
-            <a:noAutofit/>
-          </a:bodyPr>
-          <a:lstStyle/>
-          <a:p>
-            <a:endParaRPr sz="2400"/>
-          </a:p>
-        </p:txBody>
-      </p:sp>
-      <p:sp>
-        <p:nvSpPr>
-          <p:cNvPr id="69" name="Google Shape;69;p14"/>
-          <p:cNvSpPr txBox="1"/>
-          <p:nvPr/>
-        </p:nvSpPr>
-        <p:spPr>
-          <a:xfrm>
-            <a:off x="492842" y="143777"/>
-            <a:ext cx="5959358" cy="984845"/>
-          </a:xfrm>
-          <a:prstGeom prst="rect">
-            <a:avLst/>
-          </a:prstGeom>
-          <a:noFill/>
-          <a:ln>
-            <a:noFill/>
-          </a:ln>
-        </p:spPr>
-        <p:txBody>
-          <a:bodyPr spcFirstLastPara="1" wrap="square" lIns="121900" tIns="121900" rIns="121900" bIns="121900" anchor="t" anchorCtr="0">
-            <a:spAutoFit/>
-          </a:bodyPr>
-          <a:lstStyle/>
-          <a:p>
-            <a:pPr algn="ctr"/>
-            <a:r>
-              <a:rPr lang="it" sz="4800" b="1" dirty="0">
-                <a:solidFill>
-                  <a:srgbClr val="FAFAFA"/>
-                </a:solidFill>
-                <a:latin typeface="Lora"/>
-                <a:ea typeface="Lora"/>
-                <a:cs typeface="Lora"/>
-                <a:sym typeface="Lora"/>
-              </a:rPr>
-              <a:t>Specifiche tecniche</a:t>
-            </a:r>
-            <a:endParaRPr sz="4800" b="1" dirty="0">
-              <a:solidFill>
-                <a:srgbClr val="FAFAFA"/>
-              </a:solidFill>
-              <a:latin typeface="Lora"/>
-              <a:ea typeface="Lora"/>
-              <a:cs typeface="Lora"/>
-              <a:sym typeface="Lora"/>
-            </a:endParaRPr>
-          </a:p>
-        </p:txBody>
-      </p:sp>
-      <p:sp>
-        <p:nvSpPr>
-          <p:cNvPr id="4" name="Google Shape;57;p13">
-            <a:extLst>
-              <a:ext uri="{FF2B5EF4-FFF2-40B4-BE49-F238E27FC236}">
-                <a16:creationId xmlns:a16="http://schemas.microsoft.com/office/drawing/2014/main" id="{FAF5C34B-9692-5A59-7BAB-2C9C6E6D1403}"/>
-              </a:ext>
-            </a:extLst>
-          </p:cNvPr>
-          <p:cNvSpPr txBox="1"/>
-          <p:nvPr/>
-        </p:nvSpPr>
-        <p:spPr>
-          <a:xfrm>
-            <a:off x="2985603" y="2324848"/>
-            <a:ext cx="6933194" cy="1231066"/>
-          </a:xfrm>
-          <a:prstGeom prst="rect">
-            <a:avLst/>
-          </a:prstGeom>
-          <a:noFill/>
-          <a:ln>
-            <a:noFill/>
-          </a:ln>
-        </p:spPr>
-        <p:txBody>
-          <a:bodyPr spcFirstLastPara="1" wrap="square" lIns="121900" tIns="121900" rIns="121900" bIns="121900" anchor="t" anchorCtr="0">
-            <a:spAutoFit/>
-          </a:bodyPr>
-          <a:lstStyle/>
-          <a:p>
-            <a:pPr marL="457200" indent="-457200">
-              <a:buFont typeface="+mj-lt"/>
-              <a:buAutoNum type="arabicPeriod"/>
-            </a:pPr>
-            <a:r>
-              <a:rPr lang="it" sz="3200" b="1" dirty="0">
-                <a:latin typeface="Lora"/>
-                <a:ea typeface="Lora"/>
-                <a:cs typeface="Lora"/>
-                <a:sym typeface="Lora"/>
-              </a:rPr>
-              <a:t>Gestione dei 3 pulsanti tramite </a:t>
-            </a:r>
-            <a:r>
-              <a:rPr lang="it" sz="3200" b="1" dirty="0">
-                <a:solidFill>
-                  <a:srgbClr val="00B050"/>
-                </a:solidFill>
-                <a:latin typeface="Lora"/>
-                <a:ea typeface="Lora"/>
-                <a:cs typeface="Lora"/>
-                <a:sym typeface="Lora"/>
-              </a:rPr>
-              <a:t>Event Delegation</a:t>
-            </a:r>
-            <a:endParaRPr sz="3200" b="1" dirty="0">
-              <a:solidFill>
-                <a:srgbClr val="00B050"/>
-              </a:solidFill>
-              <a:latin typeface="Lora"/>
-              <a:ea typeface="Lora"/>
-              <a:cs typeface="Lora"/>
-              <a:sym typeface="Lora"/>
-            </a:endParaRPr>
-          </a:p>
-        </p:txBody>
-      </p:sp>
-      <p:pic>
-        <p:nvPicPr>
-          <p:cNvPr id="13" name="Immagine 12">
-            <a:extLst>
-              <a:ext uri="{FF2B5EF4-FFF2-40B4-BE49-F238E27FC236}">
-                <a16:creationId xmlns:a16="http://schemas.microsoft.com/office/drawing/2014/main" id="{A7C59677-4436-B937-ED27-CAC8F3E83B3A}"/>
-              </a:ext>
-            </a:extLst>
-          </p:cNvPr>
-          <p:cNvPicPr>
-            <a:picLocks noChangeAspect="1"/>
-          </p:cNvPicPr>
-          <p:nvPr/>
-        </p:nvPicPr>
-        <p:blipFill rotWithShape="1">
-          <a:blip r:embed="rId3">
-            <a:extLst>
-              <a:ext uri="{28A0092B-C50C-407E-A947-70E740481C1C}">
-                <a14:useLocalDpi xmlns:a14="http://schemas.microsoft.com/office/drawing/2010/main" val="0"/>
-              </a:ext>
-            </a:extLst>
-          </a:blip>
-          <a:srcRect l="26582" t="67338" r="55908" b="13832"/>
-          <a:stretch/>
-        </p:blipFill>
-        <p:spPr>
-          <a:xfrm>
-            <a:off x="6052593" y="4132433"/>
-            <a:ext cx="899339" cy="934410"/>
-          </a:xfrm>
-          <a:prstGeom prst="rect">
-            <a:avLst/>
-          </a:prstGeom>
-        </p:spPr>
-      </p:pic>
-      <p:pic>
-        <p:nvPicPr>
-          <p:cNvPr id="15" name="Immagine 14">
-            <a:extLst>
-              <a:ext uri="{FF2B5EF4-FFF2-40B4-BE49-F238E27FC236}">
-                <a16:creationId xmlns:a16="http://schemas.microsoft.com/office/drawing/2014/main" id="{E0F706F5-2A3D-D14B-8A23-39618FF9DAC4}"/>
-              </a:ext>
-            </a:extLst>
-          </p:cNvPr>
-          <p:cNvPicPr>
-            <a:picLocks noChangeAspect="1"/>
-          </p:cNvPicPr>
-          <p:nvPr/>
-        </p:nvPicPr>
-        <p:blipFill rotWithShape="1">
-          <a:blip r:embed="rId3">
-            <a:extLst>
-              <a:ext uri="{28A0092B-C50C-407E-A947-70E740481C1C}">
-                <a14:useLocalDpi xmlns:a14="http://schemas.microsoft.com/office/drawing/2010/main" val="0"/>
-              </a:ext>
-            </a:extLst>
-          </a:blip>
-          <a:srcRect l="73205" t="27593" r="16668" b="60121"/>
-          <a:stretch/>
-        </p:blipFill>
-        <p:spPr>
-          <a:xfrm>
-            <a:off x="7078778" y="4336858"/>
-            <a:ext cx="520101" cy="609741"/>
-          </a:xfrm>
-          <a:prstGeom prst="rect">
-            <a:avLst/>
-          </a:prstGeom>
-        </p:spPr>
-      </p:pic>
-      <p:pic>
-        <p:nvPicPr>
-          <p:cNvPr id="16" name="Immagine 15">
-            <a:extLst>
-              <a:ext uri="{FF2B5EF4-FFF2-40B4-BE49-F238E27FC236}">
-                <a16:creationId xmlns:a16="http://schemas.microsoft.com/office/drawing/2014/main" id="{6DFA603D-FB69-E2AB-0DC6-00BD0D2A6787}"/>
-              </a:ext>
-            </a:extLst>
-          </p:cNvPr>
-          <p:cNvPicPr>
-            <a:picLocks noChangeAspect="1"/>
-          </p:cNvPicPr>
-          <p:nvPr/>
-        </p:nvPicPr>
-        <p:blipFill rotWithShape="1">
-          <a:blip r:embed="rId3">
-            <a:extLst>
-              <a:ext uri="{28A0092B-C50C-407E-A947-70E740481C1C}">
-                <a14:useLocalDpi xmlns:a14="http://schemas.microsoft.com/office/drawing/2010/main" val="0"/>
-              </a:ext>
-            </a:extLst>
-          </a:blip>
-          <a:srcRect l="53956" t="69629" r="30432" b="14797"/>
-          <a:stretch/>
-        </p:blipFill>
-        <p:spPr>
-          <a:xfrm>
-            <a:off x="5145814" y="4255297"/>
-            <a:ext cx="801822" cy="772865"/>
-          </a:xfrm>
-          <a:prstGeom prst="rect">
-            <a:avLst/>
-          </a:prstGeom>
-        </p:spPr>
-      </p:pic>
-      <p:pic>
-        <p:nvPicPr>
-          <p:cNvPr id="21" name="Elemento grafico 20" descr="Cursore contorno">
-            <a:extLst>
-              <a:ext uri="{FF2B5EF4-FFF2-40B4-BE49-F238E27FC236}">
-                <a16:creationId xmlns:a16="http://schemas.microsoft.com/office/drawing/2014/main" id="{768B00F6-3CAE-D363-A8B8-E77CF1302115}"/>
-              </a:ext>
-            </a:extLst>
-          </p:cNvPr>
-          <p:cNvPicPr>
-            <a:picLocks noChangeAspect="1"/>
-          </p:cNvPicPr>
-          <p:nvPr/>
-        </p:nvPicPr>
-        <p:blipFill>
-          <a:blip r:embed="rId4">
-            <a:extLst>
-              <a:ext uri="{28A0092B-C50C-407E-A947-70E740481C1C}">
-                <a14:useLocalDpi xmlns:a14="http://schemas.microsoft.com/office/drawing/2010/main" val="0"/>
-              </a:ext>
-              <a:ext uri="{96DAC541-7B7A-43D3-8B79-37D633B846F1}">
-                <asvg:svgBlip xmlns:asvg="http://schemas.microsoft.com/office/drawing/2016/SVG/main" r:embed="rId5"/>
-              </a:ext>
-            </a:extLst>
-          </a:blip>
-          <a:stretch>
-            <a:fillRect/>
-          </a:stretch>
-        </p:blipFill>
-        <p:spPr>
-          <a:xfrm>
-            <a:off x="7826508" y="5173130"/>
-            <a:ext cx="914400" cy="914400"/>
-          </a:xfrm>
-          <a:prstGeom prst="rect">
-            <a:avLst/>
-          </a:prstGeom>
-        </p:spPr>
-      </p:pic>
-    </p:spTree>
-    <p:extLst>
-      <p:ext uri="{BB962C8B-B14F-4D97-AF65-F5344CB8AC3E}">
-        <p14:creationId xmlns:p14="http://schemas.microsoft.com/office/powerpoint/2010/main" val="2694083892"/>
-      </p:ext>
-    </p:extLst>
-  </p:cSld>
-  <p:clrMapOvr>
-    <a:masterClrMapping/>
-  </p:clrMapOvr>
-</p:sld>
-</file>
-
-<file path=ppt/slides/slide16.xml><?xml version="1.0" encoding="utf-8"?>
-<p:sld xmlns:a="http://schemas.openxmlformats.org/drawingml/2006/main" xmlns:r="http://schemas.openxmlformats.org/officeDocument/2006/relationships" xmlns:p="http://schemas.openxmlformats.org/presentationml/2006/main">
-  <p:cSld>
-    <p:spTree>
-      <p:nvGrpSpPr>
-        <p:cNvPr id="1" name="Shape 62"/>
-        <p:cNvGrpSpPr/>
-        <p:nvPr/>
-      </p:nvGrpSpPr>
-      <p:grpSpPr>
-        <a:xfrm>
-          <a:off x="0" y="0"/>
-          <a:ext cx="0" cy="0"/>
-          <a:chOff x="0" y="0"/>
-          <a:chExt cx="0" cy="0"/>
-        </a:xfrm>
-      </p:grpSpPr>
-      <p:sp>
-        <p:nvSpPr>
-          <p:cNvPr id="63" name="Google Shape;63;p14"/>
-          <p:cNvSpPr/>
-          <p:nvPr/>
-        </p:nvSpPr>
-        <p:spPr>
-          <a:xfrm>
-            <a:off x="0" y="6429200"/>
-            <a:ext cx="12192000" cy="428800"/>
-          </a:xfrm>
-          <a:prstGeom prst="round2SameRect">
-            <a:avLst>
-              <a:gd name="adj1" fmla="val 0"/>
-              <a:gd name="adj2" fmla="val 0"/>
-            </a:avLst>
-          </a:prstGeom>
-          <a:solidFill>
-            <a:srgbClr val="6E0707">
-              <a:alpha val="85000"/>
-            </a:srgbClr>
-          </a:solidFill>
-          <a:ln w="9525" cap="flat" cmpd="sng">
-            <a:noFill/>
-            <a:prstDash val="solid"/>
-            <a:round/>
-            <a:headEnd type="none" w="sm" len="sm"/>
-            <a:tailEnd type="none" w="sm" len="sm"/>
-          </a:ln>
-        </p:spPr>
-        <p:txBody>
-          <a:bodyPr spcFirstLastPara="1" wrap="square" lIns="121900" tIns="121900" rIns="121900" bIns="121900" anchor="ctr" anchorCtr="0">
-            <a:noAutofit/>
-          </a:bodyPr>
-          <a:lstStyle/>
-          <a:p>
-            <a:endParaRPr sz="2400"/>
-          </a:p>
-        </p:txBody>
-      </p:sp>
-      <p:sp>
-        <p:nvSpPr>
-          <p:cNvPr id="68" name="Google Shape;68;p14"/>
-          <p:cNvSpPr/>
-          <p:nvPr/>
-        </p:nvSpPr>
-        <p:spPr>
-          <a:xfrm>
-            <a:off x="0" y="0"/>
-            <a:ext cx="12192000" cy="1272400"/>
-          </a:xfrm>
-          <a:prstGeom prst="rect">
-            <a:avLst/>
-          </a:prstGeom>
-          <a:solidFill>
-            <a:srgbClr val="6E0707">
-              <a:alpha val="85000"/>
-            </a:srgbClr>
-          </a:solidFill>
-          <a:ln w="9525" cap="flat" cmpd="sng">
-            <a:noFill/>
-            <a:prstDash val="solid"/>
-            <a:round/>
-            <a:headEnd type="none" w="sm" len="sm"/>
-            <a:tailEnd type="none" w="sm" len="sm"/>
-          </a:ln>
-        </p:spPr>
-        <p:txBody>
-          <a:bodyPr spcFirstLastPara="1" wrap="square" lIns="121900" tIns="121900" rIns="121900" bIns="121900" anchor="ctr" anchorCtr="0">
-            <a:noAutofit/>
-          </a:bodyPr>
-          <a:lstStyle/>
-          <a:p>
-            <a:endParaRPr sz="2400"/>
-          </a:p>
-        </p:txBody>
-      </p:sp>
-      <p:sp>
-        <p:nvSpPr>
-          <p:cNvPr id="69" name="Google Shape;69;p14"/>
-          <p:cNvSpPr txBox="1"/>
-          <p:nvPr/>
-        </p:nvSpPr>
-        <p:spPr>
-          <a:xfrm>
-            <a:off x="492842" y="143777"/>
-            <a:ext cx="5959358" cy="984845"/>
-          </a:xfrm>
-          <a:prstGeom prst="rect">
-            <a:avLst/>
-          </a:prstGeom>
-          <a:noFill/>
-          <a:ln>
-            <a:noFill/>
-          </a:ln>
-        </p:spPr>
-        <p:txBody>
-          <a:bodyPr spcFirstLastPara="1" wrap="square" lIns="121900" tIns="121900" rIns="121900" bIns="121900" anchor="t" anchorCtr="0">
-            <a:spAutoFit/>
-          </a:bodyPr>
-          <a:lstStyle/>
-          <a:p>
-            <a:pPr algn="ctr"/>
-            <a:r>
-              <a:rPr lang="it" sz="4800" b="1" dirty="0">
-                <a:solidFill>
-                  <a:srgbClr val="FAFAFA"/>
-                </a:solidFill>
-                <a:latin typeface="Lora"/>
-                <a:ea typeface="Lora"/>
-                <a:cs typeface="Lora"/>
-                <a:sym typeface="Lora"/>
-              </a:rPr>
-              <a:t>Specifiche tecniche</a:t>
-            </a:r>
-            <a:endParaRPr sz="4800" b="1" dirty="0">
-              <a:solidFill>
-                <a:srgbClr val="FAFAFA"/>
-              </a:solidFill>
-              <a:latin typeface="Lora"/>
-              <a:ea typeface="Lora"/>
-              <a:cs typeface="Lora"/>
-              <a:sym typeface="Lora"/>
-            </a:endParaRPr>
-          </a:p>
-        </p:txBody>
-      </p:sp>
-      <p:sp>
-        <p:nvSpPr>
-          <p:cNvPr id="5" name="Google Shape;57;p13">
-            <a:extLst>
-              <a:ext uri="{FF2B5EF4-FFF2-40B4-BE49-F238E27FC236}">
-                <a16:creationId xmlns:a16="http://schemas.microsoft.com/office/drawing/2014/main" id="{2D5B7737-226F-7658-09C0-2E67639BEDBA}"/>
-              </a:ext>
-            </a:extLst>
-          </p:cNvPr>
-          <p:cNvSpPr txBox="1"/>
-          <p:nvPr/>
-        </p:nvSpPr>
-        <p:spPr>
-          <a:xfrm>
-            <a:off x="4815840" y="4242090"/>
-            <a:ext cx="6933194" cy="1231066"/>
-          </a:xfrm>
-          <a:prstGeom prst="rect">
-            <a:avLst/>
-          </a:prstGeom>
-          <a:noFill/>
-          <a:ln>
-            <a:noFill/>
-          </a:ln>
-        </p:spPr>
-        <p:txBody>
-          <a:bodyPr spcFirstLastPara="1" wrap="square" lIns="121900" tIns="121900" rIns="121900" bIns="121900" anchor="t" anchorCtr="0">
-            <a:spAutoFit/>
-          </a:bodyPr>
-          <a:lstStyle/>
-          <a:p>
-            <a:r>
-              <a:rPr lang="it-IT" sz="3200" b="1" dirty="0">
-                <a:latin typeface="Lora"/>
-                <a:ea typeface="Lora"/>
-                <a:cs typeface="Lora"/>
-                <a:sym typeface="Lora"/>
-              </a:rPr>
-              <a:t>2. Controllo sul valore del counter</a:t>
-            </a:r>
-          </a:p>
-          <a:p>
-            <a:r>
-              <a:rPr lang="it-IT" sz="3200" b="1" dirty="0">
-                <a:latin typeface="Lora"/>
-                <a:ea typeface="Lora"/>
-                <a:cs typeface="Lora"/>
-                <a:sym typeface="Lora"/>
-              </a:rPr>
-              <a:t>    (non può essere minore di 0)</a:t>
-            </a:r>
-            <a:endParaRPr sz="3200" b="1" dirty="0">
-              <a:latin typeface="Lora"/>
-              <a:ea typeface="Lora"/>
-              <a:cs typeface="Lora"/>
-              <a:sym typeface="Lora"/>
-            </a:endParaRPr>
-          </a:p>
-        </p:txBody>
-      </p:sp>
-      <p:pic>
-        <p:nvPicPr>
-          <p:cNvPr id="3" name="Immagine 2" descr="Immagine che contiene testo, orologio&#10;&#10;Descrizione generata automaticamente">
-            <a:extLst>
-              <a:ext uri="{FF2B5EF4-FFF2-40B4-BE49-F238E27FC236}">
-                <a16:creationId xmlns:a16="http://schemas.microsoft.com/office/drawing/2014/main" id="{EEBE52ED-1AE3-F040-AAE2-7EA667DA9C01}"/>
-              </a:ext>
-            </a:extLst>
-          </p:cNvPr>
-          <p:cNvPicPr>
-            <a:picLocks noChangeAspect="1"/>
-          </p:cNvPicPr>
-          <p:nvPr/>
-        </p:nvPicPr>
-        <p:blipFill rotWithShape="1">
-          <a:blip r:embed="rId3">
-            <a:extLst>
-              <a:ext uri="{28A0092B-C50C-407E-A947-70E740481C1C}">
-                <a14:useLocalDpi xmlns:a14="http://schemas.microsoft.com/office/drawing/2010/main" val="0"/>
-              </a:ext>
-            </a:extLst>
-          </a:blip>
-          <a:srcRect t="20343"/>
-          <a:stretch/>
-        </p:blipFill>
-        <p:spPr>
-          <a:xfrm>
-            <a:off x="612140" y="1618844"/>
-            <a:ext cx="3756660" cy="2840682"/>
-          </a:xfrm>
-          <a:prstGeom prst="rect">
-            <a:avLst/>
-          </a:prstGeom>
-        </p:spPr>
-      </p:pic>
-      <p:pic>
-        <p:nvPicPr>
-          <p:cNvPr id="9" name="Elemento grafico 8" descr="Chiudi contorno">
-            <a:extLst>
-              <a:ext uri="{FF2B5EF4-FFF2-40B4-BE49-F238E27FC236}">
-                <a16:creationId xmlns:a16="http://schemas.microsoft.com/office/drawing/2014/main" id="{19164FBB-C653-63E5-B341-A58C17479C73}"/>
-              </a:ext>
-            </a:extLst>
-          </p:cNvPr>
-          <p:cNvPicPr>
-            <a:picLocks noChangeAspect="1"/>
-          </p:cNvPicPr>
-          <p:nvPr/>
-        </p:nvPicPr>
-        <p:blipFill>
-          <a:blip r:embed="rId4">
-            <a:extLst>
-              <a:ext uri="{28A0092B-C50C-407E-A947-70E740481C1C}">
-                <a14:useLocalDpi xmlns:a14="http://schemas.microsoft.com/office/drawing/2010/main" val="0"/>
-              </a:ext>
-              <a:ext uri="{96DAC541-7B7A-43D3-8B79-37D633B846F1}">
-                <asvg:svgBlip xmlns:asvg="http://schemas.microsoft.com/office/drawing/2016/SVG/main" r:embed="rId5"/>
-              </a:ext>
-            </a:extLst>
-          </a:blip>
-          <a:stretch>
-            <a:fillRect/>
-          </a:stretch>
-        </p:blipFill>
-        <p:spPr>
-          <a:xfrm>
-            <a:off x="735249" y="1618844"/>
-            <a:ext cx="3510441" cy="3510441"/>
-          </a:xfrm>
-          <a:prstGeom prst="rect">
-            <a:avLst/>
-          </a:prstGeom>
-        </p:spPr>
-      </p:pic>
-    </p:spTree>
-    <p:extLst>
-      <p:ext uri="{BB962C8B-B14F-4D97-AF65-F5344CB8AC3E}">
-        <p14:creationId xmlns:p14="http://schemas.microsoft.com/office/powerpoint/2010/main" val="3670941346"/>
-      </p:ext>
-    </p:extLst>
-  </p:cSld>
-  <p:clrMapOvr>
-    <a:masterClrMapping/>
-  </p:clrMapOvr>
-</p:sld>
-</file>
-
-<file path=ppt/slides/slide17.xml><?xml version="1.0" encoding="utf-8"?>
-<p:sld xmlns:a="http://schemas.openxmlformats.org/drawingml/2006/main" xmlns:r="http://schemas.openxmlformats.org/officeDocument/2006/relationships" xmlns:p="http://schemas.openxmlformats.org/presentationml/2006/main">
-  <p:cSld>
-    <p:spTree>
-      <p:nvGrpSpPr>
-        <p:cNvPr id="1" name="Shape 62"/>
-        <p:cNvGrpSpPr/>
-        <p:nvPr/>
-      </p:nvGrpSpPr>
-      <p:grpSpPr>
-        <a:xfrm>
-          <a:off x="0" y="0"/>
-          <a:ext cx="0" cy="0"/>
-          <a:chOff x="0" y="0"/>
-          <a:chExt cx="0" cy="0"/>
-        </a:xfrm>
-      </p:grpSpPr>
-      <p:sp>
-        <p:nvSpPr>
-          <p:cNvPr id="63" name="Google Shape;63;p14"/>
-          <p:cNvSpPr/>
-          <p:nvPr/>
-        </p:nvSpPr>
-        <p:spPr>
-          <a:xfrm>
-            <a:off x="0" y="6429200"/>
-            <a:ext cx="12192000" cy="428800"/>
-          </a:xfrm>
-          <a:prstGeom prst="round2SameRect">
-            <a:avLst>
-              <a:gd name="adj1" fmla="val 0"/>
-              <a:gd name="adj2" fmla="val 0"/>
-            </a:avLst>
-          </a:prstGeom>
-          <a:solidFill>
-            <a:srgbClr val="6E0707">
-              <a:alpha val="85000"/>
-            </a:srgbClr>
-          </a:solidFill>
-          <a:ln w="9525" cap="flat" cmpd="sng">
-            <a:noFill/>
-            <a:prstDash val="solid"/>
-            <a:round/>
-            <a:headEnd type="none" w="sm" len="sm"/>
-            <a:tailEnd type="none" w="sm" len="sm"/>
-          </a:ln>
-        </p:spPr>
-        <p:txBody>
-          <a:bodyPr spcFirstLastPara="1" wrap="square" lIns="121900" tIns="121900" rIns="121900" bIns="121900" anchor="ctr" anchorCtr="0">
-            <a:noAutofit/>
-          </a:bodyPr>
-          <a:lstStyle/>
-          <a:p>
-            <a:endParaRPr sz="2400"/>
-          </a:p>
-        </p:txBody>
-      </p:sp>
-      <p:sp>
-        <p:nvSpPr>
-          <p:cNvPr id="68" name="Google Shape;68;p14"/>
-          <p:cNvSpPr/>
-          <p:nvPr/>
-        </p:nvSpPr>
-        <p:spPr>
-          <a:xfrm>
-            <a:off x="0" y="0"/>
-            <a:ext cx="12192000" cy="1272400"/>
-          </a:xfrm>
-          <a:prstGeom prst="rect">
-            <a:avLst/>
-          </a:prstGeom>
-          <a:solidFill>
-            <a:srgbClr val="6E0707">
-              <a:alpha val="85000"/>
-            </a:srgbClr>
-          </a:solidFill>
-          <a:ln w="9525" cap="flat" cmpd="sng">
-            <a:noFill/>
-            <a:prstDash val="solid"/>
-            <a:round/>
-            <a:headEnd type="none" w="sm" len="sm"/>
-            <a:tailEnd type="none" w="sm" len="sm"/>
-          </a:ln>
-        </p:spPr>
-        <p:txBody>
-          <a:bodyPr spcFirstLastPara="1" wrap="square" lIns="121900" tIns="121900" rIns="121900" bIns="121900" anchor="ctr" anchorCtr="0">
-            <a:noAutofit/>
-          </a:bodyPr>
-          <a:lstStyle/>
-          <a:p>
-            <a:endParaRPr sz="2400"/>
-          </a:p>
-        </p:txBody>
-      </p:sp>
-      <p:sp>
-        <p:nvSpPr>
-          <p:cNvPr id="69" name="Google Shape;69;p14"/>
-          <p:cNvSpPr txBox="1"/>
-          <p:nvPr/>
-        </p:nvSpPr>
-        <p:spPr>
-          <a:xfrm>
-            <a:off x="492842" y="143777"/>
-            <a:ext cx="5959358" cy="984845"/>
-          </a:xfrm>
-          <a:prstGeom prst="rect">
-            <a:avLst/>
-          </a:prstGeom>
-          <a:noFill/>
-          <a:ln>
-            <a:noFill/>
-          </a:ln>
-        </p:spPr>
-        <p:txBody>
-          <a:bodyPr spcFirstLastPara="1" wrap="square" lIns="121900" tIns="121900" rIns="121900" bIns="121900" anchor="t" anchorCtr="0">
-            <a:spAutoFit/>
-          </a:bodyPr>
-          <a:lstStyle/>
-          <a:p>
-            <a:pPr algn="ctr"/>
-            <a:r>
-              <a:rPr lang="it" sz="4800" b="1" dirty="0">
-                <a:solidFill>
-                  <a:srgbClr val="FAFAFA"/>
-                </a:solidFill>
-                <a:latin typeface="Lora"/>
-                <a:ea typeface="Lora"/>
-                <a:cs typeface="Lora"/>
-                <a:sym typeface="Lora"/>
-              </a:rPr>
-              <a:t>Specifiche tecniche</a:t>
-            </a:r>
-            <a:endParaRPr sz="4800" b="1" dirty="0">
-              <a:solidFill>
-                <a:srgbClr val="FAFAFA"/>
-              </a:solidFill>
-              <a:latin typeface="Lora"/>
-              <a:ea typeface="Lora"/>
-              <a:cs typeface="Lora"/>
-              <a:sym typeface="Lora"/>
-            </a:endParaRPr>
-          </a:p>
-        </p:txBody>
-      </p:sp>
-      <p:sp>
-        <p:nvSpPr>
-          <p:cNvPr id="4" name="Google Shape;57;p13">
-            <a:extLst>
-              <a:ext uri="{FF2B5EF4-FFF2-40B4-BE49-F238E27FC236}">
-                <a16:creationId xmlns:a16="http://schemas.microsoft.com/office/drawing/2014/main" id="{FAF5C34B-9692-5A59-7BAB-2C9C6E6D1403}"/>
-              </a:ext>
-            </a:extLst>
-          </p:cNvPr>
-          <p:cNvSpPr txBox="1"/>
-          <p:nvPr/>
-        </p:nvSpPr>
-        <p:spPr>
-          <a:xfrm>
-            <a:off x="2985603" y="2522361"/>
-            <a:ext cx="6933194" cy="1231066"/>
-          </a:xfrm>
-          <a:prstGeom prst="rect">
-            <a:avLst/>
-          </a:prstGeom>
-          <a:noFill/>
-          <a:ln>
-            <a:noFill/>
-          </a:ln>
-        </p:spPr>
-        <p:txBody>
-          <a:bodyPr spcFirstLastPara="1" wrap="square" lIns="121900" tIns="121900" rIns="121900" bIns="121900" anchor="t" anchorCtr="0">
-            <a:spAutoFit/>
-          </a:bodyPr>
-          <a:lstStyle/>
-          <a:p>
-            <a:r>
-              <a:rPr lang="it-IT" sz="3200" b="1" dirty="0">
-                <a:latin typeface="Lora"/>
-                <a:ea typeface="Lora"/>
-                <a:cs typeface="Lora"/>
-                <a:sym typeface="Lora"/>
-              </a:rPr>
-              <a:t>3. Adattamento grafico in base alla grandezza della finestra</a:t>
-            </a:r>
-            <a:endParaRPr sz="3200" b="1" dirty="0">
-              <a:latin typeface="Lora"/>
-              <a:ea typeface="Lora"/>
-              <a:cs typeface="Lora"/>
-              <a:sym typeface="Lora"/>
-            </a:endParaRPr>
-          </a:p>
-        </p:txBody>
-      </p:sp>
-      <p:sp>
-        <p:nvSpPr>
-          <p:cNvPr id="2" name="Google Shape;57;p13">
-            <a:extLst>
-              <a:ext uri="{FF2B5EF4-FFF2-40B4-BE49-F238E27FC236}">
-                <a16:creationId xmlns:a16="http://schemas.microsoft.com/office/drawing/2014/main" id="{38E6932C-0472-88C3-948E-26D12EBFDA45}"/>
-              </a:ext>
-            </a:extLst>
-          </p:cNvPr>
-          <p:cNvSpPr txBox="1"/>
-          <p:nvPr/>
-        </p:nvSpPr>
-        <p:spPr>
-          <a:xfrm>
-            <a:off x="3646003" y="3804395"/>
-            <a:ext cx="4492157" cy="738623"/>
-          </a:xfrm>
-          <a:prstGeom prst="rect">
-            <a:avLst/>
-          </a:prstGeom>
-          <a:noFill/>
-          <a:ln>
-            <a:noFill/>
-          </a:ln>
-        </p:spPr>
-        <p:txBody>
-          <a:bodyPr spcFirstLastPara="1" wrap="square" lIns="121900" tIns="121900" rIns="121900" bIns="121900" anchor="t" anchorCtr="0">
-            <a:spAutoFit/>
-          </a:bodyPr>
-          <a:lstStyle/>
-          <a:p>
-            <a:r>
-              <a:rPr lang="it-IT" sz="3200" b="1" dirty="0">
-                <a:latin typeface="Lora"/>
-                <a:ea typeface="Lora"/>
-                <a:cs typeface="Lora"/>
-                <a:sym typeface="Lora"/>
-              </a:rPr>
-              <a:t>- Listener su </a:t>
-            </a:r>
-            <a:r>
-              <a:rPr lang="it-IT" sz="3200" b="1" dirty="0">
-                <a:solidFill>
-                  <a:srgbClr val="00B050"/>
-                </a:solidFill>
-                <a:latin typeface="Lora"/>
-                <a:ea typeface="Lora"/>
-                <a:cs typeface="Lora"/>
-                <a:sym typeface="Lora"/>
-              </a:rPr>
-              <a:t>window</a:t>
-            </a:r>
-            <a:endParaRPr sz="3200" b="1" dirty="0">
-              <a:solidFill>
-                <a:srgbClr val="00B050"/>
-              </a:solidFill>
-              <a:latin typeface="Lora"/>
-              <a:ea typeface="Lora"/>
-              <a:cs typeface="Lora"/>
-              <a:sym typeface="Lora"/>
-            </a:endParaRPr>
-          </a:p>
-        </p:txBody>
-      </p:sp>
-    </p:spTree>
-    <p:extLst>
-      <p:ext uri="{BB962C8B-B14F-4D97-AF65-F5344CB8AC3E}">
-        <p14:creationId xmlns:p14="http://schemas.microsoft.com/office/powerpoint/2010/main" val="2680367964"/>
-      </p:ext>
-    </p:extLst>
-  </p:cSld>
-  <p:clrMapOvr>
-    <a:masterClrMapping/>
-  </p:clrMapOvr>
-</p:sld>
-</file>
-
-<file path=ppt/slides/slide18.xml><?xml version="1.0" encoding="utf-8"?>
 <p:sld xmlns:a="http://schemas.openxmlformats.org/drawingml/2006/main" xmlns:r="http://schemas.openxmlformats.org/officeDocument/2006/relationships" xmlns:p="http://schemas.openxmlformats.org/presentationml/2006/main">
   <p:cSld>
     <p:spTree>
@@ -8347,9 +6779,7 @@
             </a:avLst>
           </a:prstGeom>
           <a:solidFill>
-            <a:srgbClr val="6E0707">
-              <a:alpha val="85000"/>
-            </a:srgbClr>
+            <a:srgbClr val="263238"/>
           </a:solidFill>
           <a:ln w="9525" cap="flat" cmpd="sng">
             <a:noFill/>
@@ -8427,60 +6857,6 @@
       </p:sp>
       <p:sp>
         <p:nvSpPr>
-          <p:cNvPr id="199" name="Google Shape;199;p28"/>
-          <p:cNvSpPr txBox="1"/>
-          <p:nvPr/>
-        </p:nvSpPr>
-        <p:spPr>
-          <a:xfrm>
-            <a:off x="3606000" y="1536867"/>
-            <a:ext cx="4980000" cy="984845"/>
-          </a:xfrm>
-          <a:prstGeom prst="rect">
-            <a:avLst/>
-          </a:prstGeom>
-          <a:solidFill>
-            <a:srgbClr val="F7E05F"/>
-          </a:solidFill>
-          <a:ln>
-            <a:noFill/>
-          </a:ln>
-          <a:effectLst>
-            <a:softEdge rad="38100"/>
-          </a:effectLst>
-        </p:spPr>
-        <p:txBody>
-          <a:bodyPr spcFirstLastPara="1" wrap="square" lIns="121900" tIns="121900" rIns="121900" bIns="121900" anchor="t" anchorCtr="0">
-            <a:spAutoFit/>
-          </a:bodyPr>
-          <a:lstStyle/>
-          <a:p>
-            <a:r>
-              <a:rPr lang="it" sz="4800" b="1" dirty="0">
-                <a:solidFill>
-                  <a:srgbClr val="6E0707"/>
-                </a:solidFill>
-                <a:latin typeface="Lora"/>
-                <a:ea typeface="Lora"/>
-                <a:cs typeface="Lora"/>
-                <a:sym typeface="Lora"/>
-              </a:rPr>
-              <a:t>Giovanni Pacelli</a:t>
-            </a:r>
-            <a:endParaRPr sz="4800" b="1" dirty="0">
-              <a:solidFill>
-                <a:srgbClr val="6E0707"/>
-              </a:solidFill>
-              <a:latin typeface="Lora"/>
-              <a:ea typeface="Lora"/>
-              <a:cs typeface="Lora"/>
-              <a:sym typeface="Lora"/>
-            </a:endParaRPr>
-          </a:p>
-        </p:txBody>
-      </p:sp>
-      <p:sp>
-        <p:nvSpPr>
           <p:cNvPr id="200" name="Google Shape;200;p28"/>
           <p:cNvSpPr/>
           <p:nvPr/>
@@ -8494,9 +6870,7 @@
             <a:avLst/>
           </a:prstGeom>
           <a:solidFill>
-            <a:srgbClr val="6E0707">
-              <a:alpha val="85000"/>
-            </a:srgbClr>
+            <a:srgbClr val="263238"/>
           </a:solidFill>
           <a:ln w="9525" cap="flat" cmpd="sng">
             <a:noFill/>
@@ -8544,7 +6918,7 @@
             <a:r>
               <a:rPr lang="it" sz="4800" b="1" dirty="0">
                 <a:solidFill>
-                  <a:srgbClr val="FFFFFF"/>
+                  <a:srgbClr val="FFB337"/>
                 </a:solidFill>
                 <a:latin typeface="Lora"/>
                 <a:ea typeface="Lora"/>
@@ -8555,7 +6929,7 @@
             </a:r>
             <a:endParaRPr sz="4800" b="1" dirty="0">
               <a:solidFill>
-                <a:srgbClr val="FFFFFF"/>
+                <a:srgbClr val="FFB337"/>
               </a:solidFill>
               <a:latin typeface="Lora"/>
               <a:ea typeface="Lora"/>
@@ -8731,7 +7105,7 @@
           <a:lstStyle/>
           <a:p>
             <a:r>
-              <a:rPr lang="it" sz="2667" b="1" u="sng">
+              <a:rPr lang="it" sz="2667" b="1" u="sng" dirty="0">
                 <a:solidFill>
                   <a:srgbClr val="38761D"/>
                 </a:solidFill>
@@ -8749,7 +7123,7 @@
               </a:rPr>
               <a:t>Facebook</a:t>
             </a:r>
-            <a:endParaRPr sz="2667" b="1">
+            <a:endParaRPr sz="2667" b="1" dirty="0">
               <a:solidFill>
                 <a:srgbClr val="38761D"/>
               </a:solidFill>
@@ -8843,7 +7217,7 @@
           <a:lstStyle/>
           <a:p>
             <a:r>
-              <a:rPr lang="it" sz="2667" b="1" u="sng">
+              <a:rPr lang="it" sz="2667" b="1" u="sng" dirty="0">
                 <a:solidFill>
                   <a:srgbClr val="38761D"/>
                 </a:solidFill>
@@ -8861,7 +7235,7 @@
               </a:rPr>
               <a:t>Linkedin</a:t>
             </a:r>
-            <a:endParaRPr sz="2667" b="1">
+            <a:endParaRPr sz="2667" b="1" dirty="0">
               <a:solidFill>
                 <a:srgbClr val="38761D"/>
               </a:solidFill>
@@ -8951,7 +7325,9 @@
       </p:pic>
       <p:sp>
         <p:nvSpPr>
-          <p:cNvPr id="212" name="Google Shape;212;p28"/>
+          <p:cNvPr id="212" name="Google Shape;212;p28">
+            <a:hlinkClick r:id="rId13"/>
+          </p:cNvPr>
           <p:cNvSpPr txBox="1"/>
           <p:nvPr/>
         </p:nvSpPr>
@@ -8983,15 +7359,8 @@
                 <a:ea typeface="Lora"/>
                 <a:cs typeface="Lora"/>
                 <a:sym typeface="Lora"/>
-                <a:hlinkClick r:id="rId13">
-                  <a:extLst>
-                    <a:ext uri="{A12FA001-AC4F-418D-AE19-62706E023703}">
-                      <ahyp:hlinkClr xmlns:ahyp="http://schemas.microsoft.com/office/drawing/2018/hyperlinkcolor" val="tx"/>
-                    </a:ext>
-                  </a:extLst>
-                </a:hlinkClick>
               </a:rPr>
-              <a:t>Website</a:t>
+              <a:t>Porfolio</a:t>
             </a:r>
             <a:endParaRPr sz="2667" b="1" dirty="0">
               <a:solidFill>
@@ -9040,8 +7409,8 @@
         </p:nvSpPr>
         <p:spPr>
           <a:xfrm>
-            <a:off x="9411084" y="3188634"/>
-            <a:ext cx="1932000" cy="656614"/>
+            <a:off x="9249325" y="3200937"/>
+            <a:ext cx="2638676" cy="657063"/>
           </a:xfrm>
           <a:prstGeom prst="rect">
             <a:avLst/>
@@ -9058,7 +7427,7 @@
           <a:lstStyle/>
           <a:p>
             <a:r>
-              <a:rPr lang="it" sz="2667" b="1" u="sng" dirty="0">
+              <a:rPr lang="it" sz="2670" b="1" u="sng" dirty="0">
                 <a:solidFill>
                   <a:srgbClr val="38761D"/>
                 </a:solidFill>
@@ -9076,7 +7445,7 @@
               </a:rPr>
               <a:t>Github</a:t>
             </a:r>
-            <a:endParaRPr sz="2667" b="1" dirty="0">
+            <a:endParaRPr sz="2670" b="1" dirty="0">
               <a:solidFill>
                 <a:srgbClr val="38761D"/>
               </a:solidFill>
@@ -9088,6 +7457,63 @@
           </a:p>
         </p:txBody>
       </p:sp>
+      <p:sp>
+        <p:nvSpPr>
+          <p:cNvPr id="2" name="Google Shape;58;p13">
+            <a:extLst>
+              <a:ext uri="{FF2B5EF4-FFF2-40B4-BE49-F238E27FC236}">
+                <a16:creationId xmlns:a16="http://schemas.microsoft.com/office/drawing/2014/main" id="{800A75B7-C4BB-532B-086E-BF7E086BE099}"/>
+              </a:ext>
+            </a:extLst>
+          </p:cNvPr>
+          <p:cNvSpPr txBox="1"/>
+          <p:nvPr/>
+        </p:nvSpPr>
+        <p:spPr>
+          <a:xfrm>
+            <a:off x="3225490" y="1589167"/>
+            <a:ext cx="4980000" cy="984845"/>
+          </a:xfrm>
+          <a:prstGeom prst="rect">
+            <a:avLst/>
+          </a:prstGeom>
+          <a:solidFill>
+            <a:srgbClr val="263238"/>
+          </a:solidFill>
+          <a:ln>
+            <a:noFill/>
+          </a:ln>
+        </p:spPr>
+        <p:txBody>
+          <a:bodyPr spcFirstLastPara="1" wrap="square" lIns="121900" tIns="121900" rIns="121900" bIns="121900" anchor="t" anchorCtr="0">
+            <a:spAutoFit/>
+          </a:bodyPr>
+          <a:lstStyle/>
+          <a:p>
+            <a:r>
+              <a:rPr lang="it" sz="4800" b="1" dirty="0">
+                <a:solidFill>
+                  <a:srgbClr val="FFB337"/>
+                </a:solidFill>
+                <a:latin typeface="Lora"/>
+                <a:ea typeface="Lora"/>
+                <a:cs typeface="Lora"/>
+                <a:sym typeface="Lora"/>
+              </a:rPr>
+              <a:t>Giovanni Pacelli</a:t>
+            </a:r>
+            <a:endParaRPr sz="4800" b="1" dirty="0">
+              <a:solidFill>
+                <a:srgbClr val="FFB337"/>
+              </a:solidFill>
+              <a:latin typeface="Lora"/>
+              <a:ea typeface="Lora"/>
+              <a:cs typeface="Lora"/>
+              <a:sym typeface="Lora"/>
+            </a:endParaRPr>
+          </a:p>
+        </p:txBody>
+      </p:sp>
     </p:spTree>
   </p:cSld>
   <p:clrMapOvr>
@@ -9096,7 +7522,7 @@
 </p:sld>
 </file>
 
-<file path=ppt/slides/slide19.xml><?xml version="1.0" encoding="utf-8"?>
+<file path=ppt/slides/slide15.xml><?xml version="1.0" encoding="utf-8"?>
 <p:sld xmlns:a="http://schemas.openxmlformats.org/drawingml/2006/main" xmlns:r="http://schemas.openxmlformats.org/officeDocument/2006/relationships" xmlns:p="http://schemas.openxmlformats.org/presentationml/2006/main">
   <p:cSld>
     <p:spTree>
@@ -9131,9 +7557,7 @@
             </a:avLst>
           </a:prstGeom>
           <a:solidFill>
-            <a:srgbClr val="6E0707">
-              <a:alpha val="85000"/>
-            </a:srgbClr>
+            <a:srgbClr val="263238"/>
           </a:solidFill>
           <a:ln w="9525" cap="flat" cmpd="sng">
             <a:noFill/>
@@ -9155,60 +7579,6 @@
       </p:sp>
       <p:sp>
         <p:nvSpPr>
-          <p:cNvPr id="199" name="Google Shape;199;p28"/>
-          <p:cNvSpPr txBox="1"/>
-          <p:nvPr/>
-        </p:nvSpPr>
-        <p:spPr>
-          <a:xfrm>
-            <a:off x="3606000" y="1536867"/>
-            <a:ext cx="4980000" cy="984845"/>
-          </a:xfrm>
-          <a:prstGeom prst="rect">
-            <a:avLst/>
-          </a:prstGeom>
-          <a:solidFill>
-            <a:srgbClr val="F7E05F"/>
-          </a:solidFill>
-          <a:ln>
-            <a:noFill/>
-          </a:ln>
-          <a:effectLst>
-            <a:softEdge rad="38100"/>
-          </a:effectLst>
-        </p:spPr>
-        <p:txBody>
-          <a:bodyPr spcFirstLastPara="1" wrap="square" lIns="121900" tIns="121900" rIns="121900" bIns="121900" anchor="t" anchorCtr="0">
-            <a:spAutoFit/>
-          </a:bodyPr>
-          <a:lstStyle/>
-          <a:p>
-            <a:r>
-              <a:rPr lang="it" sz="4800" b="1" dirty="0">
-                <a:solidFill>
-                  <a:srgbClr val="6E0707"/>
-                </a:solidFill>
-                <a:latin typeface="Lora"/>
-                <a:ea typeface="Lora"/>
-                <a:cs typeface="Lora"/>
-                <a:sym typeface="Lora"/>
-              </a:rPr>
-              <a:t>Giovanni Pacelli</a:t>
-            </a:r>
-            <a:endParaRPr sz="4800" b="1" dirty="0">
-              <a:solidFill>
-                <a:srgbClr val="6E0707"/>
-              </a:solidFill>
-              <a:latin typeface="Lora"/>
-              <a:ea typeface="Lora"/>
-              <a:cs typeface="Lora"/>
-              <a:sym typeface="Lora"/>
-            </a:endParaRPr>
-          </a:p>
-        </p:txBody>
-      </p:sp>
-      <p:sp>
-        <p:nvSpPr>
           <p:cNvPr id="200" name="Google Shape;200;p28"/>
           <p:cNvSpPr/>
           <p:nvPr/>
@@ -9222,9 +7592,7 @@
             <a:avLst/>
           </a:prstGeom>
           <a:solidFill>
-            <a:srgbClr val="6E0707">
-              <a:alpha val="85000"/>
-            </a:srgbClr>
+            <a:srgbClr val="263238"/>
           </a:solidFill>
           <a:ln w="9525" cap="flat" cmpd="sng">
             <a:noFill/>
@@ -9272,7 +7640,7 @@
             <a:r>
               <a:rPr lang="it" sz="4800" b="1" dirty="0">
                 <a:solidFill>
-                  <a:srgbClr val="FFFFFF"/>
+                  <a:srgbClr val="FFB337"/>
                 </a:solidFill>
                 <a:latin typeface="Lora"/>
                 <a:ea typeface="Lora"/>
@@ -9283,7 +7651,7 @@
             </a:r>
             <a:endParaRPr sz="4800" b="1" dirty="0">
               <a:solidFill>
-                <a:srgbClr val="FFFFFF"/>
+                <a:srgbClr val="FFB337"/>
               </a:solidFill>
               <a:latin typeface="Lora"/>
               <a:ea typeface="Lora"/>
@@ -9328,8 +7696,8 @@
         </p:nvSpPr>
         <p:spPr>
           <a:xfrm>
-            <a:off x="2353591" y="3076195"/>
-            <a:ext cx="1707600" cy="656614"/>
+            <a:off x="2241814" y="3100693"/>
+            <a:ext cx="2208249" cy="656614"/>
           </a:xfrm>
           <a:prstGeom prst="rect">
             <a:avLst/>
@@ -9362,7 +7730,7 @@
                   </a:extLst>
                 </a:hlinkClick>
               </a:rPr>
-              <a:t>Website</a:t>
+              <a:t>Visita il sito</a:t>
             </a:r>
             <a:endParaRPr sz="2667" b="1" dirty="0">
               <a:solidFill>
@@ -9405,14 +7773,16 @@
       </p:pic>
       <p:sp>
         <p:nvSpPr>
-          <p:cNvPr id="214" name="Google Shape;214;p28"/>
+          <p:cNvPr id="214" name="Google Shape;214;p28">
+            <a:hlinkClick r:id="rId6"/>
+          </p:cNvPr>
           <p:cNvSpPr txBox="1"/>
           <p:nvPr/>
         </p:nvSpPr>
         <p:spPr>
           <a:xfrm>
-            <a:off x="2353574" y="4149172"/>
-            <a:ext cx="1507226" cy="656614"/>
+            <a:off x="2241814" y="4009183"/>
+            <a:ext cx="2817866" cy="984845"/>
           </a:xfrm>
           <a:prstGeom prst="rect">
             <a:avLst/>
@@ -9429,7 +7799,7 @@
           <a:lstStyle/>
           <a:p>
             <a:r>
-              <a:rPr lang="it" sz="2667" b="1" u="sng" dirty="0">
+              <a:rPr lang="it" sz="2400" b="1" u="sng" dirty="0">
                 <a:solidFill>
                   <a:srgbClr val="38761D"/>
                 </a:solidFill>
@@ -9445,9 +7815,9 @@
                   </a:extLst>
                 </a:hlinkClick>
               </a:rPr>
-              <a:t>Github</a:t>
-            </a:r>
-            <a:endParaRPr sz="2667" b="1" dirty="0">
+              <a:t>Questo progetto su Github</a:t>
+            </a:r>
+            <a:endParaRPr sz="2400" b="1" dirty="0">
               <a:solidFill>
                 <a:srgbClr val="38761D"/>
               </a:solidFill>
@@ -9462,6 +7832,7 @@
       <p:sp>
         <p:nvSpPr>
           <p:cNvPr id="2" name="Google Shape;212;p28">
+            <a:hlinkClick r:id="rId7"/>
             <a:extLst>
               <a:ext uri="{FF2B5EF4-FFF2-40B4-BE49-F238E27FC236}">
                 <a16:creationId xmlns:a16="http://schemas.microsoft.com/office/drawing/2014/main" id="{5F1ACA10-47C2-B5F0-5411-3FF4E21DA98D}"/>
@@ -9473,7 +7844,7 @@
         </p:nvSpPr>
         <p:spPr>
           <a:xfrm>
-            <a:off x="4402228" y="3145910"/>
+            <a:off x="5059680" y="3161793"/>
             <a:ext cx="6032092" cy="553957"/>
           </a:xfrm>
           <a:prstGeom prst="rect">
@@ -9493,13 +7864,68 @@
             <a:r>
               <a:rPr lang="it-IT" sz="2000" b="1" u="sng" dirty="0">
                 <a:solidFill>
-                  <a:srgbClr val="6E0707"/>
+                  <a:srgbClr val="263238"/>
                 </a:solidFill>
                 <a:latin typeface="Lora"/>
                 <a:ea typeface="Lora"/>
                 <a:cs typeface="Lora"/>
                 <a:sym typeface="Lora"/>
-                <a:hlinkClick r:id="rId4">
+              </a:rPr>
+              <a:t>https://giovannipacelli2.github.io/news/src</a:t>
+            </a:r>
+            <a:endParaRPr sz="2000" b="1" dirty="0">
+              <a:solidFill>
+                <a:srgbClr val="263238"/>
+              </a:solidFill>
+              <a:latin typeface="Lora"/>
+              <a:ea typeface="Lora"/>
+              <a:cs typeface="Lora"/>
+              <a:sym typeface="Lora"/>
+            </a:endParaRPr>
+          </a:p>
+        </p:txBody>
+      </p:sp>
+      <p:sp>
+        <p:nvSpPr>
+          <p:cNvPr id="3" name="Google Shape;214;p28">
+            <a:extLst>
+              <a:ext uri="{FF2B5EF4-FFF2-40B4-BE49-F238E27FC236}">
+                <a16:creationId xmlns:a16="http://schemas.microsoft.com/office/drawing/2014/main" id="{23F6AAD8-903D-8B26-A84F-1E11B8CAD7E2}"/>
+              </a:ext>
+            </a:extLst>
+          </p:cNvPr>
+          <p:cNvSpPr txBox="1"/>
+          <p:nvPr/>
+        </p:nvSpPr>
+        <p:spPr>
+          <a:xfrm>
+            <a:off x="5059680" y="4198476"/>
+            <a:ext cx="6133692" cy="553957"/>
+          </a:xfrm>
+          <a:prstGeom prst="rect">
+            <a:avLst/>
+          </a:prstGeom>
+          <a:noFill/>
+          <a:ln>
+            <a:noFill/>
+          </a:ln>
+        </p:spPr>
+        <p:txBody>
+          <a:bodyPr spcFirstLastPara="1" wrap="square" lIns="121900" tIns="121900" rIns="121900" bIns="121900" anchor="t" anchorCtr="0">
+            <a:spAutoFit/>
+          </a:bodyPr>
+          <a:lstStyle/>
+          <a:p>
+            <a:r>
+              <a:rPr lang="it-IT" sz="2000" b="1" u="sng" dirty="0">
+                <a:solidFill>
+                  <a:srgbClr val="263238"/>
+                </a:solidFill>
+                <a:latin typeface="Lora"/>
+                <a:ea typeface="Lora"/>
+                <a:cs typeface="Lora"/>
+                <a:sym typeface="Lora"/>
+                <a:hlinkClick r:id="rId8">
                   <a:extLst>
                     <a:ext uri="{A12FA001-AC4F-418D-AE19-62706E023703}">
                       <ahyp:hlinkClr xmlns:ahyp="http://schemas.microsoft.com/office/drawing/2018/hyperlinkcolor" val="tx"/>
@@ -9507,11 +7933,23 @@
                   </a:extLst>
                 </a:hlinkClick>
               </a:rPr>
-              <a:t>https://giovannipacelli2.github.io/portfolio/</a:t>
-            </a:r>
-            <a:endParaRPr sz="2000" b="1" dirty="0">
+              <a:t>https://github.com/giovannipacelli2/</a:t>
+            </a:r>
+            <a:r>
+              <a:rPr lang="it-IT" sz="2000" b="1" u="sng" dirty="0">
+                <a:solidFill>
+                  <a:srgbClr val="263238"/>
+                </a:solidFill>
+                <a:latin typeface="Lora"/>
+                <a:ea typeface="Lora"/>
+                <a:cs typeface="Lora"/>
+                <a:sym typeface="Lora"/>
+              </a:rPr>
+              <a:t>news</a:t>
+            </a:r>
+            <a:endParaRPr sz="2000" b="1" u="sng" dirty="0">
               <a:solidFill>
-                <a:srgbClr val="6E0707"/>
+                <a:srgbClr val="263238"/>
               </a:solidFill>
               <a:latin typeface="Lora"/>
               <a:ea typeface="Lora"/>
@@ -9523,10 +7961,10 @@
       </p:sp>
       <p:sp>
         <p:nvSpPr>
-          <p:cNvPr id="3" name="Google Shape;214;p28">
+          <p:cNvPr id="4" name="Google Shape;58;p13">
             <a:extLst>
               <a:ext uri="{FF2B5EF4-FFF2-40B4-BE49-F238E27FC236}">
-                <a16:creationId xmlns:a16="http://schemas.microsoft.com/office/drawing/2014/main" id="{23F6AAD8-903D-8B26-A84F-1E11B8CAD7E2}"/>
+                <a16:creationId xmlns:a16="http://schemas.microsoft.com/office/drawing/2014/main" id="{8399BE82-A205-713E-5A8A-C8F27D194923}"/>
               </a:ext>
             </a:extLst>
           </p:cNvPr>
@@ -9535,13 +7973,15 @@
         </p:nvSpPr>
         <p:spPr>
           <a:xfrm>
-            <a:off x="4402228" y="4198477"/>
-            <a:ext cx="6133692" cy="553957"/>
+            <a:off x="3225490" y="1589167"/>
+            <a:ext cx="4980000" cy="984845"/>
           </a:xfrm>
           <a:prstGeom prst="rect">
             <a:avLst/>
           </a:prstGeom>
-          <a:noFill/>
+          <a:solidFill>
+            <a:srgbClr val="263238"/>
+          </a:solidFill>
           <a:ln>
             <a:noFill/>
           </a:ln>
@@ -9553,27 +7993,20 @@
           <a:lstStyle/>
           <a:p>
             <a:r>
-              <a:rPr lang="it-IT" sz="2000" b="1" u="sng" dirty="0">
+              <a:rPr lang="it" sz="4800" b="1" dirty="0">
                 <a:solidFill>
-                  <a:srgbClr val="6E0707"/>
+                  <a:srgbClr val="FFB337"/>
                 </a:solidFill>
                 <a:latin typeface="Lora"/>
                 <a:ea typeface="Lora"/>
                 <a:cs typeface="Lora"/>
                 <a:sym typeface="Lora"/>
-                <a:hlinkClick r:id="rId6">
-                  <a:extLst>
-                    <a:ext uri="{A12FA001-AC4F-418D-AE19-62706E023703}">
-                      <ahyp:hlinkClr xmlns:ahyp="http://schemas.microsoft.com/office/drawing/2018/hyperlinkcolor" val="tx"/>
-                    </a:ext>
-                  </a:extLst>
-                </a:hlinkClick>
               </a:rPr>
-              <a:t>https://github.com/giovannipacelli2/counter</a:t>
-            </a:r>
-            <a:endParaRPr sz="2000" b="1" u="sng" dirty="0">
+              <a:t>Giovanni Pacelli</a:t>
+            </a:r>
+            <a:endParaRPr sz="4800" b="1" dirty="0">
               <a:solidFill>
-                <a:srgbClr val="6E0707"/>
+                <a:srgbClr val="FFB337"/>
               </a:solidFill>
               <a:latin typeface="Lora"/>
               <a:ea typeface="Lora"/>
@@ -9599,6 +8032,14 @@
 <file path=ppt/slides/slide2.xml><?xml version="1.0" encoding="utf-8"?>
 <p:sld xmlns:a="http://schemas.openxmlformats.org/drawingml/2006/main" xmlns:r="http://schemas.openxmlformats.org/officeDocument/2006/relationships" xmlns:p="http://schemas.openxmlformats.org/presentationml/2006/main">
   <p:cSld>
+    <p:bg>
+      <p:bgPr>
+        <a:solidFill>
+          <a:schemeClr val="bg2"/>
+        </a:solidFill>
+        <a:effectLst/>
+      </p:bgPr>
+    </p:bg>
     <p:spTree>
       <p:nvGrpSpPr>
         <p:cNvPr id="1" name="Shape 62"/>
@@ -9615,6 +8056,281 @@
       </p:grpSpPr>
       <p:sp>
         <p:nvSpPr>
+          <p:cNvPr id="3" name="Rettangolo 2">
+            <a:extLst>
+              <a:ext uri="{FF2B5EF4-FFF2-40B4-BE49-F238E27FC236}">
+                <a16:creationId xmlns:a16="http://schemas.microsoft.com/office/drawing/2014/main" id="{D8F84EE1-DA67-4FC4-DD89-F25E8E3F618F}"/>
+              </a:ext>
+            </a:extLst>
+          </p:cNvPr>
+          <p:cNvSpPr/>
+          <p:nvPr/>
+        </p:nvSpPr>
+        <p:spPr>
+          <a:xfrm rot="19473180">
+            <a:off x="-578934" y="393607"/>
+            <a:ext cx="6538923" cy="9208240"/>
+          </a:xfrm>
+          <a:custGeom>
+            <a:avLst/>
+            <a:gdLst>
+              <a:gd name="connsiteX0" fmla="*/ 0 w 3534403"/>
+              <a:gd name="connsiteY0" fmla="*/ 0 h 9070256"/>
+              <a:gd name="connsiteX1" fmla="*/ 3534403 w 3534403"/>
+              <a:gd name="connsiteY1" fmla="*/ 0 h 9070256"/>
+              <a:gd name="connsiteX2" fmla="*/ 3534403 w 3534403"/>
+              <a:gd name="connsiteY2" fmla="*/ 9070256 h 9070256"/>
+              <a:gd name="connsiteX3" fmla="*/ 0 w 3534403"/>
+              <a:gd name="connsiteY3" fmla="*/ 9070256 h 9070256"/>
+              <a:gd name="connsiteX4" fmla="*/ 0 w 3534403"/>
+              <a:gd name="connsiteY4" fmla="*/ 0 h 9070256"/>
+              <a:gd name="connsiteX0" fmla="*/ 0 w 3534403"/>
+              <a:gd name="connsiteY0" fmla="*/ 0 h 9070256"/>
+              <a:gd name="connsiteX1" fmla="*/ 2693620 w 3534403"/>
+              <a:gd name="connsiteY1" fmla="*/ 1583975 h 9070256"/>
+              <a:gd name="connsiteX2" fmla="*/ 3534403 w 3534403"/>
+              <a:gd name="connsiteY2" fmla="*/ 9070256 h 9070256"/>
+              <a:gd name="connsiteX3" fmla="*/ 0 w 3534403"/>
+              <a:gd name="connsiteY3" fmla="*/ 9070256 h 9070256"/>
+              <a:gd name="connsiteX4" fmla="*/ 0 w 3534403"/>
+              <a:gd name="connsiteY4" fmla="*/ 0 h 9070256"/>
+              <a:gd name="connsiteX0" fmla="*/ 335290 w 3534403"/>
+              <a:gd name="connsiteY0" fmla="*/ 0 h 9155824"/>
+              <a:gd name="connsiteX1" fmla="*/ 2693620 w 3534403"/>
+              <a:gd name="connsiteY1" fmla="*/ 1669543 h 9155824"/>
+              <a:gd name="connsiteX2" fmla="*/ 3534403 w 3534403"/>
+              <a:gd name="connsiteY2" fmla="*/ 9155824 h 9155824"/>
+              <a:gd name="connsiteX3" fmla="*/ 0 w 3534403"/>
+              <a:gd name="connsiteY3" fmla="*/ 9155824 h 9155824"/>
+              <a:gd name="connsiteX4" fmla="*/ 335290 w 3534403"/>
+              <a:gd name="connsiteY4" fmla="*/ 0 h 9155824"/>
+              <a:gd name="connsiteX0" fmla="*/ 798424 w 3997537"/>
+              <a:gd name="connsiteY0" fmla="*/ 0 h 9155824"/>
+              <a:gd name="connsiteX1" fmla="*/ 3156754 w 3997537"/>
+              <a:gd name="connsiteY1" fmla="*/ 1669543 h 9155824"/>
+              <a:gd name="connsiteX2" fmla="*/ 3997537 w 3997537"/>
+              <a:gd name="connsiteY2" fmla="*/ 9155824 h 9155824"/>
+              <a:gd name="connsiteX3" fmla="*/ 463134 w 3997537"/>
+              <a:gd name="connsiteY3" fmla="*/ 9155824 h 9155824"/>
+              <a:gd name="connsiteX4" fmla="*/ 798424 w 3997537"/>
+              <a:gd name="connsiteY4" fmla="*/ 0 h 9155824"/>
+              <a:gd name="connsiteX0" fmla="*/ 1097209 w 4296322"/>
+              <a:gd name="connsiteY0" fmla="*/ 0 h 9155824"/>
+              <a:gd name="connsiteX1" fmla="*/ 3455539 w 4296322"/>
+              <a:gd name="connsiteY1" fmla="*/ 1669543 h 9155824"/>
+              <a:gd name="connsiteX2" fmla="*/ 4296322 w 4296322"/>
+              <a:gd name="connsiteY2" fmla="*/ 9155824 h 9155824"/>
+              <a:gd name="connsiteX3" fmla="*/ 63791 w 4296322"/>
+              <a:gd name="connsiteY3" fmla="*/ 5353859 h 9155824"/>
+              <a:gd name="connsiteX4" fmla="*/ 1097209 w 4296322"/>
+              <a:gd name="connsiteY4" fmla="*/ 0 h 9155824"/>
+              <a:gd name="connsiteX0" fmla="*/ 3418019 w 6617132"/>
+              <a:gd name="connsiteY0" fmla="*/ 0 h 9155824"/>
+              <a:gd name="connsiteX1" fmla="*/ 5776349 w 6617132"/>
+              <a:gd name="connsiteY1" fmla="*/ 1669543 h 9155824"/>
+              <a:gd name="connsiteX2" fmla="*/ 6617132 w 6617132"/>
+              <a:gd name="connsiteY2" fmla="*/ 9155824 h 9155824"/>
+              <a:gd name="connsiteX3" fmla="*/ 0 w 6617132"/>
+              <a:gd name="connsiteY3" fmla="*/ 4604106 h 9155824"/>
+              <a:gd name="connsiteX4" fmla="*/ 3418019 w 6617132"/>
+              <a:gd name="connsiteY4" fmla="*/ 0 h 9155824"/>
+              <a:gd name="connsiteX0" fmla="*/ 3418019 w 6617132"/>
+              <a:gd name="connsiteY0" fmla="*/ 0 h 9155824"/>
+              <a:gd name="connsiteX1" fmla="*/ 5776349 w 6617132"/>
+              <a:gd name="connsiteY1" fmla="*/ 1669543 h 9155824"/>
+              <a:gd name="connsiteX2" fmla="*/ 6617132 w 6617132"/>
+              <a:gd name="connsiteY2" fmla="*/ 9155824 h 9155824"/>
+              <a:gd name="connsiteX3" fmla="*/ 0 w 6617132"/>
+              <a:gd name="connsiteY3" fmla="*/ 4604106 h 9155824"/>
+              <a:gd name="connsiteX4" fmla="*/ 3418019 w 6617132"/>
+              <a:gd name="connsiteY4" fmla="*/ 0 h 9155824"/>
+              <a:gd name="connsiteX0" fmla="*/ 2977237 w 6176350"/>
+              <a:gd name="connsiteY0" fmla="*/ 0 h 9155824"/>
+              <a:gd name="connsiteX1" fmla="*/ 5335567 w 6176350"/>
+              <a:gd name="connsiteY1" fmla="*/ 1669543 h 9155824"/>
+              <a:gd name="connsiteX2" fmla="*/ 6176350 w 6176350"/>
+              <a:gd name="connsiteY2" fmla="*/ 9155824 h 9155824"/>
+              <a:gd name="connsiteX3" fmla="*/ 0 w 6176350"/>
+              <a:gd name="connsiteY3" fmla="*/ 4755767 h 9155824"/>
+              <a:gd name="connsiteX4" fmla="*/ 2977237 w 6176350"/>
+              <a:gd name="connsiteY4" fmla="*/ 0 h 9155824"/>
+              <a:gd name="connsiteX0" fmla="*/ 3312804 w 6511917"/>
+              <a:gd name="connsiteY0" fmla="*/ 0 h 9155824"/>
+              <a:gd name="connsiteX1" fmla="*/ 5671134 w 6511917"/>
+              <a:gd name="connsiteY1" fmla="*/ 1669543 h 9155824"/>
+              <a:gd name="connsiteX2" fmla="*/ 6511917 w 6511917"/>
+              <a:gd name="connsiteY2" fmla="*/ 9155824 h 9155824"/>
+              <a:gd name="connsiteX3" fmla="*/ 0 w 6511917"/>
+              <a:gd name="connsiteY3" fmla="*/ 4666536 h 9155824"/>
+              <a:gd name="connsiteX4" fmla="*/ 3312804 w 6511917"/>
+              <a:gd name="connsiteY4" fmla="*/ 0 h 9155824"/>
+              <a:gd name="connsiteX0" fmla="*/ 3312804 w 6511917"/>
+              <a:gd name="connsiteY0" fmla="*/ 0 h 9155824"/>
+              <a:gd name="connsiteX1" fmla="*/ 5671134 w 6511917"/>
+              <a:gd name="connsiteY1" fmla="*/ 1669543 h 9155824"/>
+              <a:gd name="connsiteX2" fmla="*/ 6511917 w 6511917"/>
+              <a:gd name="connsiteY2" fmla="*/ 9155824 h 9155824"/>
+              <a:gd name="connsiteX3" fmla="*/ 0 w 6511917"/>
+              <a:gd name="connsiteY3" fmla="*/ 4666536 h 9155824"/>
+              <a:gd name="connsiteX4" fmla="*/ 3312804 w 6511917"/>
+              <a:gd name="connsiteY4" fmla="*/ 0 h 9155824"/>
+              <a:gd name="connsiteX0" fmla="*/ 3327772 w 6526885"/>
+              <a:gd name="connsiteY0" fmla="*/ 0 h 9155824"/>
+              <a:gd name="connsiteX1" fmla="*/ 5686102 w 6526885"/>
+              <a:gd name="connsiteY1" fmla="*/ 1669543 h 9155824"/>
+              <a:gd name="connsiteX2" fmla="*/ 6526885 w 6526885"/>
+              <a:gd name="connsiteY2" fmla="*/ 9155824 h 9155824"/>
+              <a:gd name="connsiteX3" fmla="*/ 0 w 6526885"/>
+              <a:gd name="connsiteY3" fmla="*/ 4528030 h 9155824"/>
+              <a:gd name="connsiteX4" fmla="*/ 3327772 w 6526885"/>
+              <a:gd name="connsiteY4" fmla="*/ 0 h 9155824"/>
+              <a:gd name="connsiteX0" fmla="*/ 3240494 w 6526885"/>
+              <a:gd name="connsiteY0" fmla="*/ 0 h 9232349"/>
+              <a:gd name="connsiteX1" fmla="*/ 5686102 w 6526885"/>
+              <a:gd name="connsiteY1" fmla="*/ 1746068 h 9232349"/>
+              <a:gd name="connsiteX2" fmla="*/ 6526885 w 6526885"/>
+              <a:gd name="connsiteY2" fmla="*/ 9232349 h 9232349"/>
+              <a:gd name="connsiteX3" fmla="*/ 0 w 6526885"/>
+              <a:gd name="connsiteY3" fmla="*/ 4604555 h 9232349"/>
+              <a:gd name="connsiteX4" fmla="*/ 3240494 w 6526885"/>
+              <a:gd name="connsiteY4" fmla="*/ 0 h 9232349"/>
+              <a:gd name="connsiteX0" fmla="*/ 3240494 w 6526885"/>
+              <a:gd name="connsiteY0" fmla="*/ 0 h 9232349"/>
+              <a:gd name="connsiteX1" fmla="*/ 6233821 w 6526885"/>
+              <a:gd name="connsiteY1" fmla="*/ 2151378 h 9232349"/>
+              <a:gd name="connsiteX2" fmla="*/ 6526885 w 6526885"/>
+              <a:gd name="connsiteY2" fmla="*/ 9232349 h 9232349"/>
+              <a:gd name="connsiteX3" fmla="*/ 0 w 6526885"/>
+              <a:gd name="connsiteY3" fmla="*/ 4604555 h 9232349"/>
+              <a:gd name="connsiteX4" fmla="*/ 3240494 w 6526885"/>
+              <a:gd name="connsiteY4" fmla="*/ 0 h 9232349"/>
+              <a:gd name="connsiteX0" fmla="*/ 3278081 w 6526885"/>
+              <a:gd name="connsiteY0" fmla="*/ 0 h 9205510"/>
+              <a:gd name="connsiteX1" fmla="*/ 6233821 w 6526885"/>
+              <a:gd name="connsiteY1" fmla="*/ 2124539 h 9205510"/>
+              <a:gd name="connsiteX2" fmla="*/ 6526885 w 6526885"/>
+              <a:gd name="connsiteY2" fmla="*/ 9205510 h 9205510"/>
+              <a:gd name="connsiteX3" fmla="*/ 0 w 6526885"/>
+              <a:gd name="connsiteY3" fmla="*/ 4577716 h 9205510"/>
+              <a:gd name="connsiteX4" fmla="*/ 3278081 w 6526885"/>
+              <a:gd name="connsiteY4" fmla="*/ 0 h 9205510"/>
+              <a:gd name="connsiteX0" fmla="*/ 3256581 w 6526885"/>
+              <a:gd name="connsiteY0" fmla="*/ 0 h 9235065"/>
+              <a:gd name="connsiteX1" fmla="*/ 6233821 w 6526885"/>
+              <a:gd name="connsiteY1" fmla="*/ 2154094 h 9235065"/>
+              <a:gd name="connsiteX2" fmla="*/ 6526885 w 6526885"/>
+              <a:gd name="connsiteY2" fmla="*/ 9235065 h 9235065"/>
+              <a:gd name="connsiteX3" fmla="*/ 0 w 6526885"/>
+              <a:gd name="connsiteY3" fmla="*/ 4607271 h 9235065"/>
+              <a:gd name="connsiteX4" fmla="*/ 3256581 w 6526885"/>
+              <a:gd name="connsiteY4" fmla="*/ 0 h 9235065"/>
+              <a:gd name="connsiteX0" fmla="*/ 3246026 w 6516330"/>
+              <a:gd name="connsiteY0" fmla="*/ 0 h 9235065"/>
+              <a:gd name="connsiteX1" fmla="*/ 6223266 w 6516330"/>
+              <a:gd name="connsiteY1" fmla="*/ 2154094 h 9235065"/>
+              <a:gd name="connsiteX2" fmla="*/ 6516330 w 6516330"/>
+              <a:gd name="connsiteY2" fmla="*/ 9235065 h 9235065"/>
+              <a:gd name="connsiteX3" fmla="*/ 0 w 6516330"/>
+              <a:gd name="connsiteY3" fmla="*/ 4583643 h 9235065"/>
+              <a:gd name="connsiteX4" fmla="*/ 3246026 w 6516330"/>
+              <a:gd name="connsiteY4" fmla="*/ 0 h 9235065"/>
+              <a:gd name="connsiteX0" fmla="*/ 3218414 w 6516330"/>
+              <a:gd name="connsiteY0" fmla="*/ 0 h 9204916"/>
+              <a:gd name="connsiteX1" fmla="*/ 6223266 w 6516330"/>
+              <a:gd name="connsiteY1" fmla="*/ 2123945 h 9204916"/>
+              <a:gd name="connsiteX2" fmla="*/ 6516330 w 6516330"/>
+              <a:gd name="connsiteY2" fmla="*/ 9204916 h 9204916"/>
+              <a:gd name="connsiteX3" fmla="*/ 0 w 6516330"/>
+              <a:gd name="connsiteY3" fmla="*/ 4553494 h 9204916"/>
+              <a:gd name="connsiteX4" fmla="*/ 3218414 w 6516330"/>
+              <a:gd name="connsiteY4" fmla="*/ 0 h 9204916"/>
+              <a:gd name="connsiteX0" fmla="*/ 3236659 w 6516330"/>
+              <a:gd name="connsiteY0" fmla="*/ 0 h 9204356"/>
+              <a:gd name="connsiteX1" fmla="*/ 6223266 w 6516330"/>
+              <a:gd name="connsiteY1" fmla="*/ 2123385 h 9204356"/>
+              <a:gd name="connsiteX2" fmla="*/ 6516330 w 6516330"/>
+              <a:gd name="connsiteY2" fmla="*/ 9204356 h 9204356"/>
+              <a:gd name="connsiteX3" fmla="*/ 0 w 6516330"/>
+              <a:gd name="connsiteY3" fmla="*/ 4552934 h 9204356"/>
+              <a:gd name="connsiteX4" fmla="*/ 3236659 w 6516330"/>
+              <a:gd name="connsiteY4" fmla="*/ 0 h 9204356"/>
+            </a:gdLst>
+            <a:ahLst/>
+            <a:cxnLst>
+              <a:cxn ang="0">
+                <a:pos x="connsiteX0" y="connsiteY0"/>
+              </a:cxn>
+              <a:cxn ang="0">
+                <a:pos x="connsiteX1" y="connsiteY1"/>
+              </a:cxn>
+              <a:cxn ang="0">
+                <a:pos x="connsiteX2" y="connsiteY2"/>
+              </a:cxn>
+              <a:cxn ang="0">
+                <a:pos x="connsiteX3" y="connsiteY3"/>
+              </a:cxn>
+              <a:cxn ang="0">
+                <a:pos x="connsiteX4" y="connsiteY4"/>
+              </a:cxn>
+            </a:cxnLst>
+            <a:rect l="l" t="t" r="r" b="b"/>
+            <a:pathLst>
+              <a:path w="6516330" h="9204356">
+                <a:moveTo>
+                  <a:pt x="3236659" y="0"/>
+                </a:moveTo>
+                <a:lnTo>
+                  <a:pt x="6223266" y="2123385"/>
+                </a:lnTo>
+                <a:lnTo>
+                  <a:pt x="6516330" y="9204356"/>
+                </a:lnTo>
+                <a:lnTo>
+                  <a:pt x="0" y="4552934"/>
+                </a:lnTo>
+                <a:cubicBezTo>
+                  <a:pt x="1755645" y="2134992"/>
+                  <a:pt x="1594228" y="2311466"/>
+                  <a:pt x="3236659" y="0"/>
+                </a:cubicBezTo>
+                <a:close/>
+              </a:path>
+            </a:pathLst>
+          </a:custGeom>
+          <a:solidFill>
+            <a:srgbClr val="607D8B"/>
+          </a:solidFill>
+          <a:ln>
+            <a:noFill/>
+          </a:ln>
+        </p:spPr>
+        <p:style>
+          <a:lnRef idx="2">
+            <a:schemeClr val="accent1">
+              <a:shade val="50000"/>
+            </a:schemeClr>
+          </a:lnRef>
+          <a:fillRef idx="1">
+            <a:schemeClr val="accent1"/>
+          </a:fillRef>
+          <a:effectRef idx="0">
+            <a:schemeClr val="accent1"/>
+          </a:effectRef>
+          <a:fontRef idx="minor">
+            <a:schemeClr val="lt1"/>
+          </a:fontRef>
+        </p:style>
+        <p:txBody>
+          <a:bodyPr rtlCol="0" anchor="ctr"/>
+          <a:lstStyle/>
+          <a:p>
+            <a:pPr algn="ctr"/>
+            <a:endParaRPr lang="it-IT" dirty="0"/>
+          </a:p>
+        </p:txBody>
+      </p:sp>
+      <p:sp>
+        <p:nvSpPr>
           <p:cNvPr id="63" name="Google Shape;63;p14"/>
           <p:cNvSpPr/>
           <p:nvPr/>
@@ -9631,9 +8347,7 @@
             </a:avLst>
           </a:prstGeom>
           <a:solidFill>
-            <a:srgbClr val="263238">
-              <a:alpha val="85000"/>
-            </a:srgbClr>
+            <a:srgbClr val="263238"/>
           </a:solidFill>
           <a:ln w="9525" cap="flat" cmpd="sng">
             <a:noFill/>
@@ -9655,33 +8369,30 @@
       </p:sp>
       <p:sp>
         <p:nvSpPr>
-          <p:cNvPr id="64" name="Google Shape;64;p14"/>
+          <p:cNvPr id="64" name="Google Shape;64;p14">
+            <a:hlinkClick r:id="rId3" action="ppaction://hlinksldjump"/>
+          </p:cNvPr>
           <p:cNvSpPr txBox="1"/>
           <p:nvPr/>
         </p:nvSpPr>
         <p:spPr>
           <a:xfrm>
-            <a:off x="962184" y="1741500"/>
-            <a:ext cx="4704190" cy="759078"/>
+            <a:off x="5072566" y="1941114"/>
+            <a:ext cx="4407431" cy="861734"/>
           </a:xfrm>
           <a:prstGeom prst="rect">
             <a:avLst/>
           </a:prstGeom>
-          <a:solidFill>
-            <a:srgbClr val="FFB337">
-              <a:alpha val="60000"/>
-            </a:srgbClr>
-          </a:solidFill>
+          <a:noFill/>
           <a:ln>
             <a:noFill/>
           </a:ln>
           <a:effectLst>
-            <a:outerShdw blurRad="88900" dir="13500000" sy="23000" kx="1200000" algn="br" rotWithShape="0">
-              <a:srgbClr val="6E0707">
-                <a:alpha val="22000"/>
-              </a:srgbClr>
-            </a:outerShdw>
-            <a:reflection stA="45000" endPos="0" dist="50800" dir="5400000" sy="-100000" algn="bl" rotWithShape="0"/>
+            <a:glow>
+              <a:schemeClr val="accent1">
+                <a:alpha val="40000"/>
+              </a:schemeClr>
+            </a:glow>
             <a:softEdge rad="25400"/>
           </a:effectLst>
         </p:spPr>
@@ -9691,8 +8402,9 @@
           </a:bodyPr>
           <a:lstStyle/>
           <a:p>
-            <a:r>
-              <a:rPr lang="it" sz="3333" b="1" u="sng" dirty="0">
+            <a:pPr algn="ctr"/>
+            <a:r>
+              <a:rPr lang="it" sz="4000" b="1" u="sng" dirty="0">
                 <a:solidFill>
                   <a:srgbClr val="263238"/>
                 </a:solidFill>
@@ -9710,7 +8422,7 @@
               </a:rPr>
               <a:t>1. Presentazione</a:t>
             </a:r>
-            <a:endParaRPr sz="3333" b="1" dirty="0">
+            <a:endParaRPr sz="4000" b="1" dirty="0">
               <a:solidFill>
                 <a:srgbClr val="263238"/>
               </a:solidFill>
@@ -9724,32 +8436,25 @@
       </p:sp>
       <p:sp>
         <p:nvSpPr>
-          <p:cNvPr id="65" name="Google Shape;65;p14"/>
+          <p:cNvPr id="65" name="Google Shape;65;p14">
+            <a:hlinkClick r:id="rId4" action="ppaction://hlinksldjump"/>
+          </p:cNvPr>
           <p:cNvSpPr txBox="1"/>
           <p:nvPr/>
         </p:nvSpPr>
         <p:spPr>
           <a:xfrm>
-            <a:off x="6525626" y="1741500"/>
-            <a:ext cx="4704190" cy="759078"/>
+            <a:off x="5642568" y="2701347"/>
+            <a:ext cx="2507797" cy="861734"/>
           </a:xfrm>
           <a:prstGeom prst="rect">
             <a:avLst/>
           </a:prstGeom>
-          <a:solidFill>
-            <a:srgbClr val="FFB337">
-              <a:alpha val="60000"/>
-            </a:srgbClr>
-          </a:solidFill>
+          <a:noFill/>
           <a:ln>
             <a:noFill/>
           </a:ln>
           <a:effectLst>
-            <a:outerShdw blurRad="88900" dir="18900000" sy="23000" kx="-1200000" algn="bl" rotWithShape="0">
-              <a:prstClr val="black">
-                <a:alpha val="22000"/>
-              </a:prstClr>
-            </a:outerShdw>
             <a:reflection stA="45000" endPos="0" dist="50800" dir="5400000" sy="-100000" algn="bl" rotWithShape="0"/>
             <a:softEdge rad="25400"/>
           </a:effectLst>
@@ -9760,8 +8465,9 @@
           </a:bodyPr>
           <a:lstStyle/>
           <a:p>
-            <a:r>
-              <a:rPr lang="it" sz="3333" b="1" u="sng" dirty="0">
+            <a:pPr algn="ctr"/>
+            <a:r>
+              <a:rPr lang="it" sz="4000" b="1" u="sng" dirty="0">
                 <a:solidFill>
                   <a:srgbClr val="263238"/>
                 </a:solidFill>
@@ -9779,7 +8485,7 @@
               </a:rPr>
               <a:t>2. Scopo</a:t>
             </a:r>
-            <a:endParaRPr sz="3333" b="1" dirty="0">
+            <a:endParaRPr sz="4000" b="1" dirty="0">
               <a:solidFill>
                 <a:srgbClr val="263238"/>
               </a:solidFill>
@@ -9793,32 +8499,25 @@
       </p:sp>
       <p:sp>
         <p:nvSpPr>
-          <p:cNvPr id="66" name="Google Shape;66;p14"/>
+          <p:cNvPr id="66" name="Google Shape;66;p14">
+            <a:hlinkClick r:id="rId5" action="ppaction://hlinksldjump"/>
+          </p:cNvPr>
           <p:cNvSpPr txBox="1"/>
           <p:nvPr/>
         </p:nvSpPr>
         <p:spPr>
           <a:xfrm>
-            <a:off x="962183" y="3205263"/>
-            <a:ext cx="4704474" cy="759078"/>
+            <a:off x="6288877" y="3369182"/>
+            <a:ext cx="2698791" cy="861734"/>
           </a:xfrm>
           <a:prstGeom prst="rect">
             <a:avLst/>
           </a:prstGeom>
-          <a:solidFill>
-            <a:srgbClr val="FFB337">
-              <a:alpha val="60000"/>
-            </a:srgbClr>
-          </a:solidFill>
+          <a:noFill/>
           <a:ln>
             <a:noFill/>
           </a:ln>
           <a:effectLst>
-            <a:outerShdw blurRad="88900" dir="13500000" sy="23000" kx="1200000" algn="br" rotWithShape="0">
-              <a:srgbClr val="6E0707">
-                <a:alpha val="22000"/>
-              </a:srgbClr>
-            </a:outerShdw>
             <a:reflection stA="45000" endPos="0" dist="50800" dir="5400000" sy="-100000" algn="bl" rotWithShape="0"/>
             <a:softEdge rad="25400"/>
           </a:effectLst>
@@ -9829,89 +8528,9 @@
           </a:bodyPr>
           <a:lstStyle/>
           <a:p>
-            <a:r>
-              <a:rPr lang="it" sz="3333" b="1" u="sng" dirty="0">
-                <a:solidFill>
-                  <a:srgbClr val="263238"/>
-                </a:solidFill>
-                <a:latin typeface="Lora"/>
-                <a:ea typeface="Lora"/>
-                <a:cs typeface="Lora"/>
-                <a:sym typeface="Lora"/>
-                <a:hlinkClick r:id="rId5" action="ppaction://hlinksldjump">
-                  <a:extLst>
-                    <a:ext uri="{A12FA001-AC4F-418D-AE19-62706E023703}">
-                      <ahyp:hlinkClr xmlns:ahyp="http://schemas.microsoft.com/office/drawing/2018/hyperlinkcolor" val="tx"/>
-                    </a:ext>
-                  </a:extLst>
-                </a:hlinkClick>
-              </a:rPr>
-              <a:t>3. </a:t>
-            </a:r>
-            <a:r>
-              <a:rPr lang="it" sz="3333" b="1" u="sng" dirty="0">
-                <a:solidFill>
-                  <a:srgbClr val="263238"/>
-                </a:solidFill>
-                <a:latin typeface="Lora"/>
-                <a:ea typeface="Lora"/>
-                <a:cs typeface="Lora"/>
-                <a:sym typeface="Lora"/>
-              </a:rPr>
-              <a:t>Grafica</a:t>
-            </a:r>
-            <a:endParaRPr sz="3333" b="1" dirty="0">
-              <a:solidFill>
-                <a:srgbClr val="263238"/>
-              </a:solidFill>
-              <a:latin typeface="Lora"/>
-              <a:ea typeface="Lora"/>
-              <a:cs typeface="Lora"/>
-              <a:sym typeface="Lora"/>
-            </a:endParaRPr>
-          </a:p>
-        </p:txBody>
-      </p:sp>
-      <p:sp>
-        <p:nvSpPr>
-          <p:cNvPr id="67" name="Google Shape;67;p14"/>
-          <p:cNvSpPr txBox="1"/>
-          <p:nvPr/>
-        </p:nvSpPr>
-        <p:spPr>
-          <a:xfrm>
-            <a:off x="6525345" y="3205263"/>
-            <a:ext cx="4704190" cy="759078"/>
-          </a:xfrm>
-          <a:prstGeom prst="rect">
-            <a:avLst/>
-          </a:prstGeom>
-          <a:solidFill>
-            <a:srgbClr val="FFB337">
-              <a:alpha val="60000"/>
-            </a:srgbClr>
-          </a:solidFill>
-          <a:ln>
-            <a:noFill/>
-          </a:ln>
-          <a:effectLst>
-            <a:outerShdw blurRad="88900" dir="18900000" sy="23000" kx="-1200000" algn="bl" rotWithShape="0">
-              <a:prstClr val="black">
-                <a:alpha val="22000"/>
-              </a:prstClr>
-            </a:outerShdw>
-            <a:reflection stA="45000" endPos="0" dist="50800" dir="5400000" sy="-100000" algn="bl" rotWithShape="0"/>
-            <a:softEdge rad="25400"/>
-          </a:effectLst>
-        </p:spPr>
-        <p:txBody>
-          <a:bodyPr spcFirstLastPara="1" wrap="square" lIns="121900" tIns="121900" rIns="121900" bIns="121900" anchor="t" anchorCtr="0">
-            <a:spAutoFit/>
-          </a:bodyPr>
-          <a:lstStyle/>
-          <a:p>
-            <a:r>
-              <a:rPr lang="it" sz="3333" b="1" u="sng" dirty="0">
+            <a:pPr algn="ctr"/>
+            <a:r>
+              <a:rPr lang="it" sz="4000" b="1" u="sng" dirty="0">
                 <a:solidFill>
                   <a:srgbClr val="263238"/>
                 </a:solidFill>
@@ -9927,10 +8546,10 @@
                   </a:extLst>
                 </a:hlinkClick>
               </a:rPr>
-              <a:t>4. </a:t>
-            </a:r>
-            <a:r>
-              <a:rPr lang="it" sz="3333" b="1" u="sng" dirty="0">
+              <a:t>3. </a:t>
+            </a:r>
+            <a:r>
+              <a:rPr lang="it" sz="4000" b="1" u="sng" dirty="0">
                 <a:solidFill>
                   <a:srgbClr val="263238"/>
                 </a:solidFill>
@@ -9938,17 +8557,10 @@
                 <a:ea typeface="Lora"/>
                 <a:cs typeface="Lora"/>
                 <a:sym typeface="Lora"/>
-                <a:hlinkClick r:id="rId5" action="ppaction://hlinksldjump">
-                  <a:extLst>
-                    <a:ext uri="{A12FA001-AC4F-418D-AE19-62706E023703}">
-                      <ahyp:hlinkClr xmlns:ahyp="http://schemas.microsoft.com/office/drawing/2018/hyperlinkcolor" val="tx"/>
-                    </a:ext>
-                  </a:extLst>
-                </a:hlinkClick>
               </a:rPr>
-              <a:t>Specifiche tecniche</a:t>
-            </a:r>
-            <a:endParaRPr sz="3333" b="1" dirty="0">
+              <a:t>Grafica</a:t>
+            </a:r>
+            <a:endParaRPr sz="4000" b="1" dirty="0">
               <a:solidFill>
                 <a:srgbClr val="263238"/>
               </a:solidFill>
@@ -9975,9 +8587,7 @@
             <a:avLst/>
           </a:prstGeom>
           <a:solidFill>
-            <a:srgbClr val="263238">
-              <a:alpha val="85000"/>
-            </a:srgbClr>
+            <a:srgbClr val="263238"/>
           </a:solidFill>
           <a:ln w="9525" cap="flat" cmpd="sng">
             <a:noFill/>
@@ -10050,6 +8660,7 @@
       <p:sp>
         <p:nvSpPr>
           <p:cNvPr id="2" name="Google Shape;65;p14">
+            <a:hlinkClick r:id="rId7" action="ppaction://hlinksldjump"/>
             <a:extLst>
               <a:ext uri="{FF2B5EF4-FFF2-40B4-BE49-F238E27FC236}">
                 <a16:creationId xmlns:a16="http://schemas.microsoft.com/office/drawing/2014/main" id="{63B20126-DC3D-1188-0B12-2430681665BD}"/>
@@ -10061,26 +8672,17 @@
         </p:nvSpPr>
         <p:spPr>
           <a:xfrm>
-            <a:off x="7976261" y="5201022"/>
-            <a:ext cx="3253274" cy="759078"/>
+            <a:off x="6728826" y="4037018"/>
+            <a:ext cx="2843078" cy="861734"/>
           </a:xfrm>
           <a:prstGeom prst="rect">
             <a:avLst/>
           </a:prstGeom>
-          <a:solidFill>
-            <a:srgbClr val="FFB337">
-              <a:alpha val="60000"/>
-            </a:srgbClr>
-          </a:solidFill>
+          <a:noFill/>
           <a:ln>
             <a:noFill/>
           </a:ln>
           <a:effectLst>
-            <a:outerShdw blurRad="88900" dir="18900000" sy="23000" kx="-1200000" algn="bl" rotWithShape="0">
-              <a:prstClr val="black">
-                <a:alpha val="22000"/>
-              </a:prstClr>
-            </a:outerShdw>
             <a:reflection stA="45000" endPos="0" dist="50800" dir="5400000" sy="-100000" algn="bl" rotWithShape="0"/>
             <a:softEdge rad="25400"/>
           </a:effectLst>
@@ -10093,7 +8695,7 @@
           <a:p>
             <a:pPr algn="ctr"/>
             <a:r>
-              <a:rPr lang="it" sz="3333" b="1" u="sng" dirty="0">
+              <a:rPr lang="it" sz="4000" b="1" u="sng" dirty="0">
                 <a:solidFill>
                   <a:srgbClr val="263238"/>
                 </a:solidFill>
@@ -10102,9 +8704,9 @@
                 <a:cs typeface="Lora"/>
                 <a:sym typeface="Lora"/>
               </a:rPr>
-              <a:t>Contatti</a:t>
-            </a:r>
-            <a:endParaRPr sz="3333" b="1" dirty="0">
+              <a:t>4. Contatti</a:t>
+            </a:r>
+            <a:endParaRPr sz="4000" b="1" dirty="0">
               <a:solidFill>
                 <a:srgbClr val="263238"/>
               </a:solidFill>
@@ -10241,9 +8843,7 @@
             </a:avLst>
           </a:prstGeom>
           <a:solidFill>
-            <a:srgbClr val="263238">
-              <a:alpha val="85000"/>
-            </a:srgbClr>
+            <a:srgbClr val="263238"/>
           </a:solidFill>
           <a:ln w="9525" cap="flat" cmpd="sng">
             <a:noFill/>
@@ -10278,9 +8878,7 @@
             <a:avLst/>
           </a:prstGeom>
           <a:solidFill>
-            <a:srgbClr val="263238">
-              <a:alpha val="85000"/>
-            </a:srgbClr>
+            <a:srgbClr val="263238"/>
           </a:solidFill>
           <a:ln w="9525" cap="flat" cmpd="sng">
             <a:noFill/>
@@ -10364,8 +8962,8 @@
         </p:nvSpPr>
         <p:spPr>
           <a:xfrm>
-            <a:off x="668333" y="1774954"/>
-            <a:ext cx="5875342" cy="738623"/>
+            <a:off x="3864765" y="1951383"/>
+            <a:ext cx="4117027" cy="738623"/>
           </a:xfrm>
           <a:prstGeom prst="rect">
             <a:avLst/>
@@ -10433,7 +9031,7 @@
         </p:blipFill>
         <p:spPr>
           <a:xfrm>
-            <a:off x="3630449" y="3046137"/>
+            <a:off x="3457729" y="3429001"/>
             <a:ext cx="1710112" cy="1710112"/>
           </a:xfrm>
           <a:prstGeom prst="rect">
@@ -10469,7 +9067,7 @@
         </p:blipFill>
         <p:spPr>
           <a:xfrm>
-            <a:off x="5240943" y="3046136"/>
+            <a:off x="5068223" y="3429000"/>
             <a:ext cx="1710113" cy="1710113"/>
           </a:xfrm>
           <a:prstGeom prst="rect">
@@ -10505,7 +9103,7 @@
         </p:blipFill>
         <p:spPr>
           <a:xfrm>
-            <a:off x="6851437" y="3016131"/>
+            <a:off x="6678717" y="3398995"/>
             <a:ext cx="1710113" cy="1740118"/>
           </a:xfrm>
           <a:prstGeom prst="rect">
@@ -10561,9 +9159,7 @@
             </a:avLst>
           </a:prstGeom>
           <a:solidFill>
-            <a:srgbClr val="263238">
-              <a:alpha val="85000"/>
-            </a:srgbClr>
+            <a:srgbClr val="263238"/>
           </a:solidFill>
           <a:ln w="9525" cap="flat" cmpd="sng">
             <a:noFill/>
@@ -10598,9 +9194,7 @@
             <a:avLst/>
           </a:prstGeom>
           <a:solidFill>
-            <a:srgbClr val="263238">
-              <a:alpha val="85000"/>
-            </a:srgbClr>
+            <a:srgbClr val="263238"/>
           </a:solidFill>
           <a:ln w="9525" cap="flat" cmpd="sng">
             <a:noFill/>
@@ -10967,9 +9561,7 @@
             </a:avLst>
           </a:prstGeom>
           <a:solidFill>
-            <a:srgbClr val="263238">
-              <a:alpha val="85000"/>
-            </a:srgbClr>
+            <a:srgbClr val="263238"/>
           </a:solidFill>
           <a:ln w="9525" cap="flat" cmpd="sng">
             <a:noFill/>
@@ -11004,9 +9596,7 @@
             <a:avLst/>
           </a:prstGeom>
           <a:solidFill>
-            <a:srgbClr val="263238">
-              <a:alpha val="85000"/>
-            </a:srgbClr>
+            <a:srgbClr val="263238"/>
           </a:solidFill>
           <a:ln w="9525" cap="flat" cmpd="sng">
             <a:noFill/>
@@ -11184,258 +9774,6 @@
 </file>
 
 <file path=ppt/slides/slide8.xml><?xml version="1.0" encoding="utf-8"?>
-<p:sld xmlns:a="http://schemas.openxmlformats.org/drawingml/2006/main" xmlns:r="http://schemas.openxmlformats.org/officeDocument/2006/relationships" xmlns:p="http://schemas.openxmlformats.org/presentationml/2006/main">
-  <p:cSld>
-    <p:spTree>
-      <p:nvGrpSpPr>
-        <p:cNvPr id="1" name="Shape 62"/>
-        <p:cNvGrpSpPr/>
-        <p:nvPr/>
-      </p:nvGrpSpPr>
-      <p:grpSpPr>
-        <a:xfrm>
-          <a:off x="0" y="0"/>
-          <a:ext cx="0" cy="0"/>
-          <a:chOff x="0" y="0"/>
-          <a:chExt cx="0" cy="0"/>
-        </a:xfrm>
-      </p:grpSpPr>
-      <p:sp>
-        <p:nvSpPr>
-          <p:cNvPr id="63" name="Google Shape;63;p14"/>
-          <p:cNvSpPr/>
-          <p:nvPr/>
-        </p:nvSpPr>
-        <p:spPr>
-          <a:xfrm>
-            <a:off x="0" y="6429200"/>
-            <a:ext cx="12192000" cy="428800"/>
-          </a:xfrm>
-          <a:prstGeom prst="round2SameRect">
-            <a:avLst>
-              <a:gd name="adj1" fmla="val 0"/>
-              <a:gd name="adj2" fmla="val 0"/>
-            </a:avLst>
-          </a:prstGeom>
-          <a:solidFill>
-            <a:srgbClr val="263238">
-              <a:alpha val="85000"/>
-            </a:srgbClr>
-          </a:solidFill>
-          <a:ln w="9525" cap="flat" cmpd="sng">
-            <a:noFill/>
-            <a:prstDash val="solid"/>
-            <a:round/>
-            <a:headEnd type="none" w="sm" len="sm"/>
-            <a:tailEnd type="none" w="sm" len="sm"/>
-          </a:ln>
-        </p:spPr>
-        <p:txBody>
-          <a:bodyPr spcFirstLastPara="1" wrap="square" lIns="121900" tIns="121900" rIns="121900" bIns="121900" anchor="ctr" anchorCtr="0">
-            <a:noAutofit/>
-          </a:bodyPr>
-          <a:lstStyle/>
-          <a:p>
-            <a:endParaRPr sz="2400"/>
-          </a:p>
-        </p:txBody>
-      </p:sp>
-      <p:sp>
-        <p:nvSpPr>
-          <p:cNvPr id="68" name="Google Shape;68;p14"/>
-          <p:cNvSpPr/>
-          <p:nvPr/>
-        </p:nvSpPr>
-        <p:spPr>
-          <a:xfrm>
-            <a:off x="0" y="0"/>
-            <a:ext cx="12192000" cy="1272400"/>
-          </a:xfrm>
-          <a:prstGeom prst="rect">
-            <a:avLst/>
-          </a:prstGeom>
-          <a:solidFill>
-            <a:srgbClr val="263238">
-              <a:alpha val="85000"/>
-            </a:srgbClr>
-          </a:solidFill>
-          <a:ln w="9525" cap="flat" cmpd="sng">
-            <a:noFill/>
-            <a:prstDash val="solid"/>
-            <a:round/>
-            <a:headEnd type="none" w="sm" len="sm"/>
-            <a:tailEnd type="none" w="sm" len="sm"/>
-          </a:ln>
-        </p:spPr>
-        <p:txBody>
-          <a:bodyPr spcFirstLastPara="1" wrap="square" lIns="121900" tIns="121900" rIns="121900" bIns="121900" anchor="ctr" anchorCtr="0">
-            <a:noAutofit/>
-          </a:bodyPr>
-          <a:lstStyle/>
-          <a:p>
-            <a:endParaRPr sz="2400"/>
-          </a:p>
-        </p:txBody>
-      </p:sp>
-      <p:sp>
-        <p:nvSpPr>
-          <p:cNvPr id="69" name="Google Shape;69;p14"/>
-          <p:cNvSpPr txBox="1"/>
-          <p:nvPr/>
-        </p:nvSpPr>
-        <p:spPr>
-          <a:xfrm>
-            <a:off x="668333" y="143601"/>
-            <a:ext cx="2056206" cy="984845"/>
-          </a:xfrm>
-          <a:prstGeom prst="rect">
-            <a:avLst/>
-          </a:prstGeom>
-          <a:noFill/>
-          <a:ln>
-            <a:noFill/>
-          </a:ln>
-        </p:spPr>
-        <p:txBody>
-          <a:bodyPr spcFirstLastPara="1" wrap="square" lIns="121900" tIns="121900" rIns="121900" bIns="121900" anchor="t" anchorCtr="0">
-            <a:spAutoFit/>
-          </a:bodyPr>
-          <a:lstStyle/>
-          <a:p>
-            <a:pPr algn="ctr"/>
-            <a:r>
-              <a:rPr lang="it" sz="4800" b="1" dirty="0">
-                <a:solidFill>
-                  <a:srgbClr val="FAFAFA"/>
-                </a:solidFill>
-                <a:latin typeface="Lora"/>
-                <a:ea typeface="Lora"/>
-                <a:cs typeface="Lora"/>
-                <a:sym typeface="Lora"/>
-              </a:rPr>
-              <a:t>Scopo</a:t>
-            </a:r>
-            <a:endParaRPr sz="4800" b="1" dirty="0">
-              <a:solidFill>
-                <a:srgbClr val="FAFAFA"/>
-              </a:solidFill>
-              <a:latin typeface="Lora"/>
-              <a:ea typeface="Lora"/>
-              <a:cs typeface="Lora"/>
-              <a:sym typeface="Lora"/>
-            </a:endParaRPr>
-          </a:p>
-        </p:txBody>
-      </p:sp>
-      <p:sp>
-        <p:nvSpPr>
-          <p:cNvPr id="4" name="Google Shape;57;p13">
-            <a:extLst>
-              <a:ext uri="{FF2B5EF4-FFF2-40B4-BE49-F238E27FC236}">
-                <a16:creationId xmlns:a16="http://schemas.microsoft.com/office/drawing/2014/main" id="{FAF5C34B-9692-5A59-7BAB-2C9C6E6D1403}"/>
-              </a:ext>
-            </a:extLst>
-          </p:cNvPr>
-          <p:cNvSpPr txBox="1"/>
-          <p:nvPr/>
-        </p:nvSpPr>
-        <p:spPr>
-          <a:xfrm>
-            <a:off x="1696436" y="1811763"/>
-            <a:ext cx="9212785" cy="615513"/>
-          </a:xfrm>
-          <a:prstGeom prst="rect">
-            <a:avLst/>
-          </a:prstGeom>
-          <a:noFill/>
-          <a:ln>
-            <a:noFill/>
-          </a:ln>
-        </p:spPr>
-        <p:txBody>
-          <a:bodyPr spcFirstLastPara="1" wrap="square" lIns="121900" tIns="121900" rIns="121900" bIns="121900" anchor="t" anchorCtr="0">
-            <a:spAutoFit/>
-          </a:bodyPr>
-          <a:lstStyle/>
-          <a:p>
-            <a:pPr marL="342900" indent="-342900">
-              <a:buFont typeface="Arial" panose="020B0604020202020204" pitchFamily="34" charset="0"/>
-              <a:buChar char="•"/>
-            </a:pPr>
-            <a:r>
-              <a:rPr lang="it-IT" sz="2400" b="1" dirty="0">
-                <a:solidFill>
-                  <a:srgbClr val="263238"/>
-                </a:solidFill>
-                <a:latin typeface="Lora"/>
-                <a:ea typeface="Lora"/>
-                <a:cs typeface="Lora"/>
-                <a:sym typeface="Lora"/>
-              </a:rPr>
-              <a:t>Visualizzazione dei commenti delle notizie tramite API.</a:t>
-            </a:r>
-            <a:endParaRPr b="1" dirty="0">
-              <a:solidFill>
-                <a:srgbClr val="263238"/>
-              </a:solidFill>
-              <a:latin typeface="Lora"/>
-              <a:ea typeface="Lora"/>
-              <a:cs typeface="Lora"/>
-              <a:sym typeface="Lora"/>
-            </a:endParaRPr>
-          </a:p>
-        </p:txBody>
-      </p:sp>
-      <p:pic>
-        <p:nvPicPr>
-          <p:cNvPr id="3" name="Immagine 2" descr="Immagine che contiene testo&#10;&#10;Descrizione generata automaticamente">
-            <a:extLst>
-              <a:ext uri="{FF2B5EF4-FFF2-40B4-BE49-F238E27FC236}">
-                <a16:creationId xmlns:a16="http://schemas.microsoft.com/office/drawing/2014/main" id="{A90C42EA-F6A8-CD51-5F04-4341328B3D00}"/>
-              </a:ext>
-            </a:extLst>
-          </p:cNvPr>
-          <p:cNvPicPr>
-            <a:picLocks noChangeAspect="1"/>
-          </p:cNvPicPr>
-          <p:nvPr/>
-        </p:nvPicPr>
-        <p:blipFill>
-          <a:blip r:embed="rId3">
-            <a:extLst>
-              <a:ext uri="{28A0092B-C50C-407E-A947-70E740481C1C}">
-                <a14:useLocalDpi xmlns:a14="http://schemas.microsoft.com/office/drawing/2010/main" val="0"/>
-              </a:ext>
-            </a:extLst>
-          </a:blip>
-          <a:stretch>
-            <a:fillRect/>
-          </a:stretch>
-        </p:blipFill>
-        <p:spPr>
-          <a:xfrm>
-            <a:off x="1696435" y="2789960"/>
-            <a:ext cx="8809833" cy="3266567"/>
-          </a:xfrm>
-          <a:prstGeom prst="rect">
-            <a:avLst/>
-          </a:prstGeom>
-        </p:spPr>
-      </p:pic>
-    </p:spTree>
-    <p:extLst>
-      <p:ext uri="{BB962C8B-B14F-4D97-AF65-F5344CB8AC3E}">
-        <p14:creationId xmlns:p14="http://schemas.microsoft.com/office/powerpoint/2010/main" val="2517136964"/>
-      </p:ext>
-    </p:extLst>
-  </p:cSld>
-  <p:clrMapOvr>
-    <a:masterClrMapping/>
-  </p:clrMapOvr>
-</p:sld>
-</file>
-
-<file path=ppt/slides/slide9.xml><?xml version="1.0" encoding="utf-8"?>
 <p:sld xmlns:a="http://schemas.openxmlformats.org/drawingml/2006/main" xmlns:r="http://schemas.openxmlformats.org/officeDocument/2006/relationships" xmlns:p="http://schemas.openxmlformats.org/presentationml/2006/main">
   <p:cSld>
     <p:bg>
@@ -11513,6 +9851,318 @@
     <p:extLst>
       <p:ext uri="{BB962C8B-B14F-4D97-AF65-F5344CB8AC3E}">
         <p14:creationId xmlns:p14="http://schemas.microsoft.com/office/powerpoint/2010/main" val="989033178"/>
+      </p:ext>
+    </p:extLst>
+  </p:cSld>
+  <p:clrMapOvr>
+    <a:masterClrMapping/>
+  </p:clrMapOvr>
+</p:sld>
+</file>
+
+<file path=ppt/slides/slide9.xml><?xml version="1.0" encoding="utf-8"?>
+<p:sld xmlns:a="http://schemas.openxmlformats.org/drawingml/2006/main" xmlns:r="http://schemas.openxmlformats.org/officeDocument/2006/relationships" xmlns:p="http://schemas.openxmlformats.org/presentationml/2006/main">
+  <p:cSld>
+    <p:spTree>
+      <p:nvGrpSpPr>
+        <p:cNvPr id="1" name="Shape 62"/>
+        <p:cNvGrpSpPr/>
+        <p:nvPr/>
+      </p:nvGrpSpPr>
+      <p:grpSpPr>
+        <a:xfrm>
+          <a:off x="0" y="0"/>
+          <a:ext cx="0" cy="0"/>
+          <a:chOff x="0" y="0"/>
+          <a:chExt cx="0" cy="0"/>
+        </a:xfrm>
+      </p:grpSpPr>
+      <p:sp>
+        <p:nvSpPr>
+          <p:cNvPr id="63" name="Google Shape;63;p14"/>
+          <p:cNvSpPr/>
+          <p:nvPr/>
+        </p:nvSpPr>
+        <p:spPr>
+          <a:xfrm>
+            <a:off x="0" y="6429200"/>
+            <a:ext cx="12192000" cy="428800"/>
+          </a:xfrm>
+          <a:prstGeom prst="round2SameRect">
+            <a:avLst>
+              <a:gd name="adj1" fmla="val 0"/>
+              <a:gd name="adj2" fmla="val 0"/>
+            </a:avLst>
+          </a:prstGeom>
+          <a:solidFill>
+            <a:srgbClr val="263238"/>
+          </a:solidFill>
+          <a:ln w="9525" cap="flat" cmpd="sng">
+            <a:noFill/>
+            <a:prstDash val="solid"/>
+            <a:round/>
+            <a:headEnd type="none" w="sm" len="sm"/>
+            <a:tailEnd type="none" w="sm" len="sm"/>
+          </a:ln>
+        </p:spPr>
+        <p:txBody>
+          <a:bodyPr spcFirstLastPara="1" wrap="square" lIns="121900" tIns="121900" rIns="121900" bIns="121900" anchor="ctr" anchorCtr="0">
+            <a:noAutofit/>
+          </a:bodyPr>
+          <a:lstStyle/>
+          <a:p>
+            <a:endParaRPr sz="2400"/>
+          </a:p>
+        </p:txBody>
+      </p:sp>
+      <p:sp>
+        <p:nvSpPr>
+          <p:cNvPr id="4" name="Google Shape;57;p13">
+            <a:extLst>
+              <a:ext uri="{FF2B5EF4-FFF2-40B4-BE49-F238E27FC236}">
+                <a16:creationId xmlns:a16="http://schemas.microsoft.com/office/drawing/2014/main" id="{FAF5C34B-9692-5A59-7BAB-2C9C6E6D1403}"/>
+              </a:ext>
+            </a:extLst>
+          </p:cNvPr>
+          <p:cNvSpPr txBox="1"/>
+          <p:nvPr/>
+        </p:nvSpPr>
+        <p:spPr>
+          <a:xfrm>
+            <a:off x="1808753" y="3099137"/>
+            <a:ext cx="8574493" cy="1231066"/>
+          </a:xfrm>
+          <a:prstGeom prst="rect">
+            <a:avLst/>
+          </a:prstGeom>
+          <a:noFill/>
+          <a:ln>
+            <a:noFill/>
+          </a:ln>
+        </p:spPr>
+        <p:txBody>
+          <a:bodyPr spcFirstLastPara="1" wrap="square" lIns="121900" tIns="121900" rIns="121900" bIns="121900" anchor="t" anchorCtr="0">
+            <a:spAutoFit/>
+          </a:bodyPr>
+          <a:lstStyle/>
+          <a:p>
+            <a:r>
+              <a:rPr lang="it-IT" sz="3200" dirty="0">
+                <a:solidFill>
+                  <a:srgbClr val="263238"/>
+                </a:solidFill>
+                <a:latin typeface="Lora"/>
+                <a:ea typeface="Lora"/>
+                <a:cs typeface="Lora"/>
+                <a:sym typeface="Lora"/>
+              </a:rPr>
+              <a:t>Per la grafica sono state utilizzate delle </a:t>
+            </a:r>
+            <a:r>
+              <a:rPr lang="it-IT" sz="3200" b="1" dirty="0">
+                <a:solidFill>
+                  <a:srgbClr val="263238"/>
+                </a:solidFill>
+                <a:latin typeface="Lora"/>
+                <a:ea typeface="Lora"/>
+                <a:cs typeface="Lora"/>
+                <a:sym typeface="Lora"/>
+              </a:rPr>
+              <a:t>cards</a:t>
+            </a:r>
+            <a:r>
+              <a:rPr lang="it-IT" sz="3200" dirty="0">
+                <a:solidFill>
+                  <a:srgbClr val="263238"/>
+                </a:solidFill>
+                <a:latin typeface="Lora"/>
+                <a:ea typeface="Lora"/>
+                <a:cs typeface="Lora"/>
+                <a:sym typeface="Lora"/>
+              </a:rPr>
+              <a:t> contenenti le notizie ed i commenti</a:t>
+            </a:r>
+            <a:endParaRPr sz="2400" dirty="0">
+              <a:solidFill>
+                <a:srgbClr val="263238"/>
+              </a:solidFill>
+              <a:latin typeface="Lora"/>
+              <a:ea typeface="Lora"/>
+              <a:cs typeface="Lora"/>
+              <a:sym typeface="Lora"/>
+            </a:endParaRPr>
+          </a:p>
+        </p:txBody>
+      </p:sp>
+      <p:sp>
+        <p:nvSpPr>
+          <p:cNvPr id="2" name="Google Shape;68;p14">
+            <a:extLst>
+              <a:ext uri="{FF2B5EF4-FFF2-40B4-BE49-F238E27FC236}">
+                <a16:creationId xmlns:a16="http://schemas.microsoft.com/office/drawing/2014/main" id="{53035077-BD72-D4F8-5FA3-51EEA33D3F25}"/>
+              </a:ext>
+            </a:extLst>
+          </p:cNvPr>
+          <p:cNvSpPr/>
+          <p:nvPr/>
+        </p:nvSpPr>
+        <p:spPr>
+          <a:xfrm>
+            <a:off x="0" y="0"/>
+            <a:ext cx="12192000" cy="1581150"/>
+          </a:xfrm>
+          <a:prstGeom prst="rect">
+            <a:avLst/>
+          </a:prstGeom>
+          <a:solidFill>
+            <a:srgbClr val="263238"/>
+          </a:solidFill>
+          <a:ln w="9525" cap="flat" cmpd="sng">
+            <a:noFill/>
+            <a:prstDash val="solid"/>
+            <a:round/>
+            <a:headEnd type="none" w="sm" len="sm"/>
+            <a:tailEnd type="none" w="sm" len="sm"/>
+          </a:ln>
+        </p:spPr>
+        <p:txBody>
+          <a:bodyPr spcFirstLastPara="1" wrap="square" lIns="121900" tIns="121900" rIns="121900" bIns="121900" anchor="ctr" anchorCtr="0">
+            <a:noAutofit/>
+          </a:bodyPr>
+          <a:lstStyle/>
+          <a:p>
+            <a:endParaRPr sz="2400"/>
+          </a:p>
+        </p:txBody>
+      </p:sp>
+      <p:sp>
+        <p:nvSpPr>
+          <p:cNvPr id="3" name="Google Shape;69;p14">
+            <a:extLst>
+              <a:ext uri="{FF2B5EF4-FFF2-40B4-BE49-F238E27FC236}">
+                <a16:creationId xmlns:a16="http://schemas.microsoft.com/office/drawing/2014/main" id="{D5AD321E-6DD9-F4CF-D7DA-4F06BBB440DB}"/>
+              </a:ext>
+            </a:extLst>
+          </p:cNvPr>
+          <p:cNvSpPr txBox="1"/>
+          <p:nvPr/>
+        </p:nvSpPr>
+        <p:spPr>
+          <a:xfrm>
+            <a:off x="668333" y="143601"/>
+            <a:ext cx="2636842" cy="984845"/>
+          </a:xfrm>
+          <a:prstGeom prst="rect">
+            <a:avLst/>
+          </a:prstGeom>
+          <a:noFill/>
+          <a:ln>
+            <a:noFill/>
+          </a:ln>
+        </p:spPr>
+        <p:txBody>
+          <a:bodyPr spcFirstLastPara="1" wrap="square" lIns="121900" tIns="121900" rIns="121900" bIns="121900" anchor="t" anchorCtr="0">
+            <a:spAutoFit/>
+          </a:bodyPr>
+          <a:lstStyle/>
+          <a:p>
+            <a:pPr algn="ctr"/>
+            <a:r>
+              <a:rPr lang="it" sz="4800" b="1" dirty="0">
+                <a:solidFill>
+                  <a:srgbClr val="FAFAFA"/>
+                </a:solidFill>
+                <a:latin typeface="Lora"/>
+                <a:ea typeface="Lora"/>
+                <a:cs typeface="Lora"/>
+                <a:sym typeface="Lora"/>
+              </a:rPr>
+              <a:t>Grafica:</a:t>
+            </a:r>
+            <a:endParaRPr sz="4800" b="1" dirty="0">
+              <a:solidFill>
+                <a:srgbClr val="FAFAFA"/>
+              </a:solidFill>
+              <a:latin typeface="Lora"/>
+              <a:ea typeface="Lora"/>
+              <a:cs typeface="Lora"/>
+              <a:sym typeface="Lora"/>
+            </a:endParaRPr>
+          </a:p>
+        </p:txBody>
+      </p:sp>
+      <p:sp>
+        <p:nvSpPr>
+          <p:cNvPr id="6" name="Google Shape;69;p14">
+            <a:extLst>
+              <a:ext uri="{FF2B5EF4-FFF2-40B4-BE49-F238E27FC236}">
+                <a16:creationId xmlns:a16="http://schemas.microsoft.com/office/drawing/2014/main" id="{8CF65728-CA88-A42A-4A8B-0DAE4C9D646D}"/>
+              </a:ext>
+            </a:extLst>
+          </p:cNvPr>
+          <p:cNvSpPr txBox="1"/>
+          <p:nvPr/>
+        </p:nvSpPr>
+        <p:spPr>
+          <a:xfrm>
+            <a:off x="1795885" y="697580"/>
+            <a:ext cx="3709565" cy="738623"/>
+          </a:xfrm>
+          <a:prstGeom prst="rect">
+            <a:avLst/>
+          </a:prstGeom>
+          <a:noFill/>
+          <a:ln>
+            <a:noFill/>
+          </a:ln>
+        </p:spPr>
+        <p:txBody>
+          <a:bodyPr spcFirstLastPara="1" wrap="square" lIns="121900" tIns="121900" rIns="121900" bIns="121900" anchor="t" anchorCtr="0">
+            <a:spAutoFit/>
+          </a:bodyPr>
+          <a:lstStyle/>
+          <a:p>
+            <a:pPr algn="ctr"/>
+            <a:r>
+              <a:rPr lang="it-IT" sz="3200" b="1" dirty="0">
+                <a:solidFill>
+                  <a:srgbClr val="FAFAFA"/>
+                </a:solidFill>
+                <a:latin typeface="Lora"/>
+                <a:ea typeface="Lora"/>
+                <a:cs typeface="Lora"/>
+                <a:sym typeface="Lora"/>
+              </a:rPr>
+              <a:t>c</a:t>
+            </a:r>
+            <a:r>
+              <a:rPr lang="it" sz="3200" b="1" dirty="0">
+                <a:solidFill>
+                  <a:srgbClr val="FAFAFA"/>
+                </a:solidFill>
+                <a:latin typeface="Lora"/>
+                <a:ea typeface="Lora"/>
+                <a:cs typeface="Lora"/>
+                <a:sym typeface="Lora"/>
+              </a:rPr>
+              <a:t>ome si presenta:</a:t>
+            </a:r>
+            <a:endParaRPr sz="3200" b="1" dirty="0">
+              <a:solidFill>
+                <a:srgbClr val="FAFAFA"/>
+              </a:solidFill>
+              <a:latin typeface="Lora"/>
+              <a:ea typeface="Lora"/>
+              <a:cs typeface="Lora"/>
+              <a:sym typeface="Lora"/>
+            </a:endParaRPr>
+          </a:p>
+        </p:txBody>
+      </p:sp>
+    </p:spTree>
+    <p:extLst>
+      <p:ext uri="{BB962C8B-B14F-4D97-AF65-F5344CB8AC3E}">
+        <p14:creationId xmlns:p14="http://schemas.microsoft.com/office/powerpoint/2010/main" val="446364257"/>
       </p:ext>
     </p:extLst>
   </p:cSld>

--- a/src/assets/presentation/Presentazione_News.pptx
+++ b/src/assets/presentation/Presentazione_News.pptx
@@ -211,7 +211,7 @@
           <a:p>
             <a:fld id="{53EA131C-FDEA-4DB5-8B04-E97A7817AF64}" type="datetimeFigureOut">
               <a:rPr lang="it-IT" smtClean="0"/>
-              <a:t>06/02/2023</a:t>
+              <a:t>08/02/2023</a:t>
             </a:fld>
             <a:endParaRPr lang="it-IT"/>
           </a:p>
@@ -2240,7 +2240,7 @@
           <a:p>
             <a:fld id="{8F4123FD-8503-424E-BB0E-06AF7306D130}" type="datetimeFigureOut">
               <a:rPr lang="it-IT" smtClean="0"/>
-              <a:t>06/02/2023</a:t>
+              <a:t>08/02/2023</a:t>
             </a:fld>
             <a:endParaRPr lang="it-IT"/>
           </a:p>
@@ -2438,7 +2438,7 @@
           <a:p>
             <a:fld id="{8F4123FD-8503-424E-BB0E-06AF7306D130}" type="datetimeFigureOut">
               <a:rPr lang="it-IT" smtClean="0"/>
-              <a:t>06/02/2023</a:t>
+              <a:t>08/02/2023</a:t>
             </a:fld>
             <a:endParaRPr lang="it-IT"/>
           </a:p>
@@ -2646,7 +2646,7 @@
           <a:p>
             <a:fld id="{8F4123FD-8503-424E-BB0E-06AF7306D130}" type="datetimeFigureOut">
               <a:rPr lang="it-IT" smtClean="0"/>
-              <a:t>06/02/2023</a:t>
+              <a:t>08/02/2023</a:t>
             </a:fld>
             <a:endParaRPr lang="it-IT"/>
           </a:p>
@@ -2844,7 +2844,7 @@
           <a:p>
             <a:fld id="{8F4123FD-8503-424E-BB0E-06AF7306D130}" type="datetimeFigureOut">
               <a:rPr lang="it-IT" smtClean="0"/>
-              <a:t>06/02/2023</a:t>
+              <a:t>08/02/2023</a:t>
             </a:fld>
             <a:endParaRPr lang="it-IT"/>
           </a:p>
@@ -3119,7 +3119,7 @@
           <a:p>
             <a:fld id="{8F4123FD-8503-424E-BB0E-06AF7306D130}" type="datetimeFigureOut">
               <a:rPr lang="it-IT" smtClean="0"/>
-              <a:t>06/02/2023</a:t>
+              <a:t>08/02/2023</a:t>
             </a:fld>
             <a:endParaRPr lang="it-IT"/>
           </a:p>
@@ -3384,7 +3384,7 @@
           <a:p>
             <a:fld id="{8F4123FD-8503-424E-BB0E-06AF7306D130}" type="datetimeFigureOut">
               <a:rPr lang="it-IT" smtClean="0"/>
-              <a:t>06/02/2023</a:t>
+              <a:t>08/02/2023</a:t>
             </a:fld>
             <a:endParaRPr lang="it-IT"/>
           </a:p>
@@ -3796,7 +3796,7 @@
           <a:p>
             <a:fld id="{8F4123FD-8503-424E-BB0E-06AF7306D130}" type="datetimeFigureOut">
               <a:rPr lang="it-IT" smtClean="0"/>
-              <a:t>06/02/2023</a:t>
+              <a:t>08/02/2023</a:t>
             </a:fld>
             <a:endParaRPr lang="it-IT"/>
           </a:p>
@@ -3937,7 +3937,7 @@
           <a:p>
             <a:fld id="{8F4123FD-8503-424E-BB0E-06AF7306D130}" type="datetimeFigureOut">
               <a:rPr lang="it-IT" smtClean="0"/>
-              <a:t>06/02/2023</a:t>
+              <a:t>08/02/2023</a:t>
             </a:fld>
             <a:endParaRPr lang="it-IT"/>
           </a:p>
@@ -4050,7 +4050,7 @@
           <a:p>
             <a:fld id="{8F4123FD-8503-424E-BB0E-06AF7306D130}" type="datetimeFigureOut">
               <a:rPr lang="it-IT" smtClean="0"/>
-              <a:t>06/02/2023</a:t>
+              <a:t>08/02/2023</a:t>
             </a:fld>
             <a:endParaRPr lang="it-IT"/>
           </a:p>
@@ -4361,7 +4361,7 @@
           <a:p>
             <a:fld id="{8F4123FD-8503-424E-BB0E-06AF7306D130}" type="datetimeFigureOut">
               <a:rPr lang="it-IT" smtClean="0"/>
-              <a:t>06/02/2023</a:t>
+              <a:t>08/02/2023</a:t>
             </a:fld>
             <a:endParaRPr lang="it-IT"/>
           </a:p>
@@ -4649,7 +4649,7 @@
           <a:p>
             <a:fld id="{8F4123FD-8503-424E-BB0E-06AF7306D130}" type="datetimeFigureOut">
               <a:rPr lang="it-IT" smtClean="0"/>
-              <a:t>06/02/2023</a:t>
+              <a:t>08/02/2023</a:t>
             </a:fld>
             <a:endParaRPr lang="it-IT"/>
           </a:p>
@@ -4893,7 +4893,7 @@
           <a:p>
             <a:fld id="{8F4123FD-8503-424E-BB0E-06AF7306D130}" type="datetimeFigureOut">
               <a:rPr lang="it-IT" smtClean="0"/>
-              <a:t>06/02/2023</a:t>
+              <a:t>08/02/2023</a:t>
             </a:fld>
             <a:endParaRPr lang="it-IT"/>
           </a:p>
@@ -8054,281 +8054,132 @@
           <a:chExt cx="0" cy="0"/>
         </a:xfrm>
       </p:grpSpPr>
-      <p:sp>
-        <p:nvSpPr>
-          <p:cNvPr id="3" name="Rettangolo 2">
+      <p:grpSp>
+        <p:nvGrpSpPr>
+          <p:cNvPr id="10" name="Gruppo 9">
             <a:extLst>
               <a:ext uri="{FF2B5EF4-FFF2-40B4-BE49-F238E27FC236}">
-                <a16:creationId xmlns:a16="http://schemas.microsoft.com/office/drawing/2014/main" id="{D8F84EE1-DA67-4FC4-DD89-F25E8E3F618F}"/>
-              </a:ext>
-            </a:extLst>
-          </p:cNvPr>
-          <p:cNvSpPr/>
+                <a16:creationId xmlns:a16="http://schemas.microsoft.com/office/drawing/2014/main" id="{D8CCE69D-E88E-BD29-4B15-9CFED4B653DC}"/>
+              </a:ext>
+            </a:extLst>
+          </p:cNvPr>
+          <p:cNvGrpSpPr/>
           <p:nvPr/>
-        </p:nvSpPr>
-        <p:spPr>
-          <a:xfrm rot="19473180">
-            <a:off x="-578934" y="393607"/>
-            <a:ext cx="6538923" cy="9208240"/>
-          </a:xfrm>
-          <a:custGeom>
-            <a:avLst/>
-            <a:gdLst>
-              <a:gd name="connsiteX0" fmla="*/ 0 w 3534403"/>
-              <a:gd name="connsiteY0" fmla="*/ 0 h 9070256"/>
-              <a:gd name="connsiteX1" fmla="*/ 3534403 w 3534403"/>
-              <a:gd name="connsiteY1" fmla="*/ 0 h 9070256"/>
-              <a:gd name="connsiteX2" fmla="*/ 3534403 w 3534403"/>
-              <a:gd name="connsiteY2" fmla="*/ 9070256 h 9070256"/>
-              <a:gd name="connsiteX3" fmla="*/ 0 w 3534403"/>
-              <a:gd name="connsiteY3" fmla="*/ 9070256 h 9070256"/>
-              <a:gd name="connsiteX4" fmla="*/ 0 w 3534403"/>
-              <a:gd name="connsiteY4" fmla="*/ 0 h 9070256"/>
-              <a:gd name="connsiteX0" fmla="*/ 0 w 3534403"/>
-              <a:gd name="connsiteY0" fmla="*/ 0 h 9070256"/>
-              <a:gd name="connsiteX1" fmla="*/ 2693620 w 3534403"/>
-              <a:gd name="connsiteY1" fmla="*/ 1583975 h 9070256"/>
-              <a:gd name="connsiteX2" fmla="*/ 3534403 w 3534403"/>
-              <a:gd name="connsiteY2" fmla="*/ 9070256 h 9070256"/>
-              <a:gd name="connsiteX3" fmla="*/ 0 w 3534403"/>
-              <a:gd name="connsiteY3" fmla="*/ 9070256 h 9070256"/>
-              <a:gd name="connsiteX4" fmla="*/ 0 w 3534403"/>
-              <a:gd name="connsiteY4" fmla="*/ 0 h 9070256"/>
-              <a:gd name="connsiteX0" fmla="*/ 335290 w 3534403"/>
-              <a:gd name="connsiteY0" fmla="*/ 0 h 9155824"/>
-              <a:gd name="connsiteX1" fmla="*/ 2693620 w 3534403"/>
-              <a:gd name="connsiteY1" fmla="*/ 1669543 h 9155824"/>
-              <a:gd name="connsiteX2" fmla="*/ 3534403 w 3534403"/>
-              <a:gd name="connsiteY2" fmla="*/ 9155824 h 9155824"/>
-              <a:gd name="connsiteX3" fmla="*/ 0 w 3534403"/>
-              <a:gd name="connsiteY3" fmla="*/ 9155824 h 9155824"/>
-              <a:gd name="connsiteX4" fmla="*/ 335290 w 3534403"/>
-              <a:gd name="connsiteY4" fmla="*/ 0 h 9155824"/>
-              <a:gd name="connsiteX0" fmla="*/ 798424 w 3997537"/>
-              <a:gd name="connsiteY0" fmla="*/ 0 h 9155824"/>
-              <a:gd name="connsiteX1" fmla="*/ 3156754 w 3997537"/>
-              <a:gd name="connsiteY1" fmla="*/ 1669543 h 9155824"/>
-              <a:gd name="connsiteX2" fmla="*/ 3997537 w 3997537"/>
-              <a:gd name="connsiteY2" fmla="*/ 9155824 h 9155824"/>
-              <a:gd name="connsiteX3" fmla="*/ 463134 w 3997537"/>
-              <a:gd name="connsiteY3" fmla="*/ 9155824 h 9155824"/>
-              <a:gd name="connsiteX4" fmla="*/ 798424 w 3997537"/>
-              <a:gd name="connsiteY4" fmla="*/ 0 h 9155824"/>
-              <a:gd name="connsiteX0" fmla="*/ 1097209 w 4296322"/>
-              <a:gd name="connsiteY0" fmla="*/ 0 h 9155824"/>
-              <a:gd name="connsiteX1" fmla="*/ 3455539 w 4296322"/>
-              <a:gd name="connsiteY1" fmla="*/ 1669543 h 9155824"/>
-              <a:gd name="connsiteX2" fmla="*/ 4296322 w 4296322"/>
-              <a:gd name="connsiteY2" fmla="*/ 9155824 h 9155824"/>
-              <a:gd name="connsiteX3" fmla="*/ 63791 w 4296322"/>
-              <a:gd name="connsiteY3" fmla="*/ 5353859 h 9155824"/>
-              <a:gd name="connsiteX4" fmla="*/ 1097209 w 4296322"/>
-              <a:gd name="connsiteY4" fmla="*/ 0 h 9155824"/>
-              <a:gd name="connsiteX0" fmla="*/ 3418019 w 6617132"/>
-              <a:gd name="connsiteY0" fmla="*/ 0 h 9155824"/>
-              <a:gd name="connsiteX1" fmla="*/ 5776349 w 6617132"/>
-              <a:gd name="connsiteY1" fmla="*/ 1669543 h 9155824"/>
-              <a:gd name="connsiteX2" fmla="*/ 6617132 w 6617132"/>
-              <a:gd name="connsiteY2" fmla="*/ 9155824 h 9155824"/>
-              <a:gd name="connsiteX3" fmla="*/ 0 w 6617132"/>
-              <a:gd name="connsiteY3" fmla="*/ 4604106 h 9155824"/>
-              <a:gd name="connsiteX4" fmla="*/ 3418019 w 6617132"/>
-              <a:gd name="connsiteY4" fmla="*/ 0 h 9155824"/>
-              <a:gd name="connsiteX0" fmla="*/ 3418019 w 6617132"/>
-              <a:gd name="connsiteY0" fmla="*/ 0 h 9155824"/>
-              <a:gd name="connsiteX1" fmla="*/ 5776349 w 6617132"/>
-              <a:gd name="connsiteY1" fmla="*/ 1669543 h 9155824"/>
-              <a:gd name="connsiteX2" fmla="*/ 6617132 w 6617132"/>
-              <a:gd name="connsiteY2" fmla="*/ 9155824 h 9155824"/>
-              <a:gd name="connsiteX3" fmla="*/ 0 w 6617132"/>
-              <a:gd name="connsiteY3" fmla="*/ 4604106 h 9155824"/>
-              <a:gd name="connsiteX4" fmla="*/ 3418019 w 6617132"/>
-              <a:gd name="connsiteY4" fmla="*/ 0 h 9155824"/>
-              <a:gd name="connsiteX0" fmla="*/ 2977237 w 6176350"/>
-              <a:gd name="connsiteY0" fmla="*/ 0 h 9155824"/>
-              <a:gd name="connsiteX1" fmla="*/ 5335567 w 6176350"/>
-              <a:gd name="connsiteY1" fmla="*/ 1669543 h 9155824"/>
-              <a:gd name="connsiteX2" fmla="*/ 6176350 w 6176350"/>
-              <a:gd name="connsiteY2" fmla="*/ 9155824 h 9155824"/>
-              <a:gd name="connsiteX3" fmla="*/ 0 w 6176350"/>
-              <a:gd name="connsiteY3" fmla="*/ 4755767 h 9155824"/>
-              <a:gd name="connsiteX4" fmla="*/ 2977237 w 6176350"/>
-              <a:gd name="connsiteY4" fmla="*/ 0 h 9155824"/>
-              <a:gd name="connsiteX0" fmla="*/ 3312804 w 6511917"/>
-              <a:gd name="connsiteY0" fmla="*/ 0 h 9155824"/>
-              <a:gd name="connsiteX1" fmla="*/ 5671134 w 6511917"/>
-              <a:gd name="connsiteY1" fmla="*/ 1669543 h 9155824"/>
-              <a:gd name="connsiteX2" fmla="*/ 6511917 w 6511917"/>
-              <a:gd name="connsiteY2" fmla="*/ 9155824 h 9155824"/>
-              <a:gd name="connsiteX3" fmla="*/ 0 w 6511917"/>
-              <a:gd name="connsiteY3" fmla="*/ 4666536 h 9155824"/>
-              <a:gd name="connsiteX4" fmla="*/ 3312804 w 6511917"/>
-              <a:gd name="connsiteY4" fmla="*/ 0 h 9155824"/>
-              <a:gd name="connsiteX0" fmla="*/ 3312804 w 6511917"/>
-              <a:gd name="connsiteY0" fmla="*/ 0 h 9155824"/>
-              <a:gd name="connsiteX1" fmla="*/ 5671134 w 6511917"/>
-              <a:gd name="connsiteY1" fmla="*/ 1669543 h 9155824"/>
-              <a:gd name="connsiteX2" fmla="*/ 6511917 w 6511917"/>
-              <a:gd name="connsiteY2" fmla="*/ 9155824 h 9155824"/>
-              <a:gd name="connsiteX3" fmla="*/ 0 w 6511917"/>
-              <a:gd name="connsiteY3" fmla="*/ 4666536 h 9155824"/>
-              <a:gd name="connsiteX4" fmla="*/ 3312804 w 6511917"/>
-              <a:gd name="connsiteY4" fmla="*/ 0 h 9155824"/>
-              <a:gd name="connsiteX0" fmla="*/ 3327772 w 6526885"/>
-              <a:gd name="connsiteY0" fmla="*/ 0 h 9155824"/>
-              <a:gd name="connsiteX1" fmla="*/ 5686102 w 6526885"/>
-              <a:gd name="connsiteY1" fmla="*/ 1669543 h 9155824"/>
-              <a:gd name="connsiteX2" fmla="*/ 6526885 w 6526885"/>
-              <a:gd name="connsiteY2" fmla="*/ 9155824 h 9155824"/>
-              <a:gd name="connsiteX3" fmla="*/ 0 w 6526885"/>
-              <a:gd name="connsiteY3" fmla="*/ 4528030 h 9155824"/>
-              <a:gd name="connsiteX4" fmla="*/ 3327772 w 6526885"/>
-              <a:gd name="connsiteY4" fmla="*/ 0 h 9155824"/>
-              <a:gd name="connsiteX0" fmla="*/ 3240494 w 6526885"/>
-              <a:gd name="connsiteY0" fmla="*/ 0 h 9232349"/>
-              <a:gd name="connsiteX1" fmla="*/ 5686102 w 6526885"/>
-              <a:gd name="connsiteY1" fmla="*/ 1746068 h 9232349"/>
-              <a:gd name="connsiteX2" fmla="*/ 6526885 w 6526885"/>
-              <a:gd name="connsiteY2" fmla="*/ 9232349 h 9232349"/>
-              <a:gd name="connsiteX3" fmla="*/ 0 w 6526885"/>
-              <a:gd name="connsiteY3" fmla="*/ 4604555 h 9232349"/>
-              <a:gd name="connsiteX4" fmla="*/ 3240494 w 6526885"/>
-              <a:gd name="connsiteY4" fmla="*/ 0 h 9232349"/>
-              <a:gd name="connsiteX0" fmla="*/ 3240494 w 6526885"/>
-              <a:gd name="connsiteY0" fmla="*/ 0 h 9232349"/>
-              <a:gd name="connsiteX1" fmla="*/ 6233821 w 6526885"/>
-              <a:gd name="connsiteY1" fmla="*/ 2151378 h 9232349"/>
-              <a:gd name="connsiteX2" fmla="*/ 6526885 w 6526885"/>
-              <a:gd name="connsiteY2" fmla="*/ 9232349 h 9232349"/>
-              <a:gd name="connsiteX3" fmla="*/ 0 w 6526885"/>
-              <a:gd name="connsiteY3" fmla="*/ 4604555 h 9232349"/>
-              <a:gd name="connsiteX4" fmla="*/ 3240494 w 6526885"/>
-              <a:gd name="connsiteY4" fmla="*/ 0 h 9232349"/>
-              <a:gd name="connsiteX0" fmla="*/ 3278081 w 6526885"/>
-              <a:gd name="connsiteY0" fmla="*/ 0 h 9205510"/>
-              <a:gd name="connsiteX1" fmla="*/ 6233821 w 6526885"/>
-              <a:gd name="connsiteY1" fmla="*/ 2124539 h 9205510"/>
-              <a:gd name="connsiteX2" fmla="*/ 6526885 w 6526885"/>
-              <a:gd name="connsiteY2" fmla="*/ 9205510 h 9205510"/>
-              <a:gd name="connsiteX3" fmla="*/ 0 w 6526885"/>
-              <a:gd name="connsiteY3" fmla="*/ 4577716 h 9205510"/>
-              <a:gd name="connsiteX4" fmla="*/ 3278081 w 6526885"/>
-              <a:gd name="connsiteY4" fmla="*/ 0 h 9205510"/>
-              <a:gd name="connsiteX0" fmla="*/ 3256581 w 6526885"/>
-              <a:gd name="connsiteY0" fmla="*/ 0 h 9235065"/>
-              <a:gd name="connsiteX1" fmla="*/ 6233821 w 6526885"/>
-              <a:gd name="connsiteY1" fmla="*/ 2154094 h 9235065"/>
-              <a:gd name="connsiteX2" fmla="*/ 6526885 w 6526885"/>
-              <a:gd name="connsiteY2" fmla="*/ 9235065 h 9235065"/>
-              <a:gd name="connsiteX3" fmla="*/ 0 w 6526885"/>
-              <a:gd name="connsiteY3" fmla="*/ 4607271 h 9235065"/>
-              <a:gd name="connsiteX4" fmla="*/ 3256581 w 6526885"/>
-              <a:gd name="connsiteY4" fmla="*/ 0 h 9235065"/>
-              <a:gd name="connsiteX0" fmla="*/ 3246026 w 6516330"/>
-              <a:gd name="connsiteY0" fmla="*/ 0 h 9235065"/>
-              <a:gd name="connsiteX1" fmla="*/ 6223266 w 6516330"/>
-              <a:gd name="connsiteY1" fmla="*/ 2154094 h 9235065"/>
-              <a:gd name="connsiteX2" fmla="*/ 6516330 w 6516330"/>
-              <a:gd name="connsiteY2" fmla="*/ 9235065 h 9235065"/>
-              <a:gd name="connsiteX3" fmla="*/ 0 w 6516330"/>
-              <a:gd name="connsiteY3" fmla="*/ 4583643 h 9235065"/>
-              <a:gd name="connsiteX4" fmla="*/ 3246026 w 6516330"/>
-              <a:gd name="connsiteY4" fmla="*/ 0 h 9235065"/>
-              <a:gd name="connsiteX0" fmla="*/ 3218414 w 6516330"/>
-              <a:gd name="connsiteY0" fmla="*/ 0 h 9204916"/>
-              <a:gd name="connsiteX1" fmla="*/ 6223266 w 6516330"/>
-              <a:gd name="connsiteY1" fmla="*/ 2123945 h 9204916"/>
-              <a:gd name="connsiteX2" fmla="*/ 6516330 w 6516330"/>
-              <a:gd name="connsiteY2" fmla="*/ 9204916 h 9204916"/>
-              <a:gd name="connsiteX3" fmla="*/ 0 w 6516330"/>
-              <a:gd name="connsiteY3" fmla="*/ 4553494 h 9204916"/>
-              <a:gd name="connsiteX4" fmla="*/ 3218414 w 6516330"/>
-              <a:gd name="connsiteY4" fmla="*/ 0 h 9204916"/>
-              <a:gd name="connsiteX0" fmla="*/ 3236659 w 6516330"/>
-              <a:gd name="connsiteY0" fmla="*/ 0 h 9204356"/>
-              <a:gd name="connsiteX1" fmla="*/ 6223266 w 6516330"/>
-              <a:gd name="connsiteY1" fmla="*/ 2123385 h 9204356"/>
-              <a:gd name="connsiteX2" fmla="*/ 6516330 w 6516330"/>
-              <a:gd name="connsiteY2" fmla="*/ 9204356 h 9204356"/>
-              <a:gd name="connsiteX3" fmla="*/ 0 w 6516330"/>
-              <a:gd name="connsiteY3" fmla="*/ 4552934 h 9204356"/>
-              <a:gd name="connsiteX4" fmla="*/ 3236659 w 6516330"/>
-              <a:gd name="connsiteY4" fmla="*/ 0 h 9204356"/>
-            </a:gdLst>
-            <a:ahLst/>
-            <a:cxnLst>
-              <a:cxn ang="0">
-                <a:pos x="connsiteX0" y="connsiteY0"/>
-              </a:cxn>
-              <a:cxn ang="0">
-                <a:pos x="connsiteX1" y="connsiteY1"/>
-              </a:cxn>
-              <a:cxn ang="0">
-                <a:pos x="connsiteX2" y="connsiteY2"/>
-              </a:cxn>
-              <a:cxn ang="0">
-                <a:pos x="connsiteX3" y="connsiteY3"/>
-              </a:cxn>
-              <a:cxn ang="0">
-                <a:pos x="connsiteX4" y="connsiteY4"/>
-              </a:cxn>
-            </a:cxnLst>
-            <a:rect l="l" t="t" r="r" b="b"/>
-            <a:pathLst>
-              <a:path w="6516330" h="9204356">
-                <a:moveTo>
-                  <a:pt x="3236659" y="0"/>
-                </a:moveTo>
-                <a:lnTo>
-                  <a:pt x="6223266" y="2123385"/>
-                </a:lnTo>
-                <a:lnTo>
-                  <a:pt x="6516330" y="9204356"/>
-                </a:lnTo>
-                <a:lnTo>
-                  <a:pt x="0" y="4552934"/>
-                </a:lnTo>
-                <a:cubicBezTo>
-                  <a:pt x="1755645" y="2134992"/>
-                  <a:pt x="1594228" y="2311466"/>
-                  <a:pt x="3236659" y="0"/>
-                </a:cubicBezTo>
-                <a:close/>
-              </a:path>
-            </a:pathLst>
-          </a:custGeom>
+        </p:nvGrpSpPr>
+        <p:grpSpPr>
+          <a:xfrm>
+            <a:off x="0" y="955040"/>
+            <a:ext cx="7966453" cy="5567679"/>
+            <a:chOff x="0" y="955040"/>
+            <a:chExt cx="7966453" cy="5567679"/>
+          </a:xfrm>
           <a:solidFill>
-            <a:srgbClr val="607D8B"/>
+            <a:srgbClr val="78909C"/>
           </a:solidFill>
-          <a:ln>
-            <a:noFill/>
-          </a:ln>
-        </p:spPr>
-        <p:style>
-          <a:lnRef idx="2">
-            <a:schemeClr val="accent1">
-              <a:shade val="50000"/>
-            </a:schemeClr>
-          </a:lnRef>
-          <a:fillRef idx="1">
-            <a:schemeClr val="accent1"/>
-          </a:fillRef>
-          <a:effectRef idx="0">
-            <a:schemeClr val="accent1"/>
-          </a:effectRef>
-          <a:fontRef idx="minor">
-            <a:schemeClr val="lt1"/>
-          </a:fontRef>
-        </p:style>
-        <p:txBody>
-          <a:bodyPr rtlCol="0" anchor="ctr"/>
-          <a:lstStyle/>
-          <a:p>
-            <a:pPr algn="ctr"/>
-            <a:endParaRPr lang="it-IT" dirty="0"/>
-          </a:p>
-        </p:txBody>
-      </p:sp>
+        </p:grpSpPr>
+        <p:sp>
+          <p:nvSpPr>
+            <p:cNvPr id="8" name="Triangolo isoscele 7">
+              <a:extLst>
+                <a:ext uri="{FF2B5EF4-FFF2-40B4-BE49-F238E27FC236}">
+                  <a16:creationId xmlns:a16="http://schemas.microsoft.com/office/drawing/2014/main" id="{31279F97-355E-2AF2-6EEE-0D31B9267C27}"/>
+                </a:ext>
+              </a:extLst>
+            </p:cNvPr>
+            <p:cNvSpPr/>
+            <p:nvPr/>
+          </p:nvSpPr>
+          <p:spPr>
+            <a:xfrm>
+              <a:off x="1708102" y="955040"/>
+              <a:ext cx="6258351" cy="5474160"/>
+            </a:xfrm>
+            <a:prstGeom prst="triangle">
+              <a:avLst>
+                <a:gd name="adj" fmla="val 33116"/>
+              </a:avLst>
+            </a:prstGeom>
+            <a:grpFill/>
+            <a:ln>
+              <a:noFill/>
+            </a:ln>
+          </p:spPr>
+          <p:style>
+            <a:lnRef idx="2">
+              <a:schemeClr val="accent1">
+                <a:shade val="50000"/>
+              </a:schemeClr>
+            </a:lnRef>
+            <a:fillRef idx="1">
+              <a:schemeClr val="accent1"/>
+            </a:fillRef>
+            <a:effectRef idx="0">
+              <a:schemeClr val="accent1"/>
+            </a:effectRef>
+            <a:fontRef idx="minor">
+              <a:schemeClr val="lt1"/>
+            </a:fontRef>
+          </p:style>
+          <p:txBody>
+            <a:bodyPr rtlCol="0" anchor="ctr"/>
+            <a:lstStyle/>
+            <a:p>
+              <a:pPr algn="ctr"/>
+              <a:endParaRPr lang="it-IT"/>
+            </a:p>
+          </p:txBody>
+        </p:sp>
+        <p:sp>
+          <p:nvSpPr>
+            <p:cNvPr id="9" name="Rettangolo 8">
+              <a:extLst>
+                <a:ext uri="{FF2B5EF4-FFF2-40B4-BE49-F238E27FC236}">
+                  <a16:creationId xmlns:a16="http://schemas.microsoft.com/office/drawing/2014/main" id="{304179AB-3185-0BD0-38A9-0295A39E5CC6}"/>
+                </a:ext>
+              </a:extLst>
+            </p:cNvPr>
+            <p:cNvSpPr/>
+            <p:nvPr/>
+          </p:nvSpPr>
+          <p:spPr>
+            <a:xfrm>
+              <a:off x="0" y="1190364"/>
+              <a:ext cx="3944108" cy="5332355"/>
+            </a:xfrm>
+            <a:prstGeom prst="rect">
+              <a:avLst/>
+            </a:prstGeom>
+            <a:grpFill/>
+            <a:ln>
+              <a:noFill/>
+            </a:ln>
+          </p:spPr>
+          <p:style>
+            <a:lnRef idx="2">
+              <a:schemeClr val="accent1">
+                <a:shade val="50000"/>
+              </a:schemeClr>
+            </a:lnRef>
+            <a:fillRef idx="1">
+              <a:schemeClr val="accent1"/>
+            </a:fillRef>
+            <a:effectRef idx="0">
+              <a:schemeClr val="accent1"/>
+            </a:effectRef>
+            <a:fontRef idx="minor">
+              <a:schemeClr val="lt1"/>
+            </a:fontRef>
+          </p:style>
+          <p:txBody>
+            <a:bodyPr rtlCol="0" anchor="ctr"/>
+            <a:lstStyle/>
+            <a:p>
+              <a:pPr algn="ctr"/>
+              <a:endParaRPr lang="it-IT"/>
+            </a:p>
+          </p:txBody>
+        </p:sp>
+      </p:grpSp>
       <p:sp>
         <p:nvSpPr>
           <p:cNvPr id="63" name="Google Shape;63;p14"/>
@@ -8377,7 +8228,7 @@
         </p:nvSpPr>
         <p:spPr>
           <a:xfrm>
-            <a:off x="5072566" y="1941114"/>
+            <a:off x="5069367" y="1908932"/>
             <a:ext cx="4407431" cy="861734"/>
           </a:xfrm>
           <a:prstGeom prst="rect">
@@ -8444,7 +8295,7 @@
         </p:nvSpPr>
         <p:spPr>
           <a:xfrm>
-            <a:off x="5642568" y="2701347"/>
+            <a:off x="5642568" y="2701346"/>
             <a:ext cx="2507797" cy="861734"/>
           </a:xfrm>
           <a:prstGeom prst="rect">
@@ -8507,7 +8358,7 @@
         </p:nvSpPr>
         <p:spPr>
           <a:xfrm>
-            <a:off x="6288877" y="3369182"/>
+            <a:off x="6216733" y="3489233"/>
             <a:ext cx="2698791" cy="861734"/>
           </a:xfrm>
           <a:prstGeom prst="rect">
@@ -8538,7 +8389,7 @@
                 <a:ea typeface="Lora"/>
                 <a:cs typeface="Lora"/>
                 <a:sym typeface="Lora"/>
-                <a:hlinkClick r:id="rId6" action="ppaction://hlinksldjump">
+                <a:hlinkClick r:id="rId5" action="ppaction://hlinksldjump">
                   <a:extLst>
                     <a:ext uri="{A12FA001-AC4F-418D-AE19-62706E023703}">
                       <ahyp:hlinkClr xmlns:ahyp="http://schemas.microsoft.com/office/drawing/2018/hyperlinkcolor" val="tx"/>
@@ -8546,19 +8397,7 @@
                   </a:extLst>
                 </a:hlinkClick>
               </a:rPr>
-              <a:t>3. </a:t>
-            </a:r>
-            <a:r>
-              <a:rPr lang="it" sz="4000" b="1" u="sng" dirty="0">
-                <a:solidFill>
-                  <a:srgbClr val="263238"/>
-                </a:solidFill>
-                <a:latin typeface="Lora"/>
-                <a:ea typeface="Lora"/>
-                <a:cs typeface="Lora"/>
-                <a:sym typeface="Lora"/>
-              </a:rPr>
-              <a:t>Grafica</a:t>
+              <a:t>3. Grafica</a:t>
             </a:r>
             <a:endParaRPr sz="4000" b="1" dirty="0">
               <a:solidFill>
@@ -8660,7 +8499,7 @@
       <p:sp>
         <p:nvSpPr>
           <p:cNvPr id="2" name="Google Shape;65;p14">
-            <a:hlinkClick r:id="rId7" action="ppaction://hlinksldjump"/>
+            <a:hlinkClick r:id="rId6" action="ppaction://hlinksldjump"/>
             <a:extLst>
               <a:ext uri="{FF2B5EF4-FFF2-40B4-BE49-F238E27FC236}">
                 <a16:creationId xmlns:a16="http://schemas.microsoft.com/office/drawing/2014/main" id="{63B20126-DC3D-1188-0B12-2430681665BD}"/>
@@ -8672,7 +8511,7 @@
         </p:nvSpPr>
         <p:spPr>
           <a:xfrm>
-            <a:off x="6728826" y="4037018"/>
+            <a:off x="6896466" y="4207800"/>
             <a:ext cx="2843078" cy="861734"/>
           </a:xfrm>
           <a:prstGeom prst="rect">

--- a/src/assets/presentation/Presentazione_News.pptx
+++ b/src/assets/presentation/Presentazione_News.pptx
@@ -211,7 +211,7 @@
           <a:p>
             <a:fld id="{53EA131C-FDEA-4DB5-8B04-E97A7817AF64}" type="datetimeFigureOut">
               <a:rPr lang="it-IT" smtClean="0"/>
-              <a:t>08/02/2023</a:t>
+              <a:t>17/02/2023</a:t>
             </a:fld>
             <a:endParaRPr lang="it-IT"/>
           </a:p>
@@ -2240,7 +2240,7 @@
           <a:p>
             <a:fld id="{8F4123FD-8503-424E-BB0E-06AF7306D130}" type="datetimeFigureOut">
               <a:rPr lang="it-IT" smtClean="0"/>
-              <a:t>08/02/2023</a:t>
+              <a:t>17/02/2023</a:t>
             </a:fld>
             <a:endParaRPr lang="it-IT"/>
           </a:p>
@@ -2438,7 +2438,7 @@
           <a:p>
             <a:fld id="{8F4123FD-8503-424E-BB0E-06AF7306D130}" type="datetimeFigureOut">
               <a:rPr lang="it-IT" smtClean="0"/>
-              <a:t>08/02/2023</a:t>
+              <a:t>17/02/2023</a:t>
             </a:fld>
             <a:endParaRPr lang="it-IT"/>
           </a:p>
@@ -2646,7 +2646,7 @@
           <a:p>
             <a:fld id="{8F4123FD-8503-424E-BB0E-06AF7306D130}" type="datetimeFigureOut">
               <a:rPr lang="it-IT" smtClean="0"/>
-              <a:t>08/02/2023</a:t>
+              <a:t>17/02/2023</a:t>
             </a:fld>
             <a:endParaRPr lang="it-IT"/>
           </a:p>
@@ -2844,7 +2844,7 @@
           <a:p>
             <a:fld id="{8F4123FD-8503-424E-BB0E-06AF7306D130}" type="datetimeFigureOut">
               <a:rPr lang="it-IT" smtClean="0"/>
-              <a:t>08/02/2023</a:t>
+              <a:t>17/02/2023</a:t>
             </a:fld>
             <a:endParaRPr lang="it-IT"/>
           </a:p>
@@ -3119,7 +3119,7 @@
           <a:p>
             <a:fld id="{8F4123FD-8503-424E-BB0E-06AF7306D130}" type="datetimeFigureOut">
               <a:rPr lang="it-IT" smtClean="0"/>
-              <a:t>08/02/2023</a:t>
+              <a:t>17/02/2023</a:t>
             </a:fld>
             <a:endParaRPr lang="it-IT"/>
           </a:p>
@@ -3384,7 +3384,7 @@
           <a:p>
             <a:fld id="{8F4123FD-8503-424E-BB0E-06AF7306D130}" type="datetimeFigureOut">
               <a:rPr lang="it-IT" smtClean="0"/>
-              <a:t>08/02/2023</a:t>
+              <a:t>17/02/2023</a:t>
             </a:fld>
             <a:endParaRPr lang="it-IT"/>
           </a:p>
@@ -3796,7 +3796,7 @@
           <a:p>
             <a:fld id="{8F4123FD-8503-424E-BB0E-06AF7306D130}" type="datetimeFigureOut">
               <a:rPr lang="it-IT" smtClean="0"/>
-              <a:t>08/02/2023</a:t>
+              <a:t>17/02/2023</a:t>
             </a:fld>
             <a:endParaRPr lang="it-IT"/>
           </a:p>
@@ -3937,7 +3937,7 @@
           <a:p>
             <a:fld id="{8F4123FD-8503-424E-BB0E-06AF7306D130}" type="datetimeFigureOut">
               <a:rPr lang="it-IT" smtClean="0"/>
-              <a:t>08/02/2023</a:t>
+              <a:t>17/02/2023</a:t>
             </a:fld>
             <a:endParaRPr lang="it-IT"/>
           </a:p>
@@ -4050,7 +4050,7 @@
           <a:p>
             <a:fld id="{8F4123FD-8503-424E-BB0E-06AF7306D130}" type="datetimeFigureOut">
               <a:rPr lang="it-IT" smtClean="0"/>
-              <a:t>08/02/2023</a:t>
+              <a:t>17/02/2023</a:t>
             </a:fld>
             <a:endParaRPr lang="it-IT"/>
           </a:p>
@@ -4361,7 +4361,7 @@
           <a:p>
             <a:fld id="{8F4123FD-8503-424E-BB0E-06AF7306D130}" type="datetimeFigureOut">
               <a:rPr lang="it-IT" smtClean="0"/>
-              <a:t>08/02/2023</a:t>
+              <a:t>17/02/2023</a:t>
             </a:fld>
             <a:endParaRPr lang="it-IT"/>
           </a:p>
@@ -4649,7 +4649,7 @@
           <a:p>
             <a:fld id="{8F4123FD-8503-424E-BB0E-06AF7306D130}" type="datetimeFigureOut">
               <a:rPr lang="it-IT" smtClean="0"/>
-              <a:t>08/02/2023</a:t>
+              <a:t>17/02/2023</a:t>
             </a:fld>
             <a:endParaRPr lang="it-IT"/>
           </a:p>
@@ -4893,7 +4893,7 @@
           <a:p>
             <a:fld id="{8F4123FD-8503-424E-BB0E-06AF7306D130}" type="datetimeFigureOut">
               <a:rPr lang="it-IT" smtClean="0"/>
-              <a:t>08/02/2023</a:t>
+              <a:t>17/02/2023</a:t>
             </a:fld>
             <a:endParaRPr lang="it-IT"/>
           </a:p>
@@ -7832,7 +7832,7 @@
       <p:sp>
         <p:nvSpPr>
           <p:cNvPr id="2" name="Google Shape;212;p28">
-            <a:hlinkClick r:id="rId7"/>
+            <a:hlinkClick r:id="rId4"/>
             <a:extLst>
               <a:ext uri="{FF2B5EF4-FFF2-40B4-BE49-F238E27FC236}">
                 <a16:creationId xmlns:a16="http://schemas.microsoft.com/office/drawing/2014/main" id="{5F1ACA10-47C2-B5F0-5411-3FF4E21DA98D}"/>
@@ -7871,7 +7871,7 @@
                 <a:cs typeface="Lora"/>
                 <a:sym typeface="Lora"/>
               </a:rPr>
-              <a:t>https://giovannipacelli2.github.io/news/src</a:t>
+              <a:t>https://giovannipacelli2.github.io/news/dist</a:t>
             </a:r>
             <a:endParaRPr sz="2000" b="1" dirty="0">
               <a:solidFill>
@@ -7925,7 +7925,7 @@
                 <a:ea typeface="Lora"/>
                 <a:cs typeface="Lora"/>
                 <a:sym typeface="Lora"/>
-                <a:hlinkClick r:id="rId8">
+                <a:hlinkClick r:id="rId7">
                   <a:extLst>
                     <a:ext uri="{A12FA001-AC4F-418D-AE19-62706E023703}">
                       <ahyp:hlinkClr xmlns:ahyp="http://schemas.microsoft.com/office/drawing/2018/hyperlinkcolor" val="tx"/>
